--- a/第5章-GDAL开源库及栅格数据处理-8课时/第五章-栅格数据处理.pptx
+++ b/第5章-GDAL开源库及栅格数据处理-8课时/第五章-栅格数据处理.pptx
@@ -455,6 +455,553 @@
 <file path=ppt/changesInfos/changesInfo1.xml><?xml version="1.0" encoding="utf-8"?>
 <pc:chgInfo xmlns:a="http://schemas.openxmlformats.org/drawingml/2006/main" xmlns:r="http://schemas.openxmlformats.org/officeDocument/2006/relationships" xmlns:ac="http://schemas.microsoft.com/office/drawing/2013/main/command" xmlns:pc="http://schemas.microsoft.com/office/powerpoint/2013/main/command">
   <pc:docChgLst>
+    <pc:chgData name="Xin Luo" userId="82312ee5779919a4" providerId="LiveId" clId="{CBF7951B-2EAB-7D42-8E2C-4BAF1ECDD504}"/>
+    <pc:docChg chg="undo custSel addSld modSld sldOrd">
+      <pc:chgData name="Xin Luo" userId="82312ee5779919a4" providerId="LiveId" clId="{CBF7951B-2EAB-7D42-8E2C-4BAF1ECDD504}" dt="2024-07-31T07:21:47.612" v="1497" actId="20577"/>
+      <pc:docMkLst>
+        <pc:docMk/>
+      </pc:docMkLst>
+      <pc:sldChg chg="modSp mod">
+        <pc:chgData name="Xin Luo" userId="82312ee5779919a4" providerId="LiveId" clId="{CBF7951B-2EAB-7D42-8E2C-4BAF1ECDD504}" dt="2024-07-27T13:12:06.789" v="1170" actId="1036"/>
+        <pc:sldMkLst>
+          <pc:docMk/>
+          <pc:sldMk cId="1576120367" sldId="2387"/>
+        </pc:sldMkLst>
+        <pc:spChg chg="mod">
+          <ac:chgData name="Xin Luo" userId="82312ee5779919a4" providerId="LiveId" clId="{CBF7951B-2EAB-7D42-8E2C-4BAF1ECDD504}" dt="2024-07-27T13:12:06.789" v="1170" actId="1036"/>
+          <ac:spMkLst>
+            <pc:docMk/>
+            <pc:sldMk cId="1576120367" sldId="2387"/>
+            <ac:spMk id="6" creationId="{00000000-0000-0000-0000-000000000000}"/>
+          </ac:spMkLst>
+        </pc:spChg>
+      </pc:sldChg>
+      <pc:sldChg chg="addSp delSp modSp">
+        <pc:chgData name="Xin Luo" userId="82312ee5779919a4" providerId="LiveId" clId="{CBF7951B-2EAB-7D42-8E2C-4BAF1ECDD504}" dt="2024-07-27T07:15:50.788" v="11" actId="478"/>
+        <pc:sldMkLst>
+          <pc:docMk/>
+          <pc:sldMk cId="1658607177" sldId="2708"/>
+        </pc:sldMkLst>
+        <pc:picChg chg="add del mod">
+          <ac:chgData name="Xin Luo" userId="82312ee5779919a4" providerId="LiveId" clId="{CBF7951B-2EAB-7D42-8E2C-4BAF1ECDD504}" dt="2024-07-27T07:15:50.788" v="11" actId="478"/>
+          <ac:picMkLst>
+            <pc:docMk/>
+            <pc:sldMk cId="1658607177" sldId="2708"/>
+            <ac:picMk id="1026" creationId="{AA234E76-0DB9-7356-3780-76C95F05ED0E}"/>
+          </ac:picMkLst>
+        </pc:picChg>
+      </pc:sldChg>
+      <pc:sldChg chg="modSp mod">
+        <pc:chgData name="Xin Luo" userId="82312ee5779919a4" providerId="LiveId" clId="{CBF7951B-2EAB-7D42-8E2C-4BAF1ECDD504}" dt="2024-07-29T15:13:06.385" v="1246" actId="20577"/>
+        <pc:sldMkLst>
+          <pc:docMk/>
+          <pc:sldMk cId="580867947" sldId="2747"/>
+        </pc:sldMkLst>
+        <pc:spChg chg="mod">
+          <ac:chgData name="Xin Luo" userId="82312ee5779919a4" providerId="LiveId" clId="{CBF7951B-2EAB-7D42-8E2C-4BAF1ECDD504}" dt="2024-07-29T15:13:06.385" v="1246" actId="20577"/>
+          <ac:spMkLst>
+            <pc:docMk/>
+            <pc:sldMk cId="580867947" sldId="2747"/>
+            <ac:spMk id="3" creationId="{00000000-0000-0000-0000-000000000000}"/>
+          </ac:spMkLst>
+        </pc:spChg>
+        <pc:spChg chg="mod">
+          <ac:chgData name="Xin Luo" userId="82312ee5779919a4" providerId="LiveId" clId="{CBF7951B-2EAB-7D42-8E2C-4BAF1ECDD504}" dt="2024-07-27T08:24:08.673" v="221" actId="20577"/>
+          <ac:spMkLst>
+            <pc:docMk/>
+            <pc:sldMk cId="580867947" sldId="2747"/>
+            <ac:spMk id="5" creationId="{78502774-B04C-634F-1396-E5815996BC36}"/>
+          </ac:spMkLst>
+        </pc:spChg>
+      </pc:sldChg>
+      <pc:sldChg chg="delSp modSp mod">
+        <pc:chgData name="Xin Luo" userId="82312ee5779919a4" providerId="LiveId" clId="{CBF7951B-2EAB-7D42-8E2C-4BAF1ECDD504}" dt="2024-07-31T07:20:02.529" v="1457" actId="207"/>
+        <pc:sldMkLst>
+          <pc:docMk/>
+          <pc:sldMk cId="3818021166" sldId="2760"/>
+        </pc:sldMkLst>
+        <pc:spChg chg="mod">
+          <ac:chgData name="Xin Luo" userId="82312ee5779919a4" providerId="LiveId" clId="{CBF7951B-2EAB-7D42-8E2C-4BAF1ECDD504}" dt="2024-07-29T15:15:53.827" v="1266" actId="20577"/>
+          <ac:spMkLst>
+            <pc:docMk/>
+            <pc:sldMk cId="3818021166" sldId="2760"/>
+            <ac:spMk id="2" creationId="{631AADB6-C88A-D817-4683-FC087E4E240F}"/>
+          </ac:spMkLst>
+        </pc:spChg>
+        <pc:spChg chg="mod">
+          <ac:chgData name="Xin Luo" userId="82312ee5779919a4" providerId="LiveId" clId="{CBF7951B-2EAB-7D42-8E2C-4BAF1ECDD504}" dt="2024-07-29T15:13:34.702" v="1261"/>
+          <ac:spMkLst>
+            <pc:docMk/>
+            <pc:sldMk cId="3818021166" sldId="2760"/>
+            <ac:spMk id="3" creationId="{00000000-0000-0000-0000-000000000000}"/>
+          </ac:spMkLst>
+        </pc:spChg>
+        <pc:spChg chg="mod">
+          <ac:chgData name="Xin Luo" userId="82312ee5779919a4" providerId="LiveId" clId="{CBF7951B-2EAB-7D42-8E2C-4BAF1ECDD504}" dt="2024-07-27T13:20:43.179" v="1173" actId="1076"/>
+          <ac:spMkLst>
+            <pc:docMk/>
+            <pc:sldMk cId="3818021166" sldId="2760"/>
+            <ac:spMk id="4" creationId="{EC86E6A6-A798-D8AF-89B3-B9EF17A7734A}"/>
+          </ac:spMkLst>
+        </pc:spChg>
+        <pc:spChg chg="mod">
+          <ac:chgData name="Xin Luo" userId="82312ee5779919a4" providerId="LiveId" clId="{CBF7951B-2EAB-7D42-8E2C-4BAF1ECDD504}" dt="2024-07-31T07:20:02.529" v="1457" actId="207"/>
+          <ac:spMkLst>
+            <pc:docMk/>
+            <pc:sldMk cId="3818021166" sldId="2760"/>
+            <ac:spMk id="5" creationId="{799972CB-82FA-3BBB-40B5-08D28B498BE7}"/>
+          </ac:spMkLst>
+        </pc:spChg>
+        <pc:spChg chg="del">
+          <ac:chgData name="Xin Luo" userId="82312ee5779919a4" providerId="LiveId" clId="{CBF7951B-2EAB-7D42-8E2C-4BAF1ECDD504}" dt="2024-07-27T07:16:47.851" v="17" actId="478"/>
+          <ac:spMkLst>
+            <pc:docMk/>
+            <pc:sldMk cId="3818021166" sldId="2760"/>
+            <ac:spMk id="6" creationId="{DA984439-1B23-1931-1979-ECF8DE9D6DCA}"/>
+          </ac:spMkLst>
+        </pc:spChg>
+      </pc:sldChg>
+      <pc:sldChg chg="modSp mod">
+        <pc:chgData name="Xin Luo" userId="82312ee5779919a4" providerId="LiveId" clId="{CBF7951B-2EAB-7D42-8E2C-4BAF1ECDD504}" dt="2024-07-31T07:20:42.800" v="1464" actId="113"/>
+        <pc:sldMkLst>
+          <pc:docMk/>
+          <pc:sldMk cId="3080738912" sldId="2767"/>
+        </pc:sldMkLst>
+        <pc:spChg chg="mod">
+          <ac:chgData name="Xin Luo" userId="82312ee5779919a4" providerId="LiveId" clId="{CBF7951B-2EAB-7D42-8E2C-4BAF1ECDD504}" dt="2024-07-31T07:20:42.800" v="1464" actId="113"/>
+          <ac:spMkLst>
+            <pc:docMk/>
+            <pc:sldMk cId="3080738912" sldId="2767"/>
+            <ac:spMk id="8" creationId="{B4927106-7FAA-7DB9-6B73-C3C3BDD043CF}"/>
+          </ac:spMkLst>
+        </pc:spChg>
+      </pc:sldChg>
+      <pc:sldChg chg="modSp mod">
+        <pc:chgData name="Xin Luo" userId="82312ee5779919a4" providerId="LiveId" clId="{CBF7951B-2EAB-7D42-8E2C-4BAF1ECDD504}" dt="2024-07-31T07:20:13.546" v="1459" actId="403"/>
+        <pc:sldMkLst>
+          <pc:docMk/>
+          <pc:sldMk cId="2222334095" sldId="2769"/>
+        </pc:sldMkLst>
+        <pc:spChg chg="mod">
+          <ac:chgData name="Xin Luo" userId="82312ee5779919a4" providerId="LiveId" clId="{CBF7951B-2EAB-7D42-8E2C-4BAF1ECDD504}" dt="2024-07-31T07:20:13.546" v="1459" actId="403"/>
+          <ac:spMkLst>
+            <pc:docMk/>
+            <pc:sldMk cId="2222334095" sldId="2769"/>
+            <ac:spMk id="5" creationId="{78502774-B04C-634F-1396-E5815996BC36}"/>
+          </ac:spMkLst>
+        </pc:spChg>
+      </pc:sldChg>
+      <pc:sldChg chg="modSp mod">
+        <pc:chgData name="Xin Luo" userId="82312ee5779919a4" providerId="LiveId" clId="{CBF7951B-2EAB-7D42-8E2C-4BAF1ECDD504}" dt="2024-07-31T07:21:47.612" v="1497" actId="20577"/>
+        <pc:sldMkLst>
+          <pc:docMk/>
+          <pc:sldMk cId="2739444815" sldId="2770"/>
+        </pc:sldMkLst>
+        <pc:spChg chg="mod">
+          <ac:chgData name="Xin Luo" userId="82312ee5779919a4" providerId="LiveId" clId="{CBF7951B-2EAB-7D42-8E2C-4BAF1ECDD504}" dt="2024-07-31T07:21:47.612" v="1497" actId="20577"/>
+          <ac:spMkLst>
+            <pc:docMk/>
+            <pc:sldMk cId="2739444815" sldId="2770"/>
+            <ac:spMk id="2" creationId="{631AADB6-C88A-D817-4683-FC087E4E240F}"/>
+          </ac:spMkLst>
+        </pc:spChg>
+        <pc:spChg chg="mod">
+          <ac:chgData name="Xin Luo" userId="82312ee5779919a4" providerId="LiveId" clId="{CBF7951B-2EAB-7D42-8E2C-4BAF1ECDD504}" dt="2024-07-31T07:20:51.836" v="1465" actId="403"/>
+          <ac:spMkLst>
+            <pc:docMk/>
+            <pc:sldMk cId="2739444815" sldId="2770"/>
+            <ac:spMk id="5" creationId="{78502774-B04C-634F-1396-E5815996BC36}"/>
+          </ac:spMkLst>
+        </pc:spChg>
+      </pc:sldChg>
+      <pc:sldChg chg="addSp delSp modSp mod">
+        <pc:chgData name="Xin Luo" userId="82312ee5779919a4" providerId="LiveId" clId="{CBF7951B-2EAB-7D42-8E2C-4BAF1ECDD504}" dt="2024-07-29T15:13:14.136" v="1256" actId="20577"/>
+        <pc:sldMkLst>
+          <pc:docMk/>
+          <pc:sldMk cId="1939141190" sldId="2773"/>
+        </pc:sldMkLst>
+        <pc:spChg chg="mod">
+          <ac:chgData name="Xin Luo" userId="82312ee5779919a4" providerId="LiveId" clId="{CBF7951B-2EAB-7D42-8E2C-4BAF1ECDD504}" dt="2024-07-29T15:13:14.136" v="1256" actId="20577"/>
+          <ac:spMkLst>
+            <pc:docMk/>
+            <pc:sldMk cId="1939141190" sldId="2773"/>
+            <ac:spMk id="3" creationId="{00000000-0000-0000-0000-000000000000}"/>
+          </ac:spMkLst>
+        </pc:spChg>
+        <pc:spChg chg="del">
+          <ac:chgData name="Xin Luo" userId="82312ee5779919a4" providerId="LiveId" clId="{CBF7951B-2EAB-7D42-8E2C-4BAF1ECDD504}" dt="2024-07-27T09:42:46.626" v="623" actId="478"/>
+          <ac:spMkLst>
+            <pc:docMk/>
+            <pc:sldMk cId="1939141190" sldId="2773"/>
+            <ac:spMk id="4" creationId="{EC86E6A6-A798-D8AF-89B3-B9EF17A7734A}"/>
+          </ac:spMkLst>
+        </pc:spChg>
+        <pc:spChg chg="del">
+          <ac:chgData name="Xin Luo" userId="82312ee5779919a4" providerId="LiveId" clId="{CBF7951B-2EAB-7D42-8E2C-4BAF1ECDD504}" dt="2024-07-27T09:43:45.849" v="628" actId="478"/>
+          <ac:spMkLst>
+            <pc:docMk/>
+            <pc:sldMk cId="1939141190" sldId="2773"/>
+            <ac:spMk id="6" creationId="{DA984439-1B23-1931-1979-ECF8DE9D6DCA}"/>
+          </ac:spMkLst>
+        </pc:spChg>
+        <pc:spChg chg="add mod">
+          <ac:chgData name="Xin Luo" userId="82312ee5779919a4" providerId="LiveId" clId="{CBF7951B-2EAB-7D42-8E2C-4BAF1ECDD504}" dt="2024-07-27T14:37:53.837" v="1225" actId="20577"/>
+          <ac:spMkLst>
+            <pc:docMk/>
+            <pc:sldMk cId="1939141190" sldId="2773"/>
+            <ac:spMk id="8" creationId="{A54BF891-30B2-7F19-3098-16A28CFAAB5E}"/>
+          </ac:spMkLst>
+        </pc:spChg>
+        <pc:picChg chg="del mod">
+          <ac:chgData name="Xin Luo" userId="82312ee5779919a4" providerId="LiveId" clId="{CBF7951B-2EAB-7D42-8E2C-4BAF1ECDD504}" dt="2024-07-27T09:00:18.934" v="223" actId="478"/>
+          <ac:picMkLst>
+            <pc:docMk/>
+            <pc:sldMk cId="1939141190" sldId="2773"/>
+            <ac:picMk id="7" creationId="{C9EDB356-92F5-304A-F8C9-DBD3E1DBA192}"/>
+          </ac:picMkLst>
+        </pc:picChg>
+      </pc:sldChg>
+      <pc:sldChg chg="modSp mod">
+        <pc:chgData name="Xin Luo" userId="82312ee5779919a4" providerId="LiveId" clId="{CBF7951B-2EAB-7D42-8E2C-4BAF1ECDD504}" dt="2024-07-31T07:21:12.965" v="1469" actId="14100"/>
+        <pc:sldMkLst>
+          <pc:docMk/>
+          <pc:sldMk cId="4171926360" sldId="2774"/>
+        </pc:sldMkLst>
+        <pc:spChg chg="mod">
+          <ac:chgData name="Xin Luo" userId="82312ee5779919a4" providerId="LiveId" clId="{CBF7951B-2EAB-7D42-8E2C-4BAF1ECDD504}" dt="2024-07-29T15:13:58.260" v="1262"/>
+          <ac:spMkLst>
+            <pc:docMk/>
+            <pc:sldMk cId="4171926360" sldId="2774"/>
+            <ac:spMk id="3" creationId="{1DAC7634-4D8C-C121-51E0-C4D3E47B6372}"/>
+          </ac:spMkLst>
+        </pc:spChg>
+        <pc:spChg chg="mod">
+          <ac:chgData name="Xin Luo" userId="82312ee5779919a4" providerId="LiveId" clId="{CBF7951B-2EAB-7D42-8E2C-4BAF1ECDD504}" dt="2024-07-31T07:21:12.965" v="1469" actId="14100"/>
+          <ac:spMkLst>
+            <pc:docMk/>
+            <pc:sldMk cId="4171926360" sldId="2774"/>
+            <ac:spMk id="5" creationId="{BD088F6D-B9F5-B40E-D270-87B5BB401C63}"/>
+          </ac:spMkLst>
+        </pc:spChg>
+      </pc:sldChg>
+      <pc:sldChg chg="addSp modSp mod">
+        <pc:chgData name="Xin Luo" userId="82312ee5779919a4" providerId="LiveId" clId="{CBF7951B-2EAB-7D42-8E2C-4BAF1ECDD504}" dt="2024-07-31T07:16:42.700" v="1402" actId="113"/>
+        <pc:sldMkLst>
+          <pc:docMk/>
+          <pc:sldMk cId="4027169521" sldId="2775"/>
+        </pc:sldMkLst>
+        <pc:spChg chg="add mod">
+          <ac:chgData name="Xin Luo" userId="82312ee5779919a4" providerId="LiveId" clId="{CBF7951B-2EAB-7D42-8E2C-4BAF1ECDD504}" dt="2024-07-31T07:16:42.700" v="1402" actId="113"/>
+          <ac:spMkLst>
+            <pc:docMk/>
+            <pc:sldMk cId="4027169521" sldId="2775"/>
+            <ac:spMk id="4" creationId="{4A9D9B84-41C2-5188-7385-65D80FAA3713}"/>
+          </ac:spMkLst>
+        </pc:spChg>
+      </pc:sldChg>
+      <pc:sldChg chg="delSp modSp add mod ord">
+        <pc:chgData name="Xin Luo" userId="82312ee5779919a4" providerId="LiveId" clId="{CBF7951B-2EAB-7D42-8E2C-4BAF1ECDD504}" dt="2024-07-31T07:19:37.034" v="1451" actId="207"/>
+        <pc:sldMkLst>
+          <pc:docMk/>
+          <pc:sldMk cId="2004831950" sldId="2776"/>
+        </pc:sldMkLst>
+        <pc:spChg chg="mod">
+          <ac:chgData name="Xin Luo" userId="82312ee5779919a4" providerId="LiveId" clId="{CBF7951B-2EAB-7D42-8E2C-4BAF1ECDD504}" dt="2024-07-29T15:15:49.530" v="1264" actId="20577"/>
+          <ac:spMkLst>
+            <pc:docMk/>
+            <pc:sldMk cId="2004831950" sldId="2776"/>
+            <ac:spMk id="2" creationId="{631AADB6-C88A-D817-4683-FC087E4E240F}"/>
+          </ac:spMkLst>
+        </pc:spChg>
+        <pc:spChg chg="mod">
+          <ac:chgData name="Xin Luo" userId="82312ee5779919a4" providerId="LiveId" clId="{CBF7951B-2EAB-7D42-8E2C-4BAF1ECDD504}" dt="2024-07-29T15:13:31.360" v="1260"/>
+          <ac:spMkLst>
+            <pc:docMk/>
+            <pc:sldMk cId="2004831950" sldId="2776"/>
+            <ac:spMk id="3" creationId="{00000000-0000-0000-0000-000000000000}"/>
+          </ac:spMkLst>
+        </pc:spChg>
+        <pc:spChg chg="del">
+          <ac:chgData name="Xin Luo" userId="82312ee5779919a4" providerId="LiveId" clId="{CBF7951B-2EAB-7D42-8E2C-4BAF1ECDD504}" dt="2024-07-27T07:16:39.464" v="15" actId="478"/>
+          <ac:spMkLst>
+            <pc:docMk/>
+            <pc:sldMk cId="2004831950" sldId="2776"/>
+            <ac:spMk id="5" creationId="{799972CB-82FA-3BBB-40B5-08D28B498BE7}"/>
+          </ac:spMkLst>
+        </pc:spChg>
+        <pc:spChg chg="mod">
+          <ac:chgData name="Xin Luo" userId="82312ee5779919a4" providerId="LiveId" clId="{CBF7951B-2EAB-7D42-8E2C-4BAF1ECDD504}" dt="2024-07-31T07:19:37.034" v="1451" actId="207"/>
+          <ac:spMkLst>
+            <pc:docMk/>
+            <pc:sldMk cId="2004831950" sldId="2776"/>
+            <ac:spMk id="6" creationId="{DA984439-1B23-1931-1979-ECF8DE9D6DCA}"/>
+          </ac:spMkLst>
+        </pc:spChg>
+      </pc:sldChg>
+      <pc:sldChg chg="modSp add mod">
+        <pc:chgData name="Xin Luo" userId="82312ee5779919a4" providerId="LiveId" clId="{CBF7951B-2EAB-7D42-8E2C-4BAF1ECDD504}" dt="2024-07-29T15:13:27.884" v="1259"/>
+        <pc:sldMkLst>
+          <pc:docMk/>
+          <pc:sldMk cId="189699792" sldId="2777"/>
+        </pc:sldMkLst>
+        <pc:spChg chg="mod">
+          <ac:chgData name="Xin Luo" userId="82312ee5779919a4" providerId="LiveId" clId="{CBF7951B-2EAB-7D42-8E2C-4BAF1ECDD504}" dt="2024-07-29T15:13:27.884" v="1259"/>
+          <ac:spMkLst>
+            <pc:docMk/>
+            <pc:sldMk cId="189699792" sldId="2777"/>
+            <ac:spMk id="3" creationId="{00000000-0000-0000-0000-000000000000}"/>
+          </ac:spMkLst>
+        </pc:spChg>
+        <pc:spChg chg="mod">
+          <ac:chgData name="Xin Luo" userId="82312ee5779919a4" providerId="LiveId" clId="{CBF7951B-2EAB-7D42-8E2C-4BAF1ECDD504}" dt="2024-07-27T14:41:43.496" v="1236" actId="1035"/>
+          <ac:spMkLst>
+            <pc:docMk/>
+            <pc:sldMk cId="189699792" sldId="2777"/>
+            <ac:spMk id="6" creationId="{DA984439-1B23-1931-1979-ECF8DE9D6DCA}"/>
+          </ac:spMkLst>
+        </pc:spChg>
+        <pc:picChg chg="mod">
+          <ac:chgData name="Xin Luo" userId="82312ee5779919a4" providerId="LiveId" clId="{CBF7951B-2EAB-7D42-8E2C-4BAF1ECDD504}" dt="2024-07-29T01:48:59.295" v="1242" actId="1076"/>
+          <ac:picMkLst>
+            <pc:docMk/>
+            <pc:sldMk cId="189699792" sldId="2777"/>
+            <ac:picMk id="7" creationId="{C9EDB356-92F5-304A-F8C9-DBD3E1DBA192}"/>
+          </ac:picMkLst>
+        </pc:picChg>
+      </pc:sldChg>
+      <pc:sldChg chg="addSp delSp modSp add mod ord">
+        <pc:chgData name="Xin Luo" userId="82312ee5779919a4" providerId="LiveId" clId="{CBF7951B-2EAB-7D42-8E2C-4BAF1ECDD504}" dt="2024-07-29T15:18:03.468" v="1364" actId="255"/>
+        <pc:sldMkLst>
+          <pc:docMk/>
+          <pc:sldMk cId="1006882538" sldId="2778"/>
+        </pc:sldMkLst>
+        <pc:spChg chg="mod">
+          <ac:chgData name="Xin Luo" userId="82312ee5779919a4" providerId="LiveId" clId="{CBF7951B-2EAB-7D42-8E2C-4BAF1ECDD504}" dt="2024-07-29T15:13:20.440" v="1257"/>
+          <ac:spMkLst>
+            <pc:docMk/>
+            <pc:sldMk cId="1006882538" sldId="2778"/>
+            <ac:spMk id="3" creationId="{00000000-0000-0000-0000-000000000000}"/>
+          </ac:spMkLst>
+        </pc:spChg>
+        <pc:spChg chg="del">
+          <ac:chgData name="Xin Luo" userId="82312ee5779919a4" providerId="LiveId" clId="{CBF7951B-2EAB-7D42-8E2C-4BAF1ECDD504}" dt="2024-07-27T09:43:51.112" v="629" actId="478"/>
+          <ac:spMkLst>
+            <pc:docMk/>
+            <pc:sldMk cId="1006882538" sldId="2778"/>
+            <ac:spMk id="4" creationId="{EC86E6A6-A798-D8AF-89B3-B9EF17A7734A}"/>
+          </ac:spMkLst>
+        </pc:spChg>
+        <pc:spChg chg="add mod">
+          <ac:chgData name="Xin Luo" userId="82312ee5779919a4" providerId="LiveId" clId="{CBF7951B-2EAB-7D42-8E2C-4BAF1ECDD504}" dt="2024-07-29T15:18:03.468" v="1364" actId="255"/>
+          <ac:spMkLst>
+            <pc:docMk/>
+            <pc:sldMk cId="1006882538" sldId="2778"/>
+            <ac:spMk id="5" creationId="{559CF2A8-00CF-29F1-9509-BF0C4CC2BE46}"/>
+          </ac:spMkLst>
+        </pc:spChg>
+        <pc:spChg chg="del">
+          <ac:chgData name="Xin Luo" userId="82312ee5779919a4" providerId="LiveId" clId="{CBF7951B-2EAB-7D42-8E2C-4BAF1ECDD504}" dt="2024-07-27T09:43:31.571" v="626" actId="478"/>
+          <ac:spMkLst>
+            <pc:docMk/>
+            <pc:sldMk cId="1006882538" sldId="2778"/>
+            <ac:spMk id="6" creationId="{DA984439-1B23-1931-1979-ECF8DE9D6DCA}"/>
+          </ac:spMkLst>
+        </pc:spChg>
+        <pc:spChg chg="add mod">
+          <ac:chgData name="Xin Luo" userId="82312ee5779919a4" providerId="LiveId" clId="{CBF7951B-2EAB-7D42-8E2C-4BAF1ECDD504}" dt="2024-07-27T10:14:09.272" v="1079" actId="164"/>
+          <ac:spMkLst>
+            <pc:docMk/>
+            <pc:sldMk cId="1006882538" sldId="2778"/>
+            <ac:spMk id="8" creationId="{6587C86D-E34B-7547-D299-0344E8239AF7}"/>
+          </ac:spMkLst>
+        </pc:spChg>
+        <pc:spChg chg="add mod">
+          <ac:chgData name="Xin Luo" userId="82312ee5779919a4" providerId="LiveId" clId="{CBF7951B-2EAB-7D42-8E2C-4BAF1ECDD504}" dt="2024-07-27T10:14:09.272" v="1079" actId="164"/>
+          <ac:spMkLst>
+            <pc:docMk/>
+            <pc:sldMk cId="1006882538" sldId="2778"/>
+            <ac:spMk id="9" creationId="{D025657C-51AC-1B30-54B3-3142663ABF71}"/>
+          </ac:spMkLst>
+        </pc:spChg>
+        <pc:spChg chg="add mod">
+          <ac:chgData name="Xin Luo" userId="82312ee5779919a4" providerId="LiveId" clId="{CBF7951B-2EAB-7D42-8E2C-4BAF1ECDD504}" dt="2024-07-27T10:14:09.272" v="1079" actId="164"/>
+          <ac:spMkLst>
+            <pc:docMk/>
+            <pc:sldMk cId="1006882538" sldId="2778"/>
+            <ac:spMk id="10" creationId="{FC2B6412-1E63-8E29-131F-464DB8C53FDD}"/>
+          </ac:spMkLst>
+        </pc:spChg>
+        <pc:spChg chg="add mod">
+          <ac:chgData name="Xin Luo" userId="82312ee5779919a4" providerId="LiveId" clId="{CBF7951B-2EAB-7D42-8E2C-4BAF1ECDD504}" dt="2024-07-27T10:14:09.272" v="1079" actId="164"/>
+          <ac:spMkLst>
+            <pc:docMk/>
+            <pc:sldMk cId="1006882538" sldId="2778"/>
+            <ac:spMk id="11" creationId="{02802519-0433-E4EA-166B-00CED9CFF9F4}"/>
+          </ac:spMkLst>
+        </pc:spChg>
+        <pc:spChg chg="add mod">
+          <ac:chgData name="Xin Luo" userId="82312ee5779919a4" providerId="LiveId" clId="{CBF7951B-2EAB-7D42-8E2C-4BAF1ECDD504}" dt="2024-07-27T10:14:09.272" v="1079" actId="164"/>
+          <ac:spMkLst>
+            <pc:docMk/>
+            <pc:sldMk cId="1006882538" sldId="2778"/>
+            <ac:spMk id="12" creationId="{FB6FD861-BF65-09A7-4274-C21212855E5B}"/>
+          </ac:spMkLst>
+        </pc:spChg>
+        <pc:grpChg chg="add mod">
+          <ac:chgData name="Xin Luo" userId="82312ee5779919a4" providerId="LiveId" clId="{CBF7951B-2EAB-7D42-8E2C-4BAF1ECDD504}" dt="2024-07-27T13:11:51.232" v="1157" actId="1035"/>
+          <ac:grpSpMkLst>
+            <pc:docMk/>
+            <pc:sldMk cId="1006882538" sldId="2778"/>
+            <ac:grpSpMk id="24" creationId="{4816C267-82D6-9FE0-9B96-F596B0C05CEB}"/>
+          </ac:grpSpMkLst>
+        </pc:grpChg>
+        <pc:picChg chg="del">
+          <ac:chgData name="Xin Luo" userId="82312ee5779919a4" providerId="LiveId" clId="{CBF7951B-2EAB-7D42-8E2C-4BAF1ECDD504}" dt="2024-07-27T09:43:25.763" v="625" actId="478"/>
+          <ac:picMkLst>
+            <pc:docMk/>
+            <pc:sldMk cId="1006882538" sldId="2778"/>
+            <ac:picMk id="7" creationId="{C9EDB356-92F5-304A-F8C9-DBD3E1DBA192}"/>
+          </ac:picMkLst>
+        </pc:picChg>
+        <pc:cxnChg chg="add mod">
+          <ac:chgData name="Xin Luo" userId="82312ee5779919a4" providerId="LiveId" clId="{CBF7951B-2EAB-7D42-8E2C-4BAF1ECDD504}" dt="2024-07-27T10:14:09.272" v="1079" actId="164"/>
+          <ac:cxnSpMkLst>
+            <pc:docMk/>
+            <pc:sldMk cId="1006882538" sldId="2778"/>
+            <ac:cxnSpMk id="14" creationId="{DABDE03E-4919-13F7-125A-3BADC2306A8E}"/>
+          </ac:cxnSpMkLst>
+        </pc:cxnChg>
+        <pc:cxnChg chg="add mod">
+          <ac:chgData name="Xin Luo" userId="82312ee5779919a4" providerId="LiveId" clId="{CBF7951B-2EAB-7D42-8E2C-4BAF1ECDD504}" dt="2024-07-27T10:14:09.272" v="1079" actId="164"/>
+          <ac:cxnSpMkLst>
+            <pc:docMk/>
+            <pc:sldMk cId="1006882538" sldId="2778"/>
+            <ac:cxnSpMk id="15" creationId="{6A357DA3-CFF4-2203-8ABF-B3A2B5B8EF51}"/>
+          </ac:cxnSpMkLst>
+        </pc:cxnChg>
+        <pc:cxnChg chg="add mod">
+          <ac:chgData name="Xin Luo" userId="82312ee5779919a4" providerId="LiveId" clId="{CBF7951B-2EAB-7D42-8E2C-4BAF1ECDD504}" dt="2024-07-27T10:14:09.272" v="1079" actId="164"/>
+          <ac:cxnSpMkLst>
+            <pc:docMk/>
+            <pc:sldMk cId="1006882538" sldId="2778"/>
+            <ac:cxnSpMk id="18" creationId="{DABDE03E-4919-13F7-125A-3BADC2306A8E}"/>
+          </ac:cxnSpMkLst>
+        </pc:cxnChg>
+        <pc:cxnChg chg="add mod">
+          <ac:chgData name="Xin Luo" userId="82312ee5779919a4" providerId="LiveId" clId="{CBF7951B-2EAB-7D42-8E2C-4BAF1ECDD504}" dt="2024-07-27T10:14:09.272" v="1079" actId="164"/>
+          <ac:cxnSpMkLst>
+            <pc:docMk/>
+            <pc:sldMk cId="1006882538" sldId="2778"/>
+            <ac:cxnSpMk id="21" creationId="{0E0EA691-7D59-A957-556D-A50F1C2E856B}"/>
+          </ac:cxnSpMkLst>
+        </pc:cxnChg>
+      </pc:sldChg>
+      <pc:sldChg chg="addSp modSp add mod">
+        <pc:chgData name="Xin Luo" userId="82312ee5779919a4" providerId="LiveId" clId="{CBF7951B-2EAB-7D42-8E2C-4BAF1ECDD504}" dt="2024-07-31T07:17:04.618" v="1406" actId="113"/>
+        <pc:sldMkLst>
+          <pc:docMk/>
+          <pc:sldMk cId="3438544449" sldId="2779"/>
+        </pc:sldMkLst>
+        <pc:spChg chg="mod">
+          <ac:chgData name="Xin Luo" userId="82312ee5779919a4" providerId="LiveId" clId="{CBF7951B-2EAB-7D42-8E2C-4BAF1ECDD504}" dt="2024-07-29T15:13:24.445" v="1258"/>
+          <ac:spMkLst>
+            <pc:docMk/>
+            <pc:sldMk cId="3438544449" sldId="2779"/>
+            <ac:spMk id="3" creationId="{00000000-0000-0000-0000-000000000000}"/>
+          </ac:spMkLst>
+        </pc:spChg>
+        <pc:spChg chg="mod">
+          <ac:chgData name="Xin Luo" userId="82312ee5779919a4" providerId="LiveId" clId="{CBF7951B-2EAB-7D42-8E2C-4BAF1ECDD504}" dt="2024-07-31T07:17:04.618" v="1406" actId="113"/>
+          <ac:spMkLst>
+            <pc:docMk/>
+            <pc:sldMk cId="3438544449" sldId="2779"/>
+            <ac:spMk id="5" creationId="{559CF2A8-00CF-29F1-9509-BF0C4CC2BE46}"/>
+          </ac:spMkLst>
+        </pc:spChg>
+        <pc:spChg chg="mod">
+          <ac:chgData name="Xin Luo" userId="82312ee5779919a4" providerId="LiveId" clId="{CBF7951B-2EAB-7D42-8E2C-4BAF1ECDD504}" dt="2024-07-27T10:14:10.945" v="1080"/>
+          <ac:spMkLst>
+            <pc:docMk/>
+            <pc:sldMk cId="3438544449" sldId="2779"/>
+            <ac:spMk id="6" creationId="{5AB19229-BF49-F277-96B8-07B803CD5912}"/>
+          </ac:spMkLst>
+        </pc:spChg>
+        <pc:spChg chg="mod">
+          <ac:chgData name="Xin Luo" userId="82312ee5779919a4" providerId="LiveId" clId="{CBF7951B-2EAB-7D42-8E2C-4BAF1ECDD504}" dt="2024-07-27T10:14:10.945" v="1080"/>
+          <ac:spMkLst>
+            <pc:docMk/>
+            <pc:sldMk cId="3438544449" sldId="2779"/>
+            <ac:spMk id="7" creationId="{BD630C9E-7C7B-C021-0784-117DFB5D0FF3}"/>
+          </ac:spMkLst>
+        </pc:spChg>
+        <pc:spChg chg="mod">
+          <ac:chgData name="Xin Luo" userId="82312ee5779919a4" providerId="LiveId" clId="{CBF7951B-2EAB-7D42-8E2C-4BAF1ECDD504}" dt="2024-07-27T10:14:10.945" v="1080"/>
+          <ac:spMkLst>
+            <pc:docMk/>
+            <pc:sldMk cId="3438544449" sldId="2779"/>
+            <ac:spMk id="8" creationId="{5B9A032A-E25B-B77A-A6D7-E5490C22F8CE}"/>
+          </ac:spMkLst>
+        </pc:spChg>
+        <pc:spChg chg="mod">
+          <ac:chgData name="Xin Luo" userId="82312ee5779919a4" providerId="LiveId" clId="{CBF7951B-2EAB-7D42-8E2C-4BAF1ECDD504}" dt="2024-07-27T10:14:10.945" v="1080"/>
+          <ac:spMkLst>
+            <pc:docMk/>
+            <pc:sldMk cId="3438544449" sldId="2779"/>
+            <ac:spMk id="9" creationId="{6E02630C-55BF-9F6C-519B-76D820A6AF35}"/>
+          </ac:spMkLst>
+        </pc:spChg>
+        <pc:spChg chg="mod">
+          <ac:chgData name="Xin Luo" userId="82312ee5779919a4" providerId="LiveId" clId="{CBF7951B-2EAB-7D42-8E2C-4BAF1ECDD504}" dt="2024-07-27T10:14:10.945" v="1080"/>
+          <ac:spMkLst>
+            <pc:docMk/>
+            <pc:sldMk cId="3438544449" sldId="2779"/>
+            <ac:spMk id="10" creationId="{8EDC7287-F93B-BC2A-501E-83121D03F77E}"/>
+          </ac:spMkLst>
+        </pc:spChg>
+        <pc:grpChg chg="add mod">
+          <ac:chgData name="Xin Luo" userId="82312ee5779919a4" providerId="LiveId" clId="{CBF7951B-2EAB-7D42-8E2C-4BAF1ECDD504}" dt="2024-07-27T10:14:23.590" v="1094" actId="1036"/>
+          <ac:grpSpMkLst>
+            <pc:docMk/>
+            <pc:sldMk cId="3438544449" sldId="2779"/>
+            <ac:grpSpMk id="4" creationId="{502FCB58-35B3-23D7-F732-08DEC835F4A7}"/>
+          </ac:grpSpMkLst>
+        </pc:grpChg>
+        <pc:cxnChg chg="mod">
+          <ac:chgData name="Xin Luo" userId="82312ee5779919a4" providerId="LiveId" clId="{CBF7951B-2EAB-7D42-8E2C-4BAF1ECDD504}" dt="2024-07-27T10:14:10.945" v="1080"/>
+          <ac:cxnSpMkLst>
+            <pc:docMk/>
+            <pc:sldMk cId="3438544449" sldId="2779"/>
+            <ac:cxnSpMk id="11" creationId="{163140FB-413C-E41F-43D6-B249ECA0A807}"/>
+          </ac:cxnSpMkLst>
+        </pc:cxnChg>
+        <pc:cxnChg chg="mod">
+          <ac:chgData name="Xin Luo" userId="82312ee5779919a4" providerId="LiveId" clId="{CBF7951B-2EAB-7D42-8E2C-4BAF1ECDD504}" dt="2024-07-27T10:14:10.945" v="1080"/>
+          <ac:cxnSpMkLst>
+            <pc:docMk/>
+            <pc:sldMk cId="3438544449" sldId="2779"/>
+            <ac:cxnSpMk id="12" creationId="{BAA34FFA-C5C8-3B90-1E3B-970BC0B2E866}"/>
+          </ac:cxnSpMkLst>
+        </pc:cxnChg>
+        <pc:cxnChg chg="mod">
+          <ac:chgData name="Xin Luo" userId="82312ee5779919a4" providerId="LiveId" clId="{CBF7951B-2EAB-7D42-8E2C-4BAF1ECDD504}" dt="2024-07-27T10:14:10.945" v="1080"/>
+          <ac:cxnSpMkLst>
+            <pc:docMk/>
+            <pc:sldMk cId="3438544449" sldId="2779"/>
+            <ac:cxnSpMk id="13" creationId="{77ABCFD8-7995-BEE9-763A-43A9A2FBA276}"/>
+          </ac:cxnSpMkLst>
+        </pc:cxnChg>
+        <pc:cxnChg chg="mod">
+          <ac:chgData name="Xin Luo" userId="82312ee5779919a4" providerId="LiveId" clId="{CBF7951B-2EAB-7D42-8E2C-4BAF1ECDD504}" dt="2024-07-27T10:14:10.945" v="1080"/>
+          <ac:cxnSpMkLst>
+            <pc:docMk/>
+            <pc:sldMk cId="3438544449" sldId="2779"/>
+            <ac:cxnSpMk id="14" creationId="{89866E44-8386-D122-0126-7415AAD137F7}"/>
+          </ac:cxnSpMkLst>
+        </pc:cxnChg>
+      </pc:sldChg>
+    </pc:docChg>
+  </pc:docChgLst>
+  <pc:docChgLst>
     <pc:chgData name="Xin Luo" userId="82312ee5779919a4" providerId="LiveId" clId="{98EC8ECB-A80D-1449-ACFE-0D931F29C13A}"/>
     <pc:docChg chg="undo custSel addSld delSld modSld">
       <pc:chgData name="Xin Luo" userId="82312ee5779919a4" providerId="LiveId" clId="{98EC8ECB-A80D-1449-ACFE-0D931F29C13A}" dt="2023-02-23T15:47:30.471" v="734" actId="478"/>
@@ -890,6 +1437,698 @@
     </pc:docChg>
   </pc:docChgLst>
   <pc:docChgLst>
+    <pc:chgData name="Xin Luo" userId="82312ee5779919a4" providerId="LiveId" clId="{69748349-D30A-2744-8465-2A98F5BBF8DD}"/>
+    <pc:docChg chg="undo custSel addSld delSld modSld sldOrd">
+      <pc:chgData name="Xin Luo" userId="82312ee5779919a4" providerId="LiveId" clId="{69748349-D30A-2744-8465-2A98F5BBF8DD}" dt="2023-02-28T09:20:55.952" v="616" actId="20577"/>
+      <pc:docMkLst>
+        <pc:docMk/>
+      </pc:docMkLst>
+      <pc:sldChg chg="modSp mod">
+        <pc:chgData name="Xin Luo" userId="82312ee5779919a4" providerId="LiveId" clId="{69748349-D30A-2744-8465-2A98F5BBF8DD}" dt="2023-02-28T06:14:08.164" v="24" actId="20577"/>
+        <pc:sldMkLst>
+          <pc:docMk/>
+          <pc:sldMk cId="1576120367" sldId="2387"/>
+        </pc:sldMkLst>
+        <pc:spChg chg="mod">
+          <ac:chgData name="Xin Luo" userId="82312ee5779919a4" providerId="LiveId" clId="{69748349-D30A-2744-8465-2A98F5BBF8DD}" dt="2023-02-28T06:14:08.164" v="24" actId="20577"/>
+          <ac:spMkLst>
+            <pc:docMk/>
+            <pc:sldMk cId="1576120367" sldId="2387"/>
+            <ac:spMk id="5" creationId="{494DAA55-5621-28DB-D255-E0EBB6C6477B}"/>
+          </ac:spMkLst>
+        </pc:spChg>
+      </pc:sldChg>
+      <pc:sldChg chg="modSp mod">
+        <pc:chgData name="Xin Luo" userId="82312ee5779919a4" providerId="LiveId" clId="{69748349-D30A-2744-8465-2A98F5BBF8DD}" dt="2023-02-28T06:14:21.349" v="39" actId="20577"/>
+        <pc:sldMkLst>
+          <pc:docMk/>
+          <pc:sldMk cId="2415901206" sldId="2447"/>
+        </pc:sldMkLst>
+        <pc:spChg chg="mod">
+          <ac:chgData name="Xin Luo" userId="82312ee5779919a4" providerId="LiveId" clId="{69748349-D30A-2744-8465-2A98F5BBF8DD}" dt="2023-02-28T06:14:21.349" v="39" actId="20577"/>
+          <ac:spMkLst>
+            <pc:docMk/>
+            <pc:sldMk cId="2415901206" sldId="2447"/>
+            <ac:spMk id="7" creationId="{00000000-0000-0000-0000-000000000000}"/>
+          </ac:spMkLst>
+        </pc:spChg>
+      </pc:sldChg>
+      <pc:sldChg chg="modSp mod">
+        <pc:chgData name="Xin Luo" userId="82312ee5779919a4" providerId="LiveId" clId="{69748349-D30A-2744-8465-2A98F5BBF8DD}" dt="2023-02-28T06:13:57.861" v="9" actId="20577"/>
+        <pc:sldMkLst>
+          <pc:docMk/>
+          <pc:sldMk cId="1658607177" sldId="2708"/>
+        </pc:sldMkLst>
+        <pc:spChg chg="mod">
+          <ac:chgData name="Xin Luo" userId="82312ee5779919a4" providerId="LiveId" clId="{69748349-D30A-2744-8465-2A98F5BBF8DD}" dt="2023-02-28T06:13:57.861" v="9" actId="20577"/>
+          <ac:spMkLst>
+            <pc:docMk/>
+            <pc:sldMk cId="1658607177" sldId="2708"/>
+            <ac:spMk id="24" creationId="{00000000-0000-0000-0000-000000000000}"/>
+          </ac:spMkLst>
+        </pc:spChg>
+      </pc:sldChg>
+      <pc:sldChg chg="del">
+        <pc:chgData name="Xin Luo" userId="82312ee5779919a4" providerId="LiveId" clId="{69748349-D30A-2744-8465-2A98F5BBF8DD}" dt="2023-02-28T06:25:28.434" v="44" actId="2696"/>
+        <pc:sldMkLst>
+          <pc:docMk/>
+          <pc:sldMk cId="2038650065" sldId="2744"/>
+        </pc:sldMkLst>
+      </pc:sldChg>
+      <pc:sldChg chg="modSp mod ord">
+        <pc:chgData name="Xin Luo" userId="82312ee5779919a4" providerId="LiveId" clId="{69748349-D30A-2744-8465-2A98F5BBF8DD}" dt="2023-02-28T06:26:29.753" v="69" actId="20577"/>
+        <pc:sldMkLst>
+          <pc:docMk/>
+          <pc:sldMk cId="580867947" sldId="2747"/>
+        </pc:sldMkLst>
+        <pc:spChg chg="mod">
+          <ac:chgData name="Xin Luo" userId="82312ee5779919a4" providerId="LiveId" clId="{69748349-D30A-2744-8465-2A98F5BBF8DD}" dt="2023-02-28T06:26:29.753" v="69" actId="20577"/>
+          <ac:spMkLst>
+            <pc:docMk/>
+            <pc:sldMk cId="580867947" sldId="2747"/>
+            <ac:spMk id="3" creationId="{00000000-0000-0000-0000-000000000000}"/>
+          </ac:spMkLst>
+        </pc:spChg>
+      </pc:sldChg>
+      <pc:sldChg chg="add">
+        <pc:chgData name="Xin Luo" userId="82312ee5779919a4" providerId="LiveId" clId="{69748349-D30A-2744-8465-2A98F5BBF8DD}" dt="2023-02-28T06:27:10.550" v="76"/>
+        <pc:sldMkLst>
+          <pc:docMk/>
+          <pc:sldMk cId="3818021166" sldId="2760"/>
+        </pc:sldMkLst>
+      </pc:sldChg>
+      <pc:sldChg chg="modSp mod">
+        <pc:chgData name="Xin Luo" userId="82312ee5779919a4" providerId="LiveId" clId="{69748349-D30A-2744-8465-2A98F5BBF8DD}" dt="2023-02-28T06:33:03.708" v="583" actId="20577"/>
+        <pc:sldMkLst>
+          <pc:docMk/>
+          <pc:sldMk cId="3373327641" sldId="2763"/>
+        </pc:sldMkLst>
+        <pc:spChg chg="mod">
+          <ac:chgData name="Xin Luo" userId="82312ee5779919a4" providerId="LiveId" clId="{69748349-D30A-2744-8465-2A98F5BBF8DD}" dt="2023-02-28T06:33:03.708" v="583" actId="20577"/>
+          <ac:spMkLst>
+            <pc:docMk/>
+            <pc:sldMk cId="3373327641" sldId="2763"/>
+            <ac:spMk id="13" creationId="{303BC878-BC57-D350-27A3-F03AE48213AC}"/>
+          </ac:spMkLst>
+        </pc:spChg>
+      </pc:sldChg>
+      <pc:sldChg chg="del">
+        <pc:chgData name="Xin Luo" userId="82312ee5779919a4" providerId="LiveId" clId="{69748349-D30A-2744-8465-2A98F5BBF8DD}" dt="2023-02-28T06:27:16.073" v="78" actId="2696"/>
+        <pc:sldMkLst>
+          <pc:docMk/>
+          <pc:sldMk cId="70654754" sldId="2765"/>
+        </pc:sldMkLst>
+      </pc:sldChg>
+      <pc:sldChg chg="del">
+        <pc:chgData name="Xin Luo" userId="82312ee5779919a4" providerId="LiveId" clId="{69748349-D30A-2744-8465-2A98F5BBF8DD}" dt="2023-02-28T06:27:14.496" v="77" actId="2696"/>
+        <pc:sldMkLst>
+          <pc:docMk/>
+          <pc:sldMk cId="782854285" sldId="2766"/>
+        </pc:sldMkLst>
+      </pc:sldChg>
+      <pc:sldChg chg="modSp mod">
+        <pc:chgData name="Xin Luo" userId="82312ee5779919a4" providerId="LiveId" clId="{69748349-D30A-2744-8465-2A98F5BBF8DD}" dt="2023-02-28T09:20:55.952" v="616" actId="20577"/>
+        <pc:sldMkLst>
+          <pc:docMk/>
+          <pc:sldMk cId="2222334095" sldId="2769"/>
+        </pc:sldMkLst>
+        <pc:spChg chg="mod">
+          <ac:chgData name="Xin Luo" userId="82312ee5779919a4" providerId="LiveId" clId="{69748349-D30A-2744-8465-2A98F5BBF8DD}" dt="2023-02-28T09:20:55.952" v="616" actId="20577"/>
+          <ac:spMkLst>
+            <pc:docMk/>
+            <pc:sldMk cId="2222334095" sldId="2769"/>
+            <ac:spMk id="5" creationId="{78502774-B04C-634F-1396-E5815996BC36}"/>
+          </ac:spMkLst>
+        </pc:spChg>
+      </pc:sldChg>
+      <pc:sldChg chg="modSp mod">
+        <pc:chgData name="Xin Luo" userId="82312ee5779919a4" providerId="LiveId" clId="{69748349-D30A-2744-8465-2A98F5BBF8DD}" dt="2023-02-28T06:30:19.661" v="293" actId="20577"/>
+        <pc:sldMkLst>
+          <pc:docMk/>
+          <pc:sldMk cId="2739444815" sldId="2770"/>
+        </pc:sldMkLst>
+        <pc:spChg chg="mod">
+          <ac:chgData name="Xin Luo" userId="82312ee5779919a4" providerId="LiveId" clId="{69748349-D30A-2744-8465-2A98F5BBF8DD}" dt="2023-02-28T06:30:19.661" v="293" actId="20577"/>
+          <ac:spMkLst>
+            <pc:docMk/>
+            <pc:sldMk cId="2739444815" sldId="2770"/>
+            <ac:spMk id="5" creationId="{78502774-B04C-634F-1396-E5815996BC36}"/>
+          </ac:spMkLst>
+        </pc:spChg>
+      </pc:sldChg>
+      <pc:sldChg chg="modSp add mod">
+        <pc:chgData name="Xin Luo" userId="82312ee5779919a4" providerId="LiveId" clId="{69748349-D30A-2744-8465-2A98F5BBF8DD}" dt="2023-02-28T06:26:40.007" v="75" actId="20577"/>
+        <pc:sldMkLst>
+          <pc:docMk/>
+          <pc:sldMk cId="3517916584" sldId="2771"/>
+        </pc:sldMkLst>
+        <pc:spChg chg="mod">
+          <ac:chgData name="Xin Luo" userId="82312ee5779919a4" providerId="LiveId" clId="{69748349-D30A-2744-8465-2A98F5BBF8DD}" dt="2023-02-28T06:26:40.007" v="75" actId="20577"/>
+          <ac:spMkLst>
+            <pc:docMk/>
+            <pc:sldMk cId="3517916584" sldId="2771"/>
+            <ac:spMk id="3" creationId="{00000000-0000-0000-0000-000000000000}"/>
+          </ac:spMkLst>
+        </pc:spChg>
+      </pc:sldChg>
+      <pc:sldChg chg="modSp add mod">
+        <pc:chgData name="Xin Luo" userId="82312ee5779919a4" providerId="LiveId" clId="{69748349-D30A-2744-8465-2A98F5BBF8DD}" dt="2023-02-28T06:27:30.818" v="81" actId="20577"/>
+        <pc:sldMkLst>
+          <pc:docMk/>
+          <pc:sldMk cId="3328354025" sldId="2772"/>
+        </pc:sldMkLst>
+        <pc:spChg chg="mod">
+          <ac:chgData name="Xin Luo" userId="82312ee5779919a4" providerId="LiveId" clId="{69748349-D30A-2744-8465-2A98F5BBF8DD}" dt="2023-02-28T06:27:30.818" v="81" actId="20577"/>
+          <ac:spMkLst>
+            <pc:docMk/>
+            <pc:sldMk cId="3328354025" sldId="2772"/>
+            <ac:spMk id="5" creationId="{78502774-B04C-634F-1396-E5815996BC36}"/>
+          </ac:spMkLst>
+        </pc:spChg>
+      </pc:sldChg>
+    </pc:docChg>
+  </pc:docChgLst>
+  <pc:docChgLst>
+    <pc:chgData name="Xin Luo" userId="82312ee5779919a4" providerId="LiveId" clId="{11C7DD9E-0989-8C46-9E98-A8157970B434}"/>
+    <pc:docChg chg="undo custSel addSld delSld modSld sldOrd">
+      <pc:chgData name="Xin Luo" userId="82312ee5779919a4" providerId="LiveId" clId="{11C7DD9E-0989-8C46-9E98-A8157970B434}" dt="2023-02-27T13:34:39.830" v="1495" actId="20577"/>
+      <pc:docMkLst>
+        <pc:docMk/>
+      </pc:docMkLst>
+      <pc:sldChg chg="addSp delSp modSp mod">
+        <pc:chgData name="Xin Luo" userId="82312ee5779919a4" providerId="LiveId" clId="{11C7DD9E-0989-8C46-9E98-A8157970B434}" dt="2023-02-26T14:35:47.911" v="88" actId="20577"/>
+        <pc:sldMkLst>
+          <pc:docMk/>
+          <pc:sldMk cId="1576120367" sldId="2387"/>
+        </pc:sldMkLst>
+        <pc:spChg chg="mod">
+          <ac:chgData name="Xin Luo" userId="82312ee5779919a4" providerId="LiveId" clId="{11C7DD9E-0989-8C46-9E98-A8157970B434}" dt="2023-02-26T14:31:06.544" v="42" actId="20577"/>
+          <ac:spMkLst>
+            <pc:docMk/>
+            <pc:sldMk cId="1576120367" sldId="2387"/>
+            <ac:spMk id="5" creationId="{494DAA55-5621-28DB-D255-E0EBB6C6477B}"/>
+          </ac:spMkLst>
+        </pc:spChg>
+        <pc:spChg chg="mod">
+          <ac:chgData name="Xin Luo" userId="82312ee5779919a4" providerId="LiveId" clId="{11C7DD9E-0989-8C46-9E98-A8157970B434}" dt="2023-02-26T14:35:32.623" v="67" actId="20577"/>
+          <ac:spMkLst>
+            <pc:docMk/>
+            <pc:sldMk cId="1576120367" sldId="2387"/>
+            <ac:spMk id="8" creationId="{565CE3F1-8DB8-5980-B19B-595857C3D8BF}"/>
+          </ac:spMkLst>
+        </pc:spChg>
+        <pc:spChg chg="mod">
+          <ac:chgData name="Xin Luo" userId="82312ee5779919a4" providerId="LiveId" clId="{11C7DD9E-0989-8C46-9E98-A8157970B434}" dt="2023-02-26T14:35:47.911" v="88" actId="20577"/>
+          <ac:spMkLst>
+            <pc:docMk/>
+            <pc:sldMk cId="1576120367" sldId="2387"/>
+            <ac:spMk id="11" creationId="{80F6CC38-4117-1B61-4036-D7306E0FCF97}"/>
+          </ac:spMkLst>
+        </pc:spChg>
+        <pc:spChg chg="mod">
+          <ac:chgData name="Xin Luo" userId="82312ee5779919a4" providerId="LiveId" clId="{11C7DD9E-0989-8C46-9E98-A8157970B434}" dt="2023-02-26T14:31:14.145" v="59" actId="20577"/>
+          <ac:spMkLst>
+            <pc:docMk/>
+            <pc:sldMk cId="1576120367" sldId="2387"/>
+            <ac:spMk id="14" creationId="{00000000-0000-0000-0000-000000000000}"/>
+          </ac:spMkLst>
+        </pc:spChg>
+        <pc:grpChg chg="add mod">
+          <ac:chgData name="Xin Luo" userId="82312ee5779919a4" providerId="LiveId" clId="{11C7DD9E-0989-8C46-9E98-A8157970B434}" dt="2023-02-26T14:35:30.551" v="62" actId="1076"/>
+          <ac:grpSpMkLst>
+            <pc:docMk/>
+            <pc:sldMk cId="1576120367" sldId="2387"/>
+            <ac:grpSpMk id="7" creationId="{9AABB1DF-B98C-C2EF-DE10-EE1EE176F4C1}"/>
+          </ac:grpSpMkLst>
+        </pc:grpChg>
+        <pc:grpChg chg="del">
+          <ac:chgData name="Xin Luo" userId="82312ee5779919a4" providerId="LiveId" clId="{11C7DD9E-0989-8C46-9E98-A8157970B434}" dt="2023-02-26T14:31:17.049" v="60" actId="478"/>
+          <ac:grpSpMkLst>
+            <pc:docMk/>
+            <pc:sldMk cId="1576120367" sldId="2387"/>
+            <ac:grpSpMk id="9" creationId="{84B9B8D5-4BCC-CDFF-1E13-B005060A8BDF}"/>
+          </ac:grpSpMkLst>
+        </pc:grpChg>
+      </pc:sldChg>
+      <pc:sldChg chg="modSp mod">
+        <pc:chgData name="Xin Luo" userId="82312ee5779919a4" providerId="LiveId" clId="{11C7DD9E-0989-8C46-9E98-A8157970B434}" dt="2023-02-26T14:42:08.073" v="113" actId="20577"/>
+        <pc:sldMkLst>
+          <pc:docMk/>
+          <pc:sldMk cId="2415901206" sldId="2447"/>
+        </pc:sldMkLst>
+        <pc:spChg chg="mod">
+          <ac:chgData name="Xin Luo" userId="82312ee5779919a4" providerId="LiveId" clId="{11C7DD9E-0989-8C46-9E98-A8157970B434}" dt="2023-02-26T14:42:08.073" v="113" actId="20577"/>
+          <ac:spMkLst>
+            <pc:docMk/>
+            <pc:sldMk cId="2415901206" sldId="2447"/>
+            <ac:spMk id="7" creationId="{00000000-0000-0000-0000-000000000000}"/>
+          </ac:spMkLst>
+        </pc:spChg>
+      </pc:sldChg>
+      <pc:sldChg chg="modSp mod">
+        <pc:chgData name="Xin Luo" userId="82312ee5779919a4" providerId="LiveId" clId="{11C7DD9E-0989-8C46-9E98-A8157970B434}" dt="2023-02-26T14:22:29.653" v="17" actId="20577"/>
+        <pc:sldMkLst>
+          <pc:docMk/>
+          <pc:sldMk cId="1658607177" sldId="2708"/>
+        </pc:sldMkLst>
+        <pc:spChg chg="mod">
+          <ac:chgData name="Xin Luo" userId="82312ee5779919a4" providerId="LiveId" clId="{11C7DD9E-0989-8C46-9E98-A8157970B434}" dt="2023-02-26T14:22:06.247" v="1" actId="20577"/>
+          <ac:spMkLst>
+            <pc:docMk/>
+            <pc:sldMk cId="1658607177" sldId="2708"/>
+            <ac:spMk id="3" creationId="{E375549C-74EF-2C8F-6432-2C52B803FB1B}"/>
+          </ac:spMkLst>
+        </pc:spChg>
+        <pc:spChg chg="mod">
+          <ac:chgData name="Xin Luo" userId="82312ee5779919a4" providerId="LiveId" clId="{11C7DD9E-0989-8C46-9E98-A8157970B434}" dt="2023-02-26T14:22:29.653" v="17" actId="20577"/>
+          <ac:spMkLst>
+            <pc:docMk/>
+            <pc:sldMk cId="1658607177" sldId="2708"/>
+            <ac:spMk id="24" creationId="{00000000-0000-0000-0000-000000000000}"/>
+          </ac:spMkLst>
+        </pc:spChg>
+      </pc:sldChg>
+      <pc:sldChg chg="del">
+        <pc:chgData name="Xin Luo" userId="82312ee5779919a4" providerId="LiveId" clId="{11C7DD9E-0989-8C46-9E98-A8157970B434}" dt="2023-02-27T02:35:52.321" v="582" actId="2696"/>
+        <pc:sldMkLst>
+          <pc:docMk/>
+          <pc:sldMk cId="1209572041" sldId="2722"/>
+        </pc:sldMkLst>
+      </pc:sldChg>
+      <pc:sldChg chg="addSp delSp modSp mod">
+        <pc:chgData name="Xin Luo" userId="82312ee5779919a4" providerId="LiveId" clId="{11C7DD9E-0989-8C46-9E98-A8157970B434}" dt="2023-02-26T15:19:23.475" v="340" actId="20577"/>
+        <pc:sldMkLst>
+          <pc:docMk/>
+          <pc:sldMk cId="393940605" sldId="2742"/>
+        </pc:sldMkLst>
+        <pc:spChg chg="add del mod">
+          <ac:chgData name="Xin Luo" userId="82312ee5779919a4" providerId="LiveId" clId="{11C7DD9E-0989-8C46-9E98-A8157970B434}" dt="2023-02-26T15:17:25.642" v="308"/>
+          <ac:spMkLst>
+            <pc:docMk/>
+            <pc:sldMk cId="393940605" sldId="2742"/>
+            <ac:spMk id="2" creationId="{55A39B1C-7178-259A-FE4F-616ACE4D5FE1}"/>
+          </ac:spMkLst>
+        </pc:spChg>
+        <pc:spChg chg="mod">
+          <ac:chgData name="Xin Luo" userId="82312ee5779919a4" providerId="LiveId" clId="{11C7DD9E-0989-8C46-9E98-A8157970B434}" dt="2023-02-26T15:19:23.475" v="340" actId="20577"/>
+          <ac:spMkLst>
+            <pc:docMk/>
+            <pc:sldMk cId="393940605" sldId="2742"/>
+            <ac:spMk id="7" creationId="{00000000-0000-0000-0000-000000000000}"/>
+          </ac:spMkLst>
+        </pc:spChg>
+      </pc:sldChg>
+      <pc:sldChg chg="modSp mod">
+        <pc:chgData name="Xin Luo" userId="82312ee5779919a4" providerId="LiveId" clId="{11C7DD9E-0989-8C46-9E98-A8157970B434}" dt="2023-02-26T15:19:39.446" v="371" actId="20577"/>
+        <pc:sldMkLst>
+          <pc:docMk/>
+          <pc:sldMk cId="3175231995" sldId="2743"/>
+        </pc:sldMkLst>
+        <pc:spChg chg="mod">
+          <ac:chgData name="Xin Luo" userId="82312ee5779919a4" providerId="LiveId" clId="{11C7DD9E-0989-8C46-9E98-A8157970B434}" dt="2023-02-26T15:19:39.446" v="371" actId="20577"/>
+          <ac:spMkLst>
+            <pc:docMk/>
+            <pc:sldMk cId="3175231995" sldId="2743"/>
+            <ac:spMk id="7" creationId="{00000000-0000-0000-0000-000000000000}"/>
+          </ac:spMkLst>
+        </pc:spChg>
+      </pc:sldChg>
+      <pc:sldChg chg="modSp mod">
+        <pc:chgData name="Xin Luo" userId="82312ee5779919a4" providerId="LiveId" clId="{11C7DD9E-0989-8C46-9E98-A8157970B434}" dt="2023-02-26T15:20:40.112" v="433" actId="1076"/>
+        <pc:sldMkLst>
+          <pc:docMk/>
+          <pc:sldMk cId="2038650065" sldId="2744"/>
+        </pc:sldMkLst>
+        <pc:spChg chg="mod">
+          <ac:chgData name="Xin Luo" userId="82312ee5779919a4" providerId="LiveId" clId="{11C7DD9E-0989-8C46-9E98-A8157970B434}" dt="2023-02-26T14:42:17.186" v="128" actId="20577"/>
+          <ac:spMkLst>
+            <pc:docMk/>
+            <pc:sldMk cId="2038650065" sldId="2744"/>
+            <ac:spMk id="3" creationId="{00000000-0000-0000-0000-000000000000}"/>
+          </ac:spMkLst>
+        </pc:spChg>
+        <pc:spChg chg="mod">
+          <ac:chgData name="Xin Luo" userId="82312ee5779919a4" providerId="LiveId" clId="{11C7DD9E-0989-8C46-9E98-A8157970B434}" dt="2023-02-26T15:20:40.112" v="433" actId="1076"/>
+          <ac:spMkLst>
+            <pc:docMk/>
+            <pc:sldMk cId="2038650065" sldId="2744"/>
+            <ac:spMk id="5" creationId="{78502774-B04C-634F-1396-E5815996BC36}"/>
+          </ac:spMkLst>
+        </pc:spChg>
+      </pc:sldChg>
+      <pc:sldChg chg="addSp delSp modSp add del mod">
+        <pc:chgData name="Xin Luo" userId="82312ee5779919a4" providerId="LiveId" clId="{11C7DD9E-0989-8C46-9E98-A8157970B434}" dt="2023-02-27T08:52:16.520" v="1090" actId="2696"/>
+        <pc:sldMkLst>
+          <pc:docMk/>
+          <pc:sldMk cId="2345376688" sldId="2745"/>
+        </pc:sldMkLst>
+        <pc:spChg chg="mod">
+          <ac:chgData name="Xin Luo" userId="82312ee5779919a4" providerId="LiveId" clId="{11C7DD9E-0989-8C46-9E98-A8157970B434}" dt="2023-02-26T15:19:53.024" v="385" actId="20577"/>
+          <ac:spMkLst>
+            <pc:docMk/>
+            <pc:sldMk cId="2345376688" sldId="2745"/>
+            <ac:spMk id="2" creationId="{631AADB6-C88A-D817-4683-FC087E4E240F}"/>
+          </ac:spMkLst>
+        </pc:spChg>
+        <pc:spChg chg="mod">
+          <ac:chgData name="Xin Luo" userId="82312ee5779919a4" providerId="LiveId" clId="{11C7DD9E-0989-8C46-9E98-A8157970B434}" dt="2023-02-27T02:35:37.012" v="576" actId="20577"/>
+          <ac:spMkLst>
+            <pc:docMk/>
+            <pc:sldMk cId="2345376688" sldId="2745"/>
+            <ac:spMk id="3" creationId="{00000000-0000-0000-0000-000000000000}"/>
+          </ac:spMkLst>
+        </pc:spChg>
+        <pc:spChg chg="add del mod">
+          <ac:chgData name="Xin Luo" userId="82312ee5779919a4" providerId="LiveId" clId="{11C7DD9E-0989-8C46-9E98-A8157970B434}" dt="2023-02-26T15:20:01.684" v="387"/>
+          <ac:spMkLst>
+            <pc:docMk/>
+            <pc:sldMk cId="2345376688" sldId="2745"/>
+            <ac:spMk id="4" creationId="{9184794B-8671-D3FA-8F69-00DC15CCF2EA}"/>
+          </ac:spMkLst>
+        </pc:spChg>
+        <pc:spChg chg="del">
+          <ac:chgData name="Xin Luo" userId="82312ee5779919a4" providerId="LiveId" clId="{11C7DD9E-0989-8C46-9E98-A8157970B434}" dt="2023-02-26T15:20:27.514" v="430" actId="478"/>
+          <ac:spMkLst>
+            <pc:docMk/>
+            <pc:sldMk cId="2345376688" sldId="2745"/>
+            <ac:spMk id="7" creationId="{90728D9D-D249-EA33-6E80-8B5C8EA26F4F}"/>
+          </ac:spMkLst>
+        </pc:spChg>
+      </pc:sldChg>
+      <pc:sldChg chg="addSp delSp modSp mod">
+        <pc:chgData name="Xin Luo" userId="82312ee5779919a4" providerId="LiveId" clId="{11C7DD9E-0989-8C46-9E98-A8157970B434}" dt="2023-02-27T02:36:22.411" v="584" actId="1076"/>
+        <pc:sldMkLst>
+          <pc:docMk/>
+          <pc:sldMk cId="580867947" sldId="2747"/>
+        </pc:sldMkLst>
+        <pc:spChg chg="mod">
+          <ac:chgData name="Xin Luo" userId="82312ee5779919a4" providerId="LiveId" clId="{11C7DD9E-0989-8C46-9E98-A8157970B434}" dt="2023-02-27T02:27:34.388" v="547" actId="20577"/>
+          <ac:spMkLst>
+            <pc:docMk/>
+            <pc:sldMk cId="580867947" sldId="2747"/>
+            <ac:spMk id="3" creationId="{00000000-0000-0000-0000-000000000000}"/>
+          </ac:spMkLst>
+        </pc:spChg>
+        <pc:spChg chg="mod">
+          <ac:chgData name="Xin Luo" userId="82312ee5779919a4" providerId="LiveId" clId="{11C7DD9E-0989-8C46-9E98-A8157970B434}" dt="2023-02-27T02:36:22.411" v="584" actId="1076"/>
+          <ac:spMkLst>
+            <pc:docMk/>
+            <pc:sldMk cId="580867947" sldId="2747"/>
+            <ac:spMk id="5" creationId="{78502774-B04C-634F-1396-E5815996BC36}"/>
+          </ac:spMkLst>
+        </pc:spChg>
+        <pc:grpChg chg="del">
+          <ac:chgData name="Xin Luo" userId="82312ee5779919a4" providerId="LiveId" clId="{11C7DD9E-0989-8C46-9E98-A8157970B434}" dt="2023-02-26T15:18:47.533" v="327" actId="478"/>
+          <ac:grpSpMkLst>
+            <pc:docMk/>
+            <pc:sldMk cId="580867947" sldId="2747"/>
+            <ac:grpSpMk id="17" creationId="{DEBBA376-338B-77A1-B823-6E3F8EA644A9}"/>
+          </ac:grpSpMkLst>
+        </pc:grpChg>
+        <pc:picChg chg="del">
+          <ac:chgData name="Xin Luo" userId="82312ee5779919a4" providerId="LiveId" clId="{11C7DD9E-0989-8C46-9E98-A8157970B434}" dt="2023-02-26T15:18:46.496" v="326" actId="478"/>
+          <ac:picMkLst>
+            <pc:docMk/>
+            <pc:sldMk cId="580867947" sldId="2747"/>
+            <ac:picMk id="6" creationId="{B7028E15-ACC2-1C34-CBCC-DF1802A2573F}"/>
+          </ac:picMkLst>
+        </pc:picChg>
+        <pc:picChg chg="add mod">
+          <ac:chgData name="Xin Luo" userId="82312ee5779919a4" providerId="LiveId" clId="{11C7DD9E-0989-8C46-9E98-A8157970B434}" dt="2023-02-27T02:27:08.800" v="515" actId="1076"/>
+          <ac:picMkLst>
+            <pc:docMk/>
+            <pc:sldMk cId="580867947" sldId="2747"/>
+            <ac:picMk id="7" creationId="{29D2CECB-2FBB-A6A5-8FB0-B791E6AB6D2E}"/>
+          </ac:picMkLst>
+        </pc:picChg>
+      </pc:sldChg>
+      <pc:sldChg chg="del">
+        <pc:chgData name="Xin Luo" userId="82312ee5779919a4" providerId="LiveId" clId="{11C7DD9E-0989-8C46-9E98-A8157970B434}" dt="2023-02-26T15:04:36.966" v="145" actId="2696"/>
+        <pc:sldMkLst>
+          <pc:docMk/>
+          <pc:sldMk cId="2245643700" sldId="2751"/>
+        </pc:sldMkLst>
+      </pc:sldChg>
+      <pc:sldChg chg="del">
+        <pc:chgData name="Xin Luo" userId="82312ee5779919a4" providerId="LiveId" clId="{11C7DD9E-0989-8C46-9E98-A8157970B434}" dt="2023-02-26T15:18:55.825" v="329" actId="2696"/>
+        <pc:sldMkLst>
+          <pc:docMk/>
+          <pc:sldMk cId="3400956243" sldId="2752"/>
+        </pc:sldMkLst>
+      </pc:sldChg>
+      <pc:sldChg chg="modSp mod">
+        <pc:chgData name="Xin Luo" userId="82312ee5779919a4" providerId="LiveId" clId="{11C7DD9E-0989-8C46-9E98-A8157970B434}" dt="2023-02-27T08:52:05.615" v="1087" actId="20577"/>
+        <pc:sldMkLst>
+          <pc:docMk/>
+          <pc:sldMk cId="3929071932" sldId="2753"/>
+        </pc:sldMkLst>
+        <pc:spChg chg="mod">
+          <ac:chgData name="Xin Luo" userId="82312ee5779919a4" providerId="LiveId" clId="{11C7DD9E-0989-8C46-9E98-A8157970B434}" dt="2023-02-27T02:27:54.253" v="571" actId="20577"/>
+          <ac:spMkLst>
+            <pc:docMk/>
+            <pc:sldMk cId="3929071932" sldId="2753"/>
+            <ac:spMk id="3" creationId="{00000000-0000-0000-0000-000000000000}"/>
+          </ac:spMkLst>
+        </pc:spChg>
+        <pc:spChg chg="mod">
+          <ac:chgData name="Xin Luo" userId="82312ee5779919a4" providerId="LiveId" clId="{11C7DD9E-0989-8C46-9E98-A8157970B434}" dt="2023-02-27T08:52:05.615" v="1087" actId="20577"/>
+          <ac:spMkLst>
+            <pc:docMk/>
+            <pc:sldMk cId="3929071932" sldId="2753"/>
+            <ac:spMk id="5" creationId="{78502774-B04C-634F-1396-E5815996BC36}"/>
+          </ac:spMkLst>
+        </pc:spChg>
+      </pc:sldChg>
+      <pc:sldChg chg="del">
+        <pc:chgData name="Xin Luo" userId="82312ee5779919a4" providerId="LiveId" clId="{11C7DD9E-0989-8C46-9E98-A8157970B434}" dt="2023-02-26T15:18:49.403" v="328" actId="2696"/>
+        <pc:sldMkLst>
+          <pc:docMk/>
+          <pc:sldMk cId="1157508697" sldId="2757"/>
+        </pc:sldMkLst>
+      </pc:sldChg>
+      <pc:sldChg chg="del">
+        <pc:chgData name="Xin Luo" userId="82312ee5779919a4" providerId="LiveId" clId="{11C7DD9E-0989-8C46-9E98-A8157970B434}" dt="2023-02-26T15:18:55.829" v="331" actId="2696"/>
+        <pc:sldMkLst>
+          <pc:docMk/>
+          <pc:sldMk cId="4211155851" sldId="2758"/>
+        </pc:sldMkLst>
+      </pc:sldChg>
+      <pc:sldChg chg="del">
+        <pc:chgData name="Xin Luo" userId="82312ee5779919a4" providerId="LiveId" clId="{11C7DD9E-0989-8C46-9E98-A8157970B434}" dt="2023-02-26T15:18:55.839" v="332" actId="2696"/>
+        <pc:sldMkLst>
+          <pc:docMk/>
+          <pc:sldMk cId="3818021166" sldId="2760"/>
+        </pc:sldMkLst>
+      </pc:sldChg>
+      <pc:sldChg chg="del">
+        <pc:chgData name="Xin Luo" userId="82312ee5779919a4" providerId="LiveId" clId="{11C7DD9E-0989-8C46-9E98-A8157970B434}" dt="2023-02-26T15:20:19.583" v="426" actId="2696"/>
+        <pc:sldMkLst>
+          <pc:docMk/>
+          <pc:sldMk cId="97719364" sldId="2761"/>
+        </pc:sldMkLst>
+      </pc:sldChg>
+      <pc:sldChg chg="del">
+        <pc:chgData name="Xin Luo" userId="82312ee5779919a4" providerId="LiveId" clId="{11C7DD9E-0989-8C46-9E98-A8157970B434}" dt="2023-02-26T15:20:19.592" v="427" actId="2696"/>
+        <pc:sldMkLst>
+          <pc:docMk/>
+          <pc:sldMk cId="2861954436" sldId="2762"/>
+        </pc:sldMkLst>
+      </pc:sldChg>
+      <pc:sldChg chg="modSp add del mod ord">
+        <pc:chgData name="Xin Luo" userId="82312ee5779919a4" providerId="LiveId" clId="{11C7DD9E-0989-8C46-9E98-A8157970B434}" dt="2023-02-27T09:04:38.776" v="1469" actId="1035"/>
+        <pc:sldMkLst>
+          <pc:docMk/>
+          <pc:sldMk cId="3373327641" sldId="2763"/>
+        </pc:sldMkLst>
+        <pc:spChg chg="mod">
+          <ac:chgData name="Xin Luo" userId="82312ee5779919a4" providerId="LiveId" clId="{11C7DD9E-0989-8C46-9E98-A8157970B434}" dt="2023-02-27T08:53:37.204" v="1096"/>
+          <ac:spMkLst>
+            <pc:docMk/>
+            <pc:sldMk cId="3373327641" sldId="2763"/>
+            <ac:spMk id="3" creationId="{00000000-0000-0000-0000-000000000000}"/>
+          </ac:spMkLst>
+        </pc:spChg>
+        <pc:spChg chg="mod">
+          <ac:chgData name="Xin Luo" userId="82312ee5779919a4" providerId="LiveId" clId="{11C7DD9E-0989-8C46-9E98-A8157970B434}" dt="2023-02-27T09:04:38.776" v="1469" actId="1035"/>
+          <ac:spMkLst>
+            <pc:docMk/>
+            <pc:sldMk cId="3373327641" sldId="2763"/>
+            <ac:spMk id="13" creationId="{303BC878-BC57-D350-27A3-F03AE48213AC}"/>
+          </ac:spMkLst>
+        </pc:spChg>
+      </pc:sldChg>
+      <pc:sldChg chg="del">
+        <pc:chgData name="Xin Luo" userId="82312ee5779919a4" providerId="LiveId" clId="{11C7DD9E-0989-8C46-9E98-A8157970B434}" dt="2023-02-26T15:18:55.827" v="330" actId="2696"/>
+        <pc:sldMkLst>
+          <pc:docMk/>
+          <pc:sldMk cId="2047512068" sldId="2764"/>
+        </pc:sldMkLst>
+      </pc:sldChg>
+      <pc:sldChg chg="modSp mod">
+        <pc:chgData name="Xin Luo" userId="82312ee5779919a4" providerId="LiveId" clId="{11C7DD9E-0989-8C46-9E98-A8157970B434}" dt="2023-02-26T15:17:10.775" v="299" actId="20577"/>
+        <pc:sldMkLst>
+          <pc:docMk/>
+          <pc:sldMk cId="70654754" sldId="2765"/>
+        </pc:sldMkLst>
+        <pc:spChg chg="mod">
+          <ac:chgData name="Xin Luo" userId="82312ee5779919a4" providerId="LiveId" clId="{11C7DD9E-0989-8C46-9E98-A8157970B434}" dt="2023-02-26T15:04:56.102" v="161" actId="20577"/>
+          <ac:spMkLst>
+            <pc:docMk/>
+            <pc:sldMk cId="70654754" sldId="2765"/>
+            <ac:spMk id="3" creationId="{00000000-0000-0000-0000-000000000000}"/>
+          </ac:spMkLst>
+        </pc:spChg>
+        <pc:spChg chg="mod">
+          <ac:chgData name="Xin Luo" userId="82312ee5779919a4" providerId="LiveId" clId="{11C7DD9E-0989-8C46-9E98-A8157970B434}" dt="2023-02-26T15:17:10.775" v="299" actId="20577"/>
+          <ac:spMkLst>
+            <pc:docMk/>
+            <pc:sldMk cId="70654754" sldId="2765"/>
+            <ac:spMk id="5" creationId="{78502774-B04C-634F-1396-E5815996BC36}"/>
+          </ac:spMkLst>
+        </pc:spChg>
+      </pc:sldChg>
+      <pc:sldChg chg="addSp modSp add mod">
+        <pc:chgData name="Xin Luo" userId="82312ee5779919a4" providerId="LiveId" clId="{11C7DD9E-0989-8C46-9E98-A8157970B434}" dt="2023-02-26T15:17:01.865" v="296"/>
+        <pc:sldMkLst>
+          <pc:docMk/>
+          <pc:sldMk cId="782854285" sldId="2766"/>
+        </pc:sldMkLst>
+        <pc:spChg chg="add mod">
+          <ac:chgData name="Xin Luo" userId="82312ee5779919a4" providerId="LiveId" clId="{11C7DD9E-0989-8C46-9E98-A8157970B434}" dt="2023-02-26T15:17:01.865" v="296"/>
+          <ac:spMkLst>
+            <pc:docMk/>
+            <pc:sldMk cId="782854285" sldId="2766"/>
+            <ac:spMk id="4" creationId="{A7E97437-B77F-D3F5-E0F8-38B1EBE5E36E}"/>
+          </ac:spMkLst>
+        </pc:spChg>
+        <pc:spChg chg="mod">
+          <ac:chgData name="Xin Luo" userId="82312ee5779919a4" providerId="LiveId" clId="{11C7DD9E-0989-8C46-9E98-A8157970B434}" dt="2023-02-26T15:16:51.007" v="295" actId="5793"/>
+          <ac:spMkLst>
+            <pc:docMk/>
+            <pc:sldMk cId="782854285" sldId="2766"/>
+            <ac:spMk id="5" creationId="{78502774-B04C-634F-1396-E5815996BC36}"/>
+          </ac:spMkLst>
+        </pc:spChg>
+      </pc:sldChg>
+      <pc:sldChg chg="addSp delSp modSp add mod">
+        <pc:chgData name="Xin Luo" userId="82312ee5779919a4" providerId="LiveId" clId="{11C7DD9E-0989-8C46-9E98-A8157970B434}" dt="2023-02-27T08:52:57.704" v="1092"/>
+        <pc:sldMkLst>
+          <pc:docMk/>
+          <pc:sldMk cId="3080738912" sldId="2767"/>
+        </pc:sldMkLst>
+        <pc:spChg chg="del">
+          <ac:chgData name="Xin Luo" userId="82312ee5779919a4" providerId="LiveId" clId="{11C7DD9E-0989-8C46-9E98-A8157970B434}" dt="2023-02-27T08:16:43.452" v="678" actId="478"/>
+          <ac:spMkLst>
+            <pc:docMk/>
+            <pc:sldMk cId="3080738912" sldId="2767"/>
+            <ac:spMk id="2" creationId="{631AADB6-C88A-D817-4683-FC087E4E240F}"/>
+          </ac:spMkLst>
+        </pc:spChg>
+        <pc:spChg chg="mod">
+          <ac:chgData name="Xin Luo" userId="82312ee5779919a4" providerId="LiveId" clId="{11C7DD9E-0989-8C46-9E98-A8157970B434}" dt="2023-02-27T02:35:43.422" v="581" actId="20577"/>
+          <ac:spMkLst>
+            <pc:docMk/>
+            <pc:sldMk cId="3080738912" sldId="2767"/>
+            <ac:spMk id="3" creationId="{00000000-0000-0000-0000-000000000000}"/>
+          </ac:spMkLst>
+        </pc:spChg>
+        <pc:spChg chg="add del mod">
+          <ac:chgData name="Xin Luo" userId="82312ee5779919a4" providerId="LiveId" clId="{11C7DD9E-0989-8C46-9E98-A8157970B434}" dt="2023-02-27T08:16:41.284" v="677"/>
+          <ac:spMkLst>
+            <pc:docMk/>
+            <pc:sldMk cId="3080738912" sldId="2767"/>
+            <ac:spMk id="4" creationId="{D84146A9-549E-0430-9049-9B119D13B0D4}"/>
+          </ac:spMkLst>
+        </pc:spChg>
+        <pc:spChg chg="add del mod">
+          <ac:chgData name="Xin Luo" userId="82312ee5779919a4" providerId="LiveId" clId="{11C7DD9E-0989-8C46-9E98-A8157970B434}" dt="2023-02-27T08:16:41.284" v="677"/>
+          <ac:spMkLst>
+            <pc:docMk/>
+            <pc:sldMk cId="3080738912" sldId="2767"/>
+            <ac:spMk id="5" creationId="{549183B9-A4A3-6F00-560E-627500125E5B}"/>
+          </ac:spMkLst>
+        </pc:spChg>
+        <pc:spChg chg="add mod">
+          <ac:chgData name="Xin Luo" userId="82312ee5779919a4" providerId="LiveId" clId="{11C7DD9E-0989-8C46-9E98-A8157970B434}" dt="2023-02-27T08:16:43.782" v="679"/>
+          <ac:spMkLst>
+            <pc:docMk/>
+            <pc:sldMk cId="3080738912" sldId="2767"/>
+            <ac:spMk id="6" creationId="{A8981A74-89F1-C4D7-7276-DED5C19DBB73}"/>
+          </ac:spMkLst>
+        </pc:spChg>
+        <pc:spChg chg="del">
+          <ac:chgData name="Xin Luo" userId="82312ee5779919a4" providerId="LiveId" clId="{11C7DD9E-0989-8C46-9E98-A8157970B434}" dt="2023-02-26T15:20:24.969" v="429" actId="478"/>
+          <ac:spMkLst>
+            <pc:docMk/>
+            <pc:sldMk cId="3080738912" sldId="2767"/>
+            <ac:spMk id="7" creationId="{90728D9D-D249-EA33-6E80-8B5C8EA26F4F}"/>
+          </ac:spMkLst>
+        </pc:spChg>
+        <pc:spChg chg="add mod">
+          <ac:chgData name="Xin Luo" userId="82312ee5779919a4" providerId="LiveId" clId="{11C7DD9E-0989-8C46-9E98-A8157970B434}" dt="2023-02-27T08:20:47.033" v="802" actId="20577"/>
+          <ac:spMkLst>
+            <pc:docMk/>
+            <pc:sldMk cId="3080738912" sldId="2767"/>
+            <ac:spMk id="8" creationId="{B4927106-7FAA-7DB9-6B73-C3C3BDD043CF}"/>
+          </ac:spMkLst>
+        </pc:spChg>
+        <pc:spChg chg="add mod">
+          <ac:chgData name="Xin Luo" userId="82312ee5779919a4" providerId="LiveId" clId="{11C7DD9E-0989-8C46-9E98-A8157970B434}" dt="2023-02-27T08:52:57.704" v="1092"/>
+          <ac:spMkLst>
+            <pc:docMk/>
+            <pc:sldMk cId="3080738912" sldId="2767"/>
+            <ac:spMk id="9" creationId="{0218C4A2-B358-216E-FCDA-F391C5615790}"/>
+          </ac:spMkLst>
+        </pc:spChg>
+      </pc:sldChg>
+      <pc:sldChg chg="add del">
+        <pc:chgData name="Xin Luo" userId="82312ee5779919a4" providerId="LiveId" clId="{11C7DD9E-0989-8C46-9E98-A8157970B434}" dt="2023-02-27T08:52:42.554" v="1091" actId="2696"/>
+        <pc:sldMkLst>
+          <pc:docMk/>
+          <pc:sldMk cId="1789931058" sldId="2768"/>
+        </pc:sldMkLst>
+      </pc:sldChg>
+      <pc:sldChg chg="delSp modSp add mod">
+        <pc:chgData name="Xin Luo" userId="82312ee5779919a4" providerId="LiveId" clId="{11C7DD9E-0989-8C46-9E98-A8157970B434}" dt="2023-02-27T13:34:39.830" v="1495" actId="20577"/>
+        <pc:sldMkLst>
+          <pc:docMk/>
+          <pc:sldMk cId="2222334095" sldId="2769"/>
+        </pc:sldMkLst>
+        <pc:spChg chg="mod">
+          <ac:chgData name="Xin Luo" userId="82312ee5779919a4" providerId="LiveId" clId="{11C7DD9E-0989-8C46-9E98-A8157970B434}" dt="2023-02-27T13:34:39.830" v="1495" actId="20577"/>
+          <ac:spMkLst>
+            <pc:docMk/>
+            <pc:sldMk cId="2222334095" sldId="2769"/>
+            <ac:spMk id="5" creationId="{78502774-B04C-634F-1396-E5815996BC36}"/>
+          </ac:spMkLst>
+        </pc:spChg>
+        <pc:picChg chg="del">
+          <ac:chgData name="Xin Luo" userId="82312ee5779919a4" providerId="LiveId" clId="{11C7DD9E-0989-8C46-9E98-A8157970B434}" dt="2023-02-27T02:36:48.860" v="606" actId="478"/>
+          <ac:picMkLst>
+            <pc:docMk/>
+            <pc:sldMk cId="2222334095" sldId="2769"/>
+            <ac:picMk id="7" creationId="{29D2CECB-2FBB-A6A5-8FB0-B791E6AB6D2E}"/>
+          </ac:picMkLst>
+        </pc:picChg>
+      </pc:sldChg>
+      <pc:sldChg chg="modSp add mod">
+        <pc:chgData name="Xin Luo" userId="82312ee5779919a4" providerId="LiveId" clId="{11C7DD9E-0989-8C46-9E98-A8157970B434}" dt="2023-02-27T08:53:34.198" v="1095"/>
+        <pc:sldMkLst>
+          <pc:docMk/>
+          <pc:sldMk cId="2739444815" sldId="2770"/>
+        </pc:sldMkLst>
+        <pc:spChg chg="mod">
+          <ac:chgData name="Xin Luo" userId="82312ee5779919a4" providerId="LiveId" clId="{11C7DD9E-0989-8C46-9E98-A8157970B434}" dt="2023-02-27T08:53:34.198" v="1095"/>
+          <ac:spMkLst>
+            <pc:docMk/>
+            <pc:sldMk cId="2739444815" sldId="2770"/>
+            <ac:spMk id="3" creationId="{00000000-0000-0000-0000-000000000000}"/>
+          </ac:spMkLst>
+        </pc:spChg>
+      </pc:sldChg>
+    </pc:docChg>
+  </pc:docChgLst>
+  <pc:docChgLst>
     <pc:chgData name="Xin Luo" userId="82312ee5779919a4" providerId="LiveId" clId="{3C4A7AF4-6488-5041-B432-D36EF53163D3}"/>
     <pc:docChg chg="undo custSel addSld delSld modSld sldOrd">
       <pc:chgData name="Xin Luo" userId="82312ee5779919a4" providerId="LiveId" clId="{3C4A7AF4-6488-5041-B432-D36EF53163D3}" dt="2023-02-23T14:33:41.327" v="6919" actId="478"/>
@@ -2920,344 +4159,239 @@
     </pc:docChg>
   </pc:docChgLst>
   <pc:docChgLst>
-    <pc:chgData name="Xin Luo" userId="82312ee5779919a4" providerId="LiveId" clId="{23920C8D-EBCE-A347-9C82-C14316D20539}"/>
-    <pc:docChg chg="undo custSel addSld modSld">
-      <pc:chgData name="Xin Luo" userId="82312ee5779919a4" providerId="LiveId" clId="{23920C8D-EBCE-A347-9C82-C14316D20539}" dt="2022-10-26T12:19:06.428" v="501" actId="767"/>
+    <pc:chgData name="Xin Luo" userId="82312ee5779919a4" providerId="LiveId" clId="{43F513C8-EB74-484F-A7E0-3FD069260300}"/>
+    <pc:docChg chg="undo custSel modSld">
+      <pc:chgData name="Xin Luo" userId="82312ee5779919a4" providerId="LiveId" clId="{43F513C8-EB74-484F-A7E0-3FD069260300}" dt="2023-05-28T08:36:12.671" v="208" actId="20577"/>
       <pc:docMkLst>
         <pc:docMk/>
       </pc:docMkLst>
       <pc:sldChg chg="modSp mod">
-        <pc:chgData name="Xin Luo" userId="82312ee5779919a4" providerId="LiveId" clId="{23920C8D-EBCE-A347-9C82-C14316D20539}" dt="2022-10-10T01:06:29.261" v="368" actId="404"/>
+        <pc:chgData name="Xin Luo" userId="82312ee5779919a4" providerId="LiveId" clId="{43F513C8-EB74-484F-A7E0-3FD069260300}" dt="2023-05-27T02:15:53.724" v="6" actId="20577"/>
         <pc:sldMkLst>
           <pc:docMk/>
-          <pc:sldMk cId="1576120367" sldId="2387"/>
+          <pc:sldMk cId="580867947" sldId="2747"/>
         </pc:sldMkLst>
         <pc:spChg chg="mod">
-          <ac:chgData name="Xin Luo" userId="82312ee5779919a4" providerId="LiveId" clId="{23920C8D-EBCE-A347-9C82-C14316D20539}" dt="2022-10-10T01:06:29.261" v="368" actId="404"/>
-          <ac:spMkLst>
-            <pc:docMk/>
-            <pc:sldMk cId="1576120367" sldId="2387"/>
-            <ac:spMk id="10" creationId="{00000000-0000-0000-0000-000000000000}"/>
-          </ac:spMkLst>
-        </pc:spChg>
-        <pc:spChg chg="mod">
-          <ac:chgData name="Xin Luo" userId="82312ee5779919a4" providerId="LiveId" clId="{23920C8D-EBCE-A347-9C82-C14316D20539}" dt="2022-10-10T01:06:13.262" v="366" actId="403"/>
-          <ac:spMkLst>
-            <pc:docMk/>
-            <pc:sldMk cId="1576120367" sldId="2387"/>
-            <ac:spMk id="12" creationId="{00000000-0000-0000-0000-000000000000}"/>
-          </ac:spMkLst>
-        </pc:spChg>
-        <pc:spChg chg="mod">
-          <ac:chgData name="Xin Luo" userId="82312ee5779919a4" providerId="LiveId" clId="{23920C8D-EBCE-A347-9C82-C14316D20539}" dt="2022-10-10T01:06:29.261" v="368" actId="404"/>
-          <ac:spMkLst>
-            <pc:docMk/>
-            <pc:sldMk cId="1576120367" sldId="2387"/>
-            <ac:spMk id="13" creationId="{00000000-0000-0000-0000-000000000000}"/>
-          </ac:spMkLst>
-        </pc:spChg>
-        <pc:spChg chg="mod">
-          <ac:chgData name="Xin Luo" userId="82312ee5779919a4" providerId="LiveId" clId="{23920C8D-EBCE-A347-9C82-C14316D20539}" dt="2022-10-10T01:06:13.262" v="366" actId="403"/>
-          <ac:spMkLst>
-            <pc:docMk/>
-            <pc:sldMk cId="1576120367" sldId="2387"/>
-            <ac:spMk id="14" creationId="{00000000-0000-0000-0000-000000000000}"/>
-          </ac:spMkLst>
-        </pc:spChg>
-        <pc:spChg chg="mod">
-          <ac:chgData name="Xin Luo" userId="82312ee5779919a4" providerId="LiveId" clId="{23920C8D-EBCE-A347-9C82-C14316D20539}" dt="2022-10-10T01:06:29.261" v="368" actId="404"/>
-          <ac:spMkLst>
-            <pc:docMk/>
-            <pc:sldMk cId="1576120367" sldId="2387"/>
-            <ac:spMk id="15" creationId="{00000000-0000-0000-0000-000000000000}"/>
-          </ac:spMkLst>
-        </pc:spChg>
-        <pc:spChg chg="mod">
-          <ac:chgData name="Xin Luo" userId="82312ee5779919a4" providerId="LiveId" clId="{23920C8D-EBCE-A347-9C82-C14316D20539}" dt="2022-10-10T01:06:19.369" v="367" actId="14100"/>
-          <ac:spMkLst>
-            <pc:docMk/>
-            <pc:sldMk cId="1576120367" sldId="2387"/>
-            <ac:spMk id="16" creationId="{00000000-0000-0000-0000-000000000000}"/>
+          <ac:chgData name="Xin Luo" userId="82312ee5779919a4" providerId="LiveId" clId="{43F513C8-EB74-484F-A7E0-3FD069260300}" dt="2023-05-27T02:15:53.724" v="6" actId="20577"/>
+          <ac:spMkLst>
+            <pc:docMk/>
+            <pc:sldMk cId="580867947" sldId="2747"/>
+            <ac:spMk id="5" creationId="{78502774-B04C-634F-1396-E5815996BC36}"/>
           </ac:spMkLst>
         </pc:spChg>
       </pc:sldChg>
       <pc:sldChg chg="modSp mod">
-        <pc:chgData name="Xin Luo" userId="82312ee5779919a4" providerId="LiveId" clId="{23920C8D-EBCE-A347-9C82-C14316D20539}" dt="2022-10-10T01:06:39.449" v="369" actId="403"/>
+        <pc:chgData name="Xin Luo" userId="82312ee5779919a4" providerId="LiveId" clId="{43F513C8-EB74-484F-A7E0-3FD069260300}" dt="2023-05-28T08:36:12.671" v="208" actId="20577"/>
         <pc:sldMkLst>
           <pc:docMk/>
-          <pc:sldMk cId="2415901206" sldId="2447"/>
+          <pc:sldMk cId="3818021166" sldId="2760"/>
         </pc:sldMkLst>
         <pc:spChg chg="mod">
-          <ac:chgData name="Xin Luo" userId="82312ee5779919a4" providerId="LiveId" clId="{23920C8D-EBCE-A347-9C82-C14316D20539}" dt="2022-10-10T01:06:39.449" v="369" actId="403"/>
-          <ac:spMkLst>
-            <pc:docMk/>
-            <pc:sldMk cId="2415901206" sldId="2447"/>
-            <ac:spMk id="7" creationId="{00000000-0000-0000-0000-000000000000}"/>
-          </ac:spMkLst>
-        </pc:spChg>
+          <ac:chgData name="Xin Luo" userId="82312ee5779919a4" providerId="LiveId" clId="{43F513C8-EB74-484F-A7E0-3FD069260300}" dt="2023-05-27T02:22:37.832" v="198" actId="108"/>
+          <ac:spMkLst>
+            <pc:docMk/>
+            <pc:sldMk cId="3818021166" sldId="2760"/>
+            <ac:spMk id="5" creationId="{799972CB-82FA-3BBB-40B5-08D28B498BE7}"/>
+          </ac:spMkLst>
+        </pc:spChg>
+        <pc:spChg chg="mod">
+          <ac:chgData name="Xin Luo" userId="82312ee5779919a4" providerId="LiveId" clId="{43F513C8-EB74-484F-A7E0-3FD069260300}" dt="2023-05-28T08:36:12.671" v="208" actId="20577"/>
+          <ac:spMkLst>
+            <pc:docMk/>
+            <pc:sldMk cId="3818021166" sldId="2760"/>
+            <ac:spMk id="6" creationId="{DA984439-1B23-1931-1979-ECF8DE9D6DCA}"/>
+          </ac:spMkLst>
+        </pc:spChg>
+      </pc:sldChg>
+      <pc:sldChg chg="modSp mod">
+        <pc:chgData name="Xin Luo" userId="82312ee5779919a4" providerId="LiveId" clId="{43F513C8-EB74-484F-A7E0-3FD069260300}" dt="2023-05-27T02:17:06.921" v="7" actId="207"/>
+        <pc:sldMkLst>
+          <pc:docMk/>
+          <pc:sldMk cId="1939141190" sldId="2773"/>
+        </pc:sldMkLst>
+        <pc:spChg chg="mod">
+          <ac:chgData name="Xin Luo" userId="82312ee5779919a4" providerId="LiveId" clId="{43F513C8-EB74-484F-A7E0-3FD069260300}" dt="2023-05-27T02:17:06.921" v="7" actId="207"/>
+          <ac:spMkLst>
+            <pc:docMk/>
+            <pc:sldMk cId="1939141190" sldId="2773"/>
+            <ac:spMk id="2" creationId="{631AADB6-C88A-D817-4683-FC087E4E240F}"/>
+          </ac:spMkLst>
+        </pc:spChg>
+      </pc:sldChg>
+    </pc:docChg>
+  </pc:docChgLst>
+  <pc:docChgLst>
+    <pc:chgData name="Xin Luo" userId="82312ee5779919a4" providerId="LiveId" clId="{24E677A2-D2C3-A44F-9E9F-4CACE05D8C20}"/>
+    <pc:docChg chg="undo custSel addSld delSld modSld sldOrd">
+      <pc:chgData name="Xin Luo" userId="82312ee5779919a4" providerId="LiveId" clId="{24E677A2-D2C3-A44F-9E9F-4CACE05D8C20}" dt="2023-04-12T13:17:21.179" v="1770" actId="255"/>
+      <pc:docMkLst>
+        <pc:docMk/>
+      </pc:docMkLst>
+      <pc:sldChg chg="del">
+        <pc:chgData name="Xin Luo" userId="82312ee5779919a4" providerId="LiveId" clId="{24E677A2-D2C3-A44F-9E9F-4CACE05D8C20}" dt="2023-04-04T14:47:49.615" v="813" actId="2696"/>
+        <pc:sldMkLst>
+          <pc:docMk/>
+          <pc:sldMk cId="3929071932" sldId="2753"/>
+        </pc:sldMkLst>
       </pc:sldChg>
       <pc:sldChg chg="addSp delSp modSp mod">
-        <pc:chgData name="Xin Luo" userId="82312ee5779919a4" providerId="LiveId" clId="{23920C8D-EBCE-A347-9C82-C14316D20539}" dt="2022-10-26T11:18:20.490" v="500"/>
+        <pc:chgData name="Xin Luo" userId="82312ee5779919a4" providerId="LiveId" clId="{24E677A2-D2C3-A44F-9E9F-4CACE05D8C20}" dt="2023-03-22T01:18:43.454" v="749" actId="478"/>
         <pc:sldMkLst>
           <pc:docMk/>
-          <pc:sldMk cId="2689840772" sldId="2604"/>
+          <pc:sldMk cId="3818021166" sldId="2760"/>
         </pc:sldMkLst>
         <pc:spChg chg="mod">
-          <ac:chgData name="Xin Luo" userId="82312ee5779919a4" providerId="LiveId" clId="{23920C8D-EBCE-A347-9C82-C14316D20539}" dt="2022-10-26T11:18:14.630" v="497" actId="1038"/>
-          <ac:spMkLst>
-            <pc:docMk/>
-            <pc:sldMk cId="2689840772" sldId="2604"/>
-            <ac:spMk id="2" creationId="{DB381E7B-A050-4BE4-6756-9B64308C74D7}"/>
-          </ac:spMkLst>
-        </pc:spChg>
-        <pc:spChg chg="del mod">
-          <ac:chgData name="Xin Luo" userId="82312ee5779919a4" providerId="LiveId" clId="{23920C8D-EBCE-A347-9C82-C14316D20539}" dt="2022-10-10T00:58:26.498" v="9" actId="478"/>
-          <ac:spMkLst>
-            <pc:docMk/>
-            <pc:sldMk cId="2689840772" sldId="2604"/>
-            <ac:spMk id="3" creationId="{00000000-0000-0000-0000-000000000000}"/>
-          </ac:spMkLst>
-        </pc:spChg>
-        <pc:spChg chg="add del mod">
-          <ac:chgData name="Xin Luo" userId="82312ee5779919a4" providerId="LiveId" clId="{23920C8D-EBCE-A347-9C82-C14316D20539}" dt="2022-10-26T11:18:20.490" v="500"/>
-          <ac:spMkLst>
-            <pc:docMk/>
-            <pc:sldMk cId="2689840772" sldId="2604"/>
-            <ac:spMk id="3" creationId="{0AC6D251-AEF6-35BE-71D5-DE25EAD72977}"/>
+          <ac:chgData name="Xin Luo" userId="82312ee5779919a4" providerId="LiveId" clId="{24E677A2-D2C3-A44F-9E9F-4CACE05D8C20}" dt="2023-03-22T00:52:01.308" v="51" actId="20577"/>
+          <ac:spMkLst>
+            <pc:docMk/>
+            <pc:sldMk cId="3818021166" sldId="2760"/>
+            <ac:spMk id="2" creationId="{631AADB6-C88A-D817-4683-FC087E4E240F}"/>
           </ac:spMkLst>
         </pc:spChg>
         <pc:spChg chg="add mod">
-          <ac:chgData name="Xin Luo" userId="82312ee5779919a4" providerId="LiveId" clId="{23920C8D-EBCE-A347-9C82-C14316D20539}" dt="2022-10-10T01:03:50.909" v="356" actId="20577"/>
-          <ac:spMkLst>
-            <pc:docMk/>
-            <pc:sldMk cId="2689840772" sldId="2604"/>
-            <ac:spMk id="4" creationId="{5B949F23-92C2-3ACE-AE9A-58F8C8D7AB52}"/>
+          <ac:chgData name="Xin Luo" userId="82312ee5779919a4" providerId="LiveId" clId="{24E677A2-D2C3-A44F-9E9F-4CACE05D8C20}" dt="2023-03-22T01:17:28.834" v="744" actId="1036"/>
+          <ac:spMkLst>
+            <pc:docMk/>
+            <pc:sldMk cId="3818021166" sldId="2760"/>
+            <ac:spMk id="5" creationId="{799972CB-82FA-3BBB-40B5-08D28B498BE7}"/>
+          </ac:spMkLst>
+        </pc:spChg>
+        <pc:spChg chg="mod">
+          <ac:chgData name="Xin Luo" userId="82312ee5779919a4" providerId="LiveId" clId="{24E677A2-D2C3-A44F-9E9F-4CACE05D8C20}" dt="2023-03-22T01:18:18.664" v="747"/>
+          <ac:spMkLst>
+            <pc:docMk/>
+            <pc:sldMk cId="3818021166" sldId="2760"/>
+            <ac:spMk id="6" creationId="{DA984439-1B23-1931-1979-ECF8DE9D6DCA}"/>
+          </ac:spMkLst>
+        </pc:spChg>
+        <pc:spChg chg="add del">
+          <ac:chgData name="Xin Luo" userId="82312ee5779919a4" providerId="LiveId" clId="{24E677A2-D2C3-A44F-9E9F-4CACE05D8C20}" dt="2023-03-22T01:18:43.454" v="749" actId="478"/>
+          <ac:spMkLst>
+            <pc:docMk/>
+            <pc:sldMk cId="3818021166" sldId="2760"/>
+            <ac:spMk id="8" creationId="{56FDFD46-367A-466F-6DA9-B3FB0FBA8EBF}"/>
           </ac:spMkLst>
         </pc:spChg>
       </pc:sldChg>
-      <pc:sldChg chg="modSp mod">
-        <pc:chgData name="Xin Luo" userId="82312ee5779919a4" providerId="LiveId" clId="{23920C8D-EBCE-A347-9C82-C14316D20539}" dt="2022-10-25T11:53:23.523" v="402" actId="207"/>
+      <pc:sldChg chg="modSp del mod">
+        <pc:chgData name="Xin Luo" userId="82312ee5779919a4" providerId="LiveId" clId="{24E677A2-D2C3-A44F-9E9F-4CACE05D8C20}" dt="2023-04-12T13:13:59.839" v="1572" actId="2696"/>
         <pc:sldMkLst>
           <pc:docMk/>
-          <pc:sldMk cId="1392274363" sldId="2606"/>
+          <pc:sldMk cId="3373327641" sldId="2763"/>
         </pc:sldMkLst>
         <pc:spChg chg="mod">
-          <ac:chgData name="Xin Luo" userId="82312ee5779919a4" providerId="LiveId" clId="{23920C8D-EBCE-A347-9C82-C14316D20539}" dt="2022-10-10T01:08:08.448" v="392" actId="20577"/>
-          <ac:spMkLst>
-            <pc:docMk/>
-            <pc:sldMk cId="1392274363" sldId="2606"/>
-            <ac:spMk id="35" creationId="{2CBBD54C-A0C4-CFAB-2A67-F8BF299D28F5}"/>
-          </ac:spMkLst>
-        </pc:spChg>
-        <pc:spChg chg="mod">
-          <ac:chgData name="Xin Luo" userId="82312ee5779919a4" providerId="LiveId" clId="{23920C8D-EBCE-A347-9C82-C14316D20539}" dt="2022-10-25T11:53:23.523" v="402" actId="207"/>
-          <ac:spMkLst>
-            <pc:docMk/>
-            <pc:sldMk cId="1392274363" sldId="2606"/>
-            <ac:spMk id="42" creationId="{E4B07DDE-AB89-2B16-6B7A-2142621DE6F5}"/>
+          <ac:chgData name="Xin Luo" userId="82312ee5779919a4" providerId="LiveId" clId="{24E677A2-D2C3-A44F-9E9F-4CACE05D8C20}" dt="2023-04-12T13:13:36.898" v="1571" actId="20577"/>
+          <ac:spMkLst>
+            <pc:docMk/>
+            <pc:sldMk cId="3373327641" sldId="2763"/>
+            <ac:spMk id="13" creationId="{303BC878-BC57-D350-27A3-F03AE48213AC}"/>
           </ac:spMkLst>
         </pc:spChg>
       </pc:sldChg>
-      <pc:sldChg chg="modSp mod">
-        <pc:chgData name="Xin Luo" userId="82312ee5779919a4" providerId="LiveId" clId="{23920C8D-EBCE-A347-9C82-C14316D20539}" dt="2022-10-25T12:03:26.240" v="414" actId="14100"/>
+      <pc:sldChg chg="delSp modSp mod">
+        <pc:chgData name="Xin Luo" userId="82312ee5779919a4" providerId="LiveId" clId="{24E677A2-D2C3-A44F-9E9F-4CACE05D8C20}" dt="2023-04-12T12:41:48.301" v="1440" actId="20577"/>
         <pc:sldMkLst>
           <pc:docMk/>
-          <pc:sldMk cId="292605530" sldId="2607"/>
+          <pc:sldMk cId="3080738912" sldId="2767"/>
+        </pc:sldMkLst>
+        <pc:spChg chg="del">
+          <ac:chgData name="Xin Luo" userId="82312ee5779919a4" providerId="LiveId" clId="{24E677A2-D2C3-A44F-9E9F-4CACE05D8C20}" dt="2023-04-06T12:48:52.968" v="1252" actId="478"/>
+          <ac:spMkLst>
+            <pc:docMk/>
+            <pc:sldMk cId="3080738912" sldId="2767"/>
+            <ac:spMk id="6" creationId="{A8981A74-89F1-C4D7-7276-DED5C19DBB73}"/>
+          </ac:spMkLst>
+        </pc:spChg>
+        <pc:spChg chg="mod">
+          <ac:chgData name="Xin Luo" userId="82312ee5779919a4" providerId="LiveId" clId="{24E677A2-D2C3-A44F-9E9F-4CACE05D8C20}" dt="2023-04-12T12:41:48.301" v="1440" actId="20577"/>
+          <ac:spMkLst>
+            <pc:docMk/>
+            <pc:sldMk cId="3080738912" sldId="2767"/>
+            <ac:spMk id="8" creationId="{B4927106-7FAA-7DB9-6B73-C3C3BDD043CF}"/>
+          </ac:spMkLst>
+        </pc:spChg>
+      </pc:sldChg>
+      <pc:sldChg chg="addSp delSp modSp mod">
+        <pc:chgData name="Xin Luo" userId="82312ee5779919a4" providerId="LiveId" clId="{24E677A2-D2C3-A44F-9E9F-4CACE05D8C20}" dt="2023-04-06T08:59:06.599" v="1243" actId="20577"/>
+        <pc:sldMkLst>
+          <pc:docMk/>
+          <pc:sldMk cId="2222334095" sldId="2769"/>
+        </pc:sldMkLst>
+        <pc:spChg chg="del">
+          <ac:chgData name="Xin Luo" userId="82312ee5779919a4" providerId="LiveId" clId="{24E677A2-D2C3-A44F-9E9F-4CACE05D8C20}" dt="2023-04-05T01:47:58.652" v="1044" actId="478"/>
+          <ac:spMkLst>
+            <pc:docMk/>
+            <pc:sldMk cId="2222334095" sldId="2769"/>
+            <ac:spMk id="2" creationId="{631AADB6-C88A-D817-4683-FC087E4E240F}"/>
+          </ac:spMkLst>
+        </pc:spChg>
+        <pc:spChg chg="add mod">
+          <ac:chgData name="Xin Luo" userId="82312ee5779919a4" providerId="LiveId" clId="{24E677A2-D2C3-A44F-9E9F-4CACE05D8C20}" dt="2023-04-05T01:48:50.636" v="1051" actId="14100"/>
+          <ac:spMkLst>
+            <pc:docMk/>
+            <pc:sldMk cId="2222334095" sldId="2769"/>
+            <ac:spMk id="4" creationId="{63535F26-70F3-E3F4-FE68-56E63E1C0EA4}"/>
+          </ac:spMkLst>
+        </pc:spChg>
+        <pc:spChg chg="mod">
+          <ac:chgData name="Xin Luo" userId="82312ee5779919a4" providerId="LiveId" clId="{24E677A2-D2C3-A44F-9E9F-4CACE05D8C20}" dt="2023-04-06T08:59:06.599" v="1243" actId="20577"/>
+          <ac:spMkLst>
+            <pc:docMk/>
+            <pc:sldMk cId="2222334095" sldId="2769"/>
+            <ac:spMk id="5" creationId="{78502774-B04C-634F-1396-E5815996BC36}"/>
+          </ac:spMkLst>
+        </pc:spChg>
+      </pc:sldChg>
+      <pc:sldChg chg="addSp delSp modSp mod">
+        <pc:chgData name="Xin Luo" userId="82312ee5779919a4" providerId="LiveId" clId="{24E677A2-D2C3-A44F-9E9F-4CACE05D8C20}" dt="2023-04-12T13:17:21.179" v="1770" actId="255"/>
+        <pc:sldMkLst>
+          <pc:docMk/>
+          <pc:sldMk cId="2739444815" sldId="2770"/>
         </pc:sldMkLst>
         <pc:spChg chg="mod">
-          <ac:chgData name="Xin Luo" userId="82312ee5779919a4" providerId="LiveId" clId="{23920C8D-EBCE-A347-9C82-C14316D20539}" dt="2022-10-25T12:03:26.240" v="414" actId="14100"/>
-          <ac:spMkLst>
-            <pc:docMk/>
-            <pc:sldMk cId="292605530" sldId="2607"/>
-            <ac:spMk id="18" creationId="{8399C9E7-13B6-1DAF-F5BF-4471E8528C5F}"/>
+          <ac:chgData name="Xin Luo" userId="82312ee5779919a4" providerId="LiveId" clId="{24E677A2-D2C3-A44F-9E9F-4CACE05D8C20}" dt="2023-04-12T13:15:43.983" v="1596" actId="20577"/>
+          <ac:spMkLst>
+            <pc:docMk/>
+            <pc:sldMk cId="2739444815" sldId="2770"/>
+            <ac:spMk id="2" creationId="{631AADB6-C88A-D817-4683-FC087E4E240F}"/>
+          </ac:spMkLst>
+        </pc:spChg>
+        <pc:spChg chg="mod">
+          <ac:chgData name="Xin Luo" userId="82312ee5779919a4" providerId="LiveId" clId="{24E677A2-D2C3-A44F-9E9F-4CACE05D8C20}" dt="2023-04-12T13:17:21.179" v="1770" actId="255"/>
+          <ac:spMkLst>
+            <pc:docMk/>
+            <pc:sldMk cId="2739444815" sldId="2770"/>
+            <ac:spMk id="5" creationId="{78502774-B04C-634F-1396-E5815996BC36}"/>
+          </ac:spMkLst>
+        </pc:spChg>
+        <pc:spChg chg="add del mod">
+          <ac:chgData name="Xin Luo" userId="82312ee5779919a4" providerId="LiveId" clId="{24E677A2-D2C3-A44F-9E9F-4CACE05D8C20}" dt="2023-04-12T12:55:29.935" v="1563" actId="478"/>
+          <ac:spMkLst>
+            <pc:docMk/>
+            <pc:sldMk cId="2739444815" sldId="2770"/>
+            <ac:spMk id="6" creationId="{3CB8C003-FC82-9C07-CAE2-BF6491202344}"/>
           </ac:spMkLst>
         </pc:spChg>
       </pc:sldChg>
-      <pc:sldChg chg="modSp mod">
-        <pc:chgData name="Xin Luo" userId="82312ee5779919a4" providerId="LiveId" clId="{23920C8D-EBCE-A347-9C82-C14316D20539}" dt="2022-10-25T12:09:03.730" v="478" actId="1036"/>
+      <pc:sldChg chg="del">
+        <pc:chgData name="Xin Luo" userId="82312ee5779919a4" providerId="LiveId" clId="{24E677A2-D2C3-A44F-9E9F-4CACE05D8C20}" dt="2023-04-04T14:47:41.375" v="812" actId="2696"/>
         <pc:sldMkLst>
           <pc:docMk/>
-          <pc:sldMk cId="2780969545" sldId="2609"/>
+          <pc:sldMk cId="3328354025" sldId="2772"/>
+        </pc:sldMkLst>
+      </pc:sldChg>
+      <pc:sldChg chg="modSp add mod ord">
+        <pc:chgData name="Xin Luo" userId="82312ee5779919a4" providerId="LiveId" clId="{24E677A2-D2C3-A44F-9E9F-4CACE05D8C20}" dt="2023-03-22T15:40:15.986" v="811" actId="20577"/>
+        <pc:sldMkLst>
+          <pc:docMk/>
+          <pc:sldMk cId="1939141190" sldId="2773"/>
         </pc:sldMkLst>
         <pc:spChg chg="mod">
-          <ac:chgData name="Xin Luo" userId="82312ee5779919a4" providerId="LiveId" clId="{23920C8D-EBCE-A347-9C82-C14316D20539}" dt="2022-10-25T12:08:56.496" v="469" actId="115"/>
-          <ac:spMkLst>
-            <pc:docMk/>
-            <pc:sldMk cId="2780969545" sldId="2609"/>
-            <ac:spMk id="6" creationId="{2D1A6305-FF43-CF53-224A-B6D4901EAB0F}"/>
-          </ac:spMkLst>
-        </pc:spChg>
-        <pc:spChg chg="mod">
-          <ac:chgData name="Xin Luo" userId="82312ee5779919a4" providerId="LiveId" clId="{23920C8D-EBCE-A347-9C82-C14316D20539}" dt="2022-10-25T12:09:03.730" v="478" actId="1036"/>
-          <ac:spMkLst>
-            <pc:docMk/>
-            <pc:sldMk cId="2780969545" sldId="2609"/>
-            <ac:spMk id="11" creationId="{63EAC848-88D2-7A10-E878-444ADA855E23}"/>
-          </ac:spMkLst>
-        </pc:spChg>
-        <pc:spChg chg="mod">
-          <ac:chgData name="Xin Luo" userId="82312ee5779919a4" providerId="LiveId" clId="{23920C8D-EBCE-A347-9C82-C14316D20539}" dt="2022-10-25T12:09:03.730" v="478" actId="1036"/>
-          <ac:spMkLst>
-            <pc:docMk/>
-            <pc:sldMk cId="2780969545" sldId="2609"/>
-            <ac:spMk id="12" creationId="{BED7A820-9D6E-7E7E-A906-8A9424528316}"/>
-          </ac:spMkLst>
-        </pc:spChg>
-        <pc:spChg chg="mod">
-          <ac:chgData name="Xin Luo" userId="82312ee5779919a4" providerId="LiveId" clId="{23920C8D-EBCE-A347-9C82-C14316D20539}" dt="2022-10-25T12:09:03.730" v="478" actId="1036"/>
-          <ac:spMkLst>
-            <pc:docMk/>
-            <pc:sldMk cId="2780969545" sldId="2609"/>
-            <ac:spMk id="20" creationId="{87EC125B-CB98-6914-1633-6697471A2CB4}"/>
-          </ac:spMkLst>
-        </pc:spChg>
-        <pc:spChg chg="mod">
-          <ac:chgData name="Xin Luo" userId="82312ee5779919a4" providerId="LiveId" clId="{23920C8D-EBCE-A347-9C82-C14316D20539}" dt="2022-10-25T12:09:03.730" v="478" actId="1036"/>
-          <ac:spMkLst>
-            <pc:docMk/>
-            <pc:sldMk cId="2780969545" sldId="2609"/>
-            <ac:spMk id="21" creationId="{0AF67847-7DEF-CDAB-6208-0271BFB4FB06}"/>
-          </ac:spMkLst>
-        </pc:spChg>
-        <pc:spChg chg="mod">
-          <ac:chgData name="Xin Luo" userId="82312ee5779919a4" providerId="LiveId" clId="{23920C8D-EBCE-A347-9C82-C14316D20539}" dt="2022-10-25T12:09:03.730" v="478" actId="1036"/>
-          <ac:spMkLst>
-            <pc:docMk/>
-            <pc:sldMk cId="2780969545" sldId="2609"/>
-            <ac:spMk id="23" creationId="{0011846D-F543-398E-85CB-0AB0A842928A}"/>
-          </ac:spMkLst>
-        </pc:spChg>
-        <pc:spChg chg="mod">
-          <ac:chgData name="Xin Luo" userId="82312ee5779919a4" providerId="LiveId" clId="{23920C8D-EBCE-A347-9C82-C14316D20539}" dt="2022-10-25T12:09:03.730" v="478" actId="1036"/>
-          <ac:spMkLst>
-            <pc:docMk/>
-            <pc:sldMk cId="2780969545" sldId="2609"/>
-            <ac:spMk id="24" creationId="{37B5D87E-7419-7CC0-91CC-8A0807F0F999}"/>
-          </ac:spMkLst>
-        </pc:spChg>
-        <pc:spChg chg="mod">
-          <ac:chgData name="Xin Luo" userId="82312ee5779919a4" providerId="LiveId" clId="{23920C8D-EBCE-A347-9C82-C14316D20539}" dt="2022-10-25T12:09:03.730" v="478" actId="1036"/>
-          <ac:spMkLst>
-            <pc:docMk/>
-            <pc:sldMk cId="2780969545" sldId="2609"/>
-            <ac:spMk id="25" creationId="{4745244D-B431-F067-4A97-7CC4387296FB}"/>
-          </ac:spMkLst>
-        </pc:spChg>
-        <pc:spChg chg="mod">
-          <ac:chgData name="Xin Luo" userId="82312ee5779919a4" providerId="LiveId" clId="{23920C8D-EBCE-A347-9C82-C14316D20539}" dt="2022-10-25T12:09:03.730" v="478" actId="1036"/>
-          <ac:spMkLst>
-            <pc:docMk/>
-            <pc:sldMk cId="2780969545" sldId="2609"/>
-            <ac:spMk id="26" creationId="{FB9C53DE-8D1F-6DF4-8CE3-3A262A9F8737}"/>
-          </ac:spMkLst>
-        </pc:spChg>
-        <pc:picChg chg="mod">
-          <ac:chgData name="Xin Luo" userId="82312ee5779919a4" providerId="LiveId" clId="{23920C8D-EBCE-A347-9C82-C14316D20539}" dt="2022-10-25T12:09:03.730" v="478" actId="1036"/>
-          <ac:picMkLst>
-            <pc:docMk/>
-            <pc:sldMk cId="2780969545" sldId="2609"/>
-            <ac:picMk id="4" creationId="{49B7ACC6-6794-9162-52B2-E80F7E4B0442}"/>
-          </ac:picMkLst>
-        </pc:picChg>
-        <pc:picChg chg="mod">
-          <ac:chgData name="Xin Luo" userId="82312ee5779919a4" providerId="LiveId" clId="{23920C8D-EBCE-A347-9C82-C14316D20539}" dt="2022-10-25T12:09:03.730" v="478" actId="1036"/>
-          <ac:picMkLst>
-            <pc:docMk/>
-            <pc:sldMk cId="2780969545" sldId="2609"/>
-            <ac:picMk id="7" creationId="{42FD45A0-A9EA-D518-41B5-21FA7A24BA60}"/>
-          </ac:picMkLst>
-        </pc:picChg>
-        <pc:picChg chg="mod">
-          <ac:chgData name="Xin Luo" userId="82312ee5779919a4" providerId="LiveId" clId="{23920C8D-EBCE-A347-9C82-C14316D20539}" dt="2022-10-25T12:09:03.730" v="478" actId="1036"/>
-          <ac:picMkLst>
-            <pc:docMk/>
-            <pc:sldMk cId="2780969545" sldId="2609"/>
-            <ac:picMk id="10" creationId="{C2B12388-3179-41F8-2462-0C9BA14093FF}"/>
-          </ac:picMkLst>
-        </pc:picChg>
-        <pc:picChg chg="mod">
-          <ac:chgData name="Xin Luo" userId="82312ee5779919a4" providerId="LiveId" clId="{23920C8D-EBCE-A347-9C82-C14316D20539}" dt="2022-10-25T12:09:03.730" v="478" actId="1036"/>
-          <ac:picMkLst>
-            <pc:docMk/>
-            <pc:sldMk cId="2780969545" sldId="2609"/>
-            <ac:picMk id="7170" creationId="{A3C33C8C-6841-03A7-574F-E161D6BA2409}"/>
-          </ac:picMkLst>
-        </pc:picChg>
-        <pc:cxnChg chg="mod">
-          <ac:chgData name="Xin Luo" userId="82312ee5779919a4" providerId="LiveId" clId="{23920C8D-EBCE-A347-9C82-C14316D20539}" dt="2022-10-25T12:09:03.730" v="478" actId="1036"/>
-          <ac:cxnSpMkLst>
-            <pc:docMk/>
-            <pc:sldMk cId="2780969545" sldId="2609"/>
-            <ac:cxnSpMk id="9" creationId="{FD972B84-6C44-171E-8256-D2A04F01B0C9}"/>
-          </ac:cxnSpMkLst>
-        </pc:cxnChg>
-        <pc:cxnChg chg="mod">
-          <ac:chgData name="Xin Luo" userId="82312ee5779919a4" providerId="LiveId" clId="{23920C8D-EBCE-A347-9C82-C14316D20539}" dt="2022-10-25T12:09:03.730" v="478" actId="1036"/>
-          <ac:cxnSpMkLst>
-            <pc:docMk/>
-            <pc:sldMk cId="2780969545" sldId="2609"/>
-            <ac:cxnSpMk id="16" creationId="{612BCBDC-DECE-5090-7C5B-6492FF4CE722}"/>
-          </ac:cxnSpMkLst>
-        </pc:cxnChg>
-        <pc:cxnChg chg="mod">
-          <ac:chgData name="Xin Luo" userId="82312ee5779919a4" providerId="LiveId" clId="{23920C8D-EBCE-A347-9C82-C14316D20539}" dt="2022-10-25T12:09:03.730" v="478" actId="1036"/>
-          <ac:cxnSpMkLst>
-            <pc:docMk/>
-            <pc:sldMk cId="2780969545" sldId="2609"/>
-            <ac:cxnSpMk id="17" creationId="{AF045F09-2718-C456-D477-E816A43885FF}"/>
-          </ac:cxnSpMkLst>
-        </pc:cxnChg>
-        <pc:cxnChg chg="mod">
-          <ac:chgData name="Xin Luo" userId="82312ee5779919a4" providerId="LiveId" clId="{23920C8D-EBCE-A347-9C82-C14316D20539}" dt="2022-10-25T12:09:03.730" v="478" actId="1036"/>
-          <ac:cxnSpMkLst>
-            <pc:docMk/>
-            <pc:sldMk cId="2780969545" sldId="2609"/>
-            <ac:cxnSpMk id="28" creationId="{6C11ADF7-6234-2989-2798-F5AAD5EDE3BF}"/>
-          </ac:cxnSpMkLst>
-        </pc:cxnChg>
-      </pc:sldChg>
-      <pc:sldChg chg="modSp mod">
-        <pc:chgData name="Xin Luo" userId="82312ee5779919a4" providerId="LiveId" clId="{23920C8D-EBCE-A347-9C82-C14316D20539}" dt="2022-10-26T02:56:58.658" v="480" actId="207"/>
-        <pc:sldMkLst>
-          <pc:docMk/>
-          <pc:sldMk cId="63705705" sldId="2612"/>
-        </pc:sldMkLst>
-        <pc:spChg chg="mod">
-          <ac:chgData name="Xin Luo" userId="82312ee5779919a4" providerId="LiveId" clId="{23920C8D-EBCE-A347-9C82-C14316D20539}" dt="2022-10-26T02:56:58.658" v="480" actId="207"/>
-          <ac:spMkLst>
-            <pc:docMk/>
-            <pc:sldMk cId="63705705" sldId="2612"/>
-            <ac:spMk id="63" creationId="{6400CC45-5050-7ACD-CE08-CC6D7000A1DA}"/>
-          </ac:spMkLst>
-        </pc:spChg>
-      </pc:sldChg>
-      <pc:sldChg chg="addSp modSp">
-        <pc:chgData name="Xin Luo" userId="82312ee5779919a4" providerId="LiveId" clId="{23920C8D-EBCE-A347-9C82-C14316D20539}" dt="2022-10-26T12:19:06.428" v="501" actId="767"/>
-        <pc:sldMkLst>
-          <pc:docMk/>
-          <pc:sldMk cId="963926578" sldId="2613"/>
-        </pc:sldMkLst>
-        <pc:spChg chg="add mod">
-          <ac:chgData name="Xin Luo" userId="82312ee5779919a4" providerId="LiveId" clId="{23920C8D-EBCE-A347-9C82-C14316D20539}" dt="2022-10-26T12:19:06.428" v="501" actId="767"/>
-          <ac:spMkLst>
-            <pc:docMk/>
-            <pc:sldMk cId="963926578" sldId="2613"/>
-            <ac:spMk id="2" creationId="{5F7683B3-77E0-69A9-94AE-FF04E7249325}"/>
-          </ac:spMkLst>
-        </pc:spChg>
-      </pc:sldChg>
-      <pc:sldChg chg="modSp add mod">
-        <pc:chgData name="Xin Luo" userId="82312ee5779919a4" providerId="LiveId" clId="{23920C8D-EBCE-A347-9C82-C14316D20539}" dt="2022-10-10T01:06:02.902" v="365" actId="403"/>
-        <pc:sldMkLst>
-          <pc:docMk/>
-          <pc:sldMk cId="2358282757" sldId="2714"/>
-        </pc:sldMkLst>
-        <pc:spChg chg="mod">
-          <ac:chgData name="Xin Luo" userId="82312ee5779919a4" providerId="LiveId" clId="{23920C8D-EBCE-A347-9C82-C14316D20539}" dt="2022-10-10T01:06:02.902" v="365" actId="403"/>
-          <ac:spMkLst>
-            <pc:docMk/>
-            <pc:sldMk cId="2358282757" sldId="2714"/>
-            <ac:spMk id="2" creationId="{DB381E7B-A050-4BE4-6756-9B64308C74D7}"/>
+          <ac:chgData name="Xin Luo" userId="82312ee5779919a4" providerId="LiveId" clId="{24E677A2-D2C3-A44F-9E9F-4CACE05D8C20}" dt="2023-03-22T15:40:15.986" v="811" actId="20577"/>
+          <ac:spMkLst>
+            <pc:docMk/>
+            <pc:sldMk cId="1939141190" sldId="2773"/>
+            <ac:spMk id="6" creationId="{DA984439-1B23-1931-1979-ECF8DE9D6DCA}"/>
           </ac:spMkLst>
         </pc:spChg>
       </pc:sldChg>
@@ -4310,725 +5444,6 @@
           <ac:spMkLst>
             <pc:docMk/>
             <pc:sldMk cId="70654754" sldId="2765"/>
-            <ac:spMk id="5" creationId="{78502774-B04C-634F-1396-E5815996BC36}"/>
-          </ac:spMkLst>
-        </pc:spChg>
-      </pc:sldChg>
-    </pc:docChg>
-  </pc:docChgLst>
-  <pc:docChgLst>
-    <pc:chgData name="Xin Luo" userId="82312ee5779919a4" providerId="LiveId" clId="{CBF7951B-2EAB-7D42-8E2C-4BAF1ECDD504}"/>
-    <pc:docChg chg="undo custSel addSld modSld sldOrd">
-      <pc:chgData name="Xin Luo" userId="82312ee5779919a4" providerId="LiveId" clId="{CBF7951B-2EAB-7D42-8E2C-4BAF1ECDD504}" dt="2024-07-31T07:21:47.612" v="1497" actId="20577"/>
-      <pc:docMkLst>
-        <pc:docMk/>
-      </pc:docMkLst>
-      <pc:sldChg chg="modSp mod">
-        <pc:chgData name="Xin Luo" userId="82312ee5779919a4" providerId="LiveId" clId="{CBF7951B-2EAB-7D42-8E2C-4BAF1ECDD504}" dt="2024-07-27T13:12:06.789" v="1170" actId="1036"/>
-        <pc:sldMkLst>
-          <pc:docMk/>
-          <pc:sldMk cId="1576120367" sldId="2387"/>
-        </pc:sldMkLst>
-        <pc:spChg chg="mod">
-          <ac:chgData name="Xin Luo" userId="82312ee5779919a4" providerId="LiveId" clId="{CBF7951B-2EAB-7D42-8E2C-4BAF1ECDD504}" dt="2024-07-27T13:12:06.789" v="1170" actId="1036"/>
-          <ac:spMkLst>
-            <pc:docMk/>
-            <pc:sldMk cId="1576120367" sldId="2387"/>
-            <ac:spMk id="6" creationId="{00000000-0000-0000-0000-000000000000}"/>
-          </ac:spMkLst>
-        </pc:spChg>
-      </pc:sldChg>
-      <pc:sldChg chg="addSp delSp modSp">
-        <pc:chgData name="Xin Luo" userId="82312ee5779919a4" providerId="LiveId" clId="{CBF7951B-2EAB-7D42-8E2C-4BAF1ECDD504}" dt="2024-07-27T07:15:50.788" v="11" actId="478"/>
-        <pc:sldMkLst>
-          <pc:docMk/>
-          <pc:sldMk cId="1658607177" sldId="2708"/>
-        </pc:sldMkLst>
-        <pc:picChg chg="add del mod">
-          <ac:chgData name="Xin Luo" userId="82312ee5779919a4" providerId="LiveId" clId="{CBF7951B-2EAB-7D42-8E2C-4BAF1ECDD504}" dt="2024-07-27T07:15:50.788" v="11" actId="478"/>
-          <ac:picMkLst>
-            <pc:docMk/>
-            <pc:sldMk cId="1658607177" sldId="2708"/>
-            <ac:picMk id="1026" creationId="{AA234E76-0DB9-7356-3780-76C95F05ED0E}"/>
-          </ac:picMkLst>
-        </pc:picChg>
-      </pc:sldChg>
-      <pc:sldChg chg="modSp mod">
-        <pc:chgData name="Xin Luo" userId="82312ee5779919a4" providerId="LiveId" clId="{CBF7951B-2EAB-7D42-8E2C-4BAF1ECDD504}" dt="2024-07-29T15:13:06.385" v="1246" actId="20577"/>
-        <pc:sldMkLst>
-          <pc:docMk/>
-          <pc:sldMk cId="580867947" sldId="2747"/>
-        </pc:sldMkLst>
-        <pc:spChg chg="mod">
-          <ac:chgData name="Xin Luo" userId="82312ee5779919a4" providerId="LiveId" clId="{CBF7951B-2EAB-7D42-8E2C-4BAF1ECDD504}" dt="2024-07-29T15:13:06.385" v="1246" actId="20577"/>
-          <ac:spMkLst>
-            <pc:docMk/>
-            <pc:sldMk cId="580867947" sldId="2747"/>
-            <ac:spMk id="3" creationId="{00000000-0000-0000-0000-000000000000}"/>
-          </ac:spMkLst>
-        </pc:spChg>
-        <pc:spChg chg="mod">
-          <ac:chgData name="Xin Luo" userId="82312ee5779919a4" providerId="LiveId" clId="{CBF7951B-2EAB-7D42-8E2C-4BAF1ECDD504}" dt="2024-07-27T08:24:08.673" v="221" actId="20577"/>
-          <ac:spMkLst>
-            <pc:docMk/>
-            <pc:sldMk cId="580867947" sldId="2747"/>
-            <ac:spMk id="5" creationId="{78502774-B04C-634F-1396-E5815996BC36}"/>
-          </ac:spMkLst>
-        </pc:spChg>
-      </pc:sldChg>
-      <pc:sldChg chg="delSp modSp mod">
-        <pc:chgData name="Xin Luo" userId="82312ee5779919a4" providerId="LiveId" clId="{CBF7951B-2EAB-7D42-8E2C-4BAF1ECDD504}" dt="2024-07-31T07:20:02.529" v="1457" actId="207"/>
-        <pc:sldMkLst>
-          <pc:docMk/>
-          <pc:sldMk cId="3818021166" sldId="2760"/>
-        </pc:sldMkLst>
-        <pc:spChg chg="mod">
-          <ac:chgData name="Xin Luo" userId="82312ee5779919a4" providerId="LiveId" clId="{CBF7951B-2EAB-7D42-8E2C-4BAF1ECDD504}" dt="2024-07-29T15:15:53.827" v="1266" actId="20577"/>
-          <ac:spMkLst>
-            <pc:docMk/>
-            <pc:sldMk cId="3818021166" sldId="2760"/>
-            <ac:spMk id="2" creationId="{631AADB6-C88A-D817-4683-FC087E4E240F}"/>
-          </ac:spMkLst>
-        </pc:spChg>
-        <pc:spChg chg="mod">
-          <ac:chgData name="Xin Luo" userId="82312ee5779919a4" providerId="LiveId" clId="{CBF7951B-2EAB-7D42-8E2C-4BAF1ECDD504}" dt="2024-07-29T15:13:34.702" v="1261"/>
-          <ac:spMkLst>
-            <pc:docMk/>
-            <pc:sldMk cId="3818021166" sldId="2760"/>
-            <ac:spMk id="3" creationId="{00000000-0000-0000-0000-000000000000}"/>
-          </ac:spMkLst>
-        </pc:spChg>
-        <pc:spChg chg="mod">
-          <ac:chgData name="Xin Luo" userId="82312ee5779919a4" providerId="LiveId" clId="{CBF7951B-2EAB-7D42-8E2C-4BAF1ECDD504}" dt="2024-07-27T13:20:43.179" v="1173" actId="1076"/>
-          <ac:spMkLst>
-            <pc:docMk/>
-            <pc:sldMk cId="3818021166" sldId="2760"/>
-            <ac:spMk id="4" creationId="{EC86E6A6-A798-D8AF-89B3-B9EF17A7734A}"/>
-          </ac:spMkLst>
-        </pc:spChg>
-        <pc:spChg chg="mod">
-          <ac:chgData name="Xin Luo" userId="82312ee5779919a4" providerId="LiveId" clId="{CBF7951B-2EAB-7D42-8E2C-4BAF1ECDD504}" dt="2024-07-31T07:20:02.529" v="1457" actId="207"/>
-          <ac:spMkLst>
-            <pc:docMk/>
-            <pc:sldMk cId="3818021166" sldId="2760"/>
-            <ac:spMk id="5" creationId="{799972CB-82FA-3BBB-40B5-08D28B498BE7}"/>
-          </ac:spMkLst>
-        </pc:spChg>
-        <pc:spChg chg="del">
-          <ac:chgData name="Xin Luo" userId="82312ee5779919a4" providerId="LiveId" clId="{CBF7951B-2EAB-7D42-8E2C-4BAF1ECDD504}" dt="2024-07-27T07:16:47.851" v="17" actId="478"/>
-          <ac:spMkLst>
-            <pc:docMk/>
-            <pc:sldMk cId="3818021166" sldId="2760"/>
-            <ac:spMk id="6" creationId="{DA984439-1B23-1931-1979-ECF8DE9D6DCA}"/>
-          </ac:spMkLst>
-        </pc:spChg>
-      </pc:sldChg>
-      <pc:sldChg chg="modSp mod">
-        <pc:chgData name="Xin Luo" userId="82312ee5779919a4" providerId="LiveId" clId="{CBF7951B-2EAB-7D42-8E2C-4BAF1ECDD504}" dt="2024-07-31T07:20:42.800" v="1464" actId="113"/>
-        <pc:sldMkLst>
-          <pc:docMk/>
-          <pc:sldMk cId="3080738912" sldId="2767"/>
-        </pc:sldMkLst>
-        <pc:spChg chg="mod">
-          <ac:chgData name="Xin Luo" userId="82312ee5779919a4" providerId="LiveId" clId="{CBF7951B-2EAB-7D42-8E2C-4BAF1ECDD504}" dt="2024-07-31T07:20:42.800" v="1464" actId="113"/>
-          <ac:spMkLst>
-            <pc:docMk/>
-            <pc:sldMk cId="3080738912" sldId="2767"/>
-            <ac:spMk id="8" creationId="{B4927106-7FAA-7DB9-6B73-C3C3BDD043CF}"/>
-          </ac:spMkLst>
-        </pc:spChg>
-      </pc:sldChg>
-      <pc:sldChg chg="modSp mod">
-        <pc:chgData name="Xin Luo" userId="82312ee5779919a4" providerId="LiveId" clId="{CBF7951B-2EAB-7D42-8E2C-4BAF1ECDD504}" dt="2024-07-31T07:20:13.546" v="1459" actId="403"/>
-        <pc:sldMkLst>
-          <pc:docMk/>
-          <pc:sldMk cId="2222334095" sldId="2769"/>
-        </pc:sldMkLst>
-        <pc:spChg chg="mod">
-          <ac:chgData name="Xin Luo" userId="82312ee5779919a4" providerId="LiveId" clId="{CBF7951B-2EAB-7D42-8E2C-4BAF1ECDD504}" dt="2024-07-31T07:20:13.546" v="1459" actId="403"/>
-          <ac:spMkLst>
-            <pc:docMk/>
-            <pc:sldMk cId="2222334095" sldId="2769"/>
-            <ac:spMk id="5" creationId="{78502774-B04C-634F-1396-E5815996BC36}"/>
-          </ac:spMkLst>
-        </pc:spChg>
-      </pc:sldChg>
-      <pc:sldChg chg="modSp mod">
-        <pc:chgData name="Xin Luo" userId="82312ee5779919a4" providerId="LiveId" clId="{CBF7951B-2EAB-7D42-8E2C-4BAF1ECDD504}" dt="2024-07-31T07:21:47.612" v="1497" actId="20577"/>
-        <pc:sldMkLst>
-          <pc:docMk/>
-          <pc:sldMk cId="2739444815" sldId="2770"/>
-        </pc:sldMkLst>
-        <pc:spChg chg="mod">
-          <ac:chgData name="Xin Luo" userId="82312ee5779919a4" providerId="LiveId" clId="{CBF7951B-2EAB-7D42-8E2C-4BAF1ECDD504}" dt="2024-07-31T07:21:47.612" v="1497" actId="20577"/>
-          <ac:spMkLst>
-            <pc:docMk/>
-            <pc:sldMk cId="2739444815" sldId="2770"/>
-            <ac:spMk id="2" creationId="{631AADB6-C88A-D817-4683-FC087E4E240F}"/>
-          </ac:spMkLst>
-        </pc:spChg>
-        <pc:spChg chg="mod">
-          <ac:chgData name="Xin Luo" userId="82312ee5779919a4" providerId="LiveId" clId="{CBF7951B-2EAB-7D42-8E2C-4BAF1ECDD504}" dt="2024-07-31T07:20:51.836" v="1465" actId="403"/>
-          <ac:spMkLst>
-            <pc:docMk/>
-            <pc:sldMk cId="2739444815" sldId="2770"/>
-            <ac:spMk id="5" creationId="{78502774-B04C-634F-1396-E5815996BC36}"/>
-          </ac:spMkLst>
-        </pc:spChg>
-      </pc:sldChg>
-      <pc:sldChg chg="addSp delSp modSp mod">
-        <pc:chgData name="Xin Luo" userId="82312ee5779919a4" providerId="LiveId" clId="{CBF7951B-2EAB-7D42-8E2C-4BAF1ECDD504}" dt="2024-07-29T15:13:14.136" v="1256" actId="20577"/>
-        <pc:sldMkLst>
-          <pc:docMk/>
-          <pc:sldMk cId="1939141190" sldId="2773"/>
-        </pc:sldMkLst>
-        <pc:spChg chg="mod">
-          <ac:chgData name="Xin Luo" userId="82312ee5779919a4" providerId="LiveId" clId="{CBF7951B-2EAB-7D42-8E2C-4BAF1ECDD504}" dt="2024-07-29T15:13:14.136" v="1256" actId="20577"/>
-          <ac:spMkLst>
-            <pc:docMk/>
-            <pc:sldMk cId="1939141190" sldId="2773"/>
-            <ac:spMk id="3" creationId="{00000000-0000-0000-0000-000000000000}"/>
-          </ac:spMkLst>
-        </pc:spChg>
-        <pc:spChg chg="del">
-          <ac:chgData name="Xin Luo" userId="82312ee5779919a4" providerId="LiveId" clId="{CBF7951B-2EAB-7D42-8E2C-4BAF1ECDD504}" dt="2024-07-27T09:42:46.626" v="623" actId="478"/>
-          <ac:spMkLst>
-            <pc:docMk/>
-            <pc:sldMk cId="1939141190" sldId="2773"/>
-            <ac:spMk id="4" creationId="{EC86E6A6-A798-D8AF-89B3-B9EF17A7734A}"/>
-          </ac:spMkLst>
-        </pc:spChg>
-        <pc:spChg chg="del">
-          <ac:chgData name="Xin Luo" userId="82312ee5779919a4" providerId="LiveId" clId="{CBF7951B-2EAB-7D42-8E2C-4BAF1ECDD504}" dt="2024-07-27T09:43:45.849" v="628" actId="478"/>
-          <ac:spMkLst>
-            <pc:docMk/>
-            <pc:sldMk cId="1939141190" sldId="2773"/>
-            <ac:spMk id="6" creationId="{DA984439-1B23-1931-1979-ECF8DE9D6DCA}"/>
-          </ac:spMkLst>
-        </pc:spChg>
-        <pc:spChg chg="add mod">
-          <ac:chgData name="Xin Luo" userId="82312ee5779919a4" providerId="LiveId" clId="{CBF7951B-2EAB-7D42-8E2C-4BAF1ECDD504}" dt="2024-07-27T14:37:53.837" v="1225" actId="20577"/>
-          <ac:spMkLst>
-            <pc:docMk/>
-            <pc:sldMk cId="1939141190" sldId="2773"/>
-            <ac:spMk id="8" creationId="{A54BF891-30B2-7F19-3098-16A28CFAAB5E}"/>
-          </ac:spMkLst>
-        </pc:spChg>
-        <pc:picChg chg="del mod">
-          <ac:chgData name="Xin Luo" userId="82312ee5779919a4" providerId="LiveId" clId="{CBF7951B-2EAB-7D42-8E2C-4BAF1ECDD504}" dt="2024-07-27T09:00:18.934" v="223" actId="478"/>
-          <ac:picMkLst>
-            <pc:docMk/>
-            <pc:sldMk cId="1939141190" sldId="2773"/>
-            <ac:picMk id="7" creationId="{C9EDB356-92F5-304A-F8C9-DBD3E1DBA192}"/>
-          </ac:picMkLst>
-        </pc:picChg>
-      </pc:sldChg>
-      <pc:sldChg chg="modSp mod">
-        <pc:chgData name="Xin Luo" userId="82312ee5779919a4" providerId="LiveId" clId="{CBF7951B-2EAB-7D42-8E2C-4BAF1ECDD504}" dt="2024-07-31T07:21:12.965" v="1469" actId="14100"/>
-        <pc:sldMkLst>
-          <pc:docMk/>
-          <pc:sldMk cId="4171926360" sldId="2774"/>
-        </pc:sldMkLst>
-        <pc:spChg chg="mod">
-          <ac:chgData name="Xin Luo" userId="82312ee5779919a4" providerId="LiveId" clId="{CBF7951B-2EAB-7D42-8E2C-4BAF1ECDD504}" dt="2024-07-29T15:13:58.260" v="1262"/>
-          <ac:spMkLst>
-            <pc:docMk/>
-            <pc:sldMk cId="4171926360" sldId="2774"/>
-            <ac:spMk id="3" creationId="{1DAC7634-4D8C-C121-51E0-C4D3E47B6372}"/>
-          </ac:spMkLst>
-        </pc:spChg>
-        <pc:spChg chg="mod">
-          <ac:chgData name="Xin Luo" userId="82312ee5779919a4" providerId="LiveId" clId="{CBF7951B-2EAB-7D42-8E2C-4BAF1ECDD504}" dt="2024-07-31T07:21:12.965" v="1469" actId="14100"/>
-          <ac:spMkLst>
-            <pc:docMk/>
-            <pc:sldMk cId="4171926360" sldId="2774"/>
-            <ac:spMk id="5" creationId="{BD088F6D-B9F5-B40E-D270-87B5BB401C63}"/>
-          </ac:spMkLst>
-        </pc:spChg>
-      </pc:sldChg>
-      <pc:sldChg chg="addSp modSp mod">
-        <pc:chgData name="Xin Luo" userId="82312ee5779919a4" providerId="LiveId" clId="{CBF7951B-2EAB-7D42-8E2C-4BAF1ECDD504}" dt="2024-07-31T07:16:42.700" v="1402" actId="113"/>
-        <pc:sldMkLst>
-          <pc:docMk/>
-          <pc:sldMk cId="4027169521" sldId="2775"/>
-        </pc:sldMkLst>
-        <pc:spChg chg="add mod">
-          <ac:chgData name="Xin Luo" userId="82312ee5779919a4" providerId="LiveId" clId="{CBF7951B-2EAB-7D42-8E2C-4BAF1ECDD504}" dt="2024-07-31T07:16:42.700" v="1402" actId="113"/>
-          <ac:spMkLst>
-            <pc:docMk/>
-            <pc:sldMk cId="4027169521" sldId="2775"/>
-            <ac:spMk id="4" creationId="{4A9D9B84-41C2-5188-7385-65D80FAA3713}"/>
-          </ac:spMkLst>
-        </pc:spChg>
-      </pc:sldChg>
-      <pc:sldChg chg="delSp modSp add mod ord">
-        <pc:chgData name="Xin Luo" userId="82312ee5779919a4" providerId="LiveId" clId="{CBF7951B-2EAB-7D42-8E2C-4BAF1ECDD504}" dt="2024-07-31T07:19:37.034" v="1451" actId="207"/>
-        <pc:sldMkLst>
-          <pc:docMk/>
-          <pc:sldMk cId="2004831950" sldId="2776"/>
-        </pc:sldMkLst>
-        <pc:spChg chg="mod">
-          <ac:chgData name="Xin Luo" userId="82312ee5779919a4" providerId="LiveId" clId="{CBF7951B-2EAB-7D42-8E2C-4BAF1ECDD504}" dt="2024-07-29T15:15:49.530" v="1264" actId="20577"/>
-          <ac:spMkLst>
-            <pc:docMk/>
-            <pc:sldMk cId="2004831950" sldId="2776"/>
-            <ac:spMk id="2" creationId="{631AADB6-C88A-D817-4683-FC087E4E240F}"/>
-          </ac:spMkLst>
-        </pc:spChg>
-        <pc:spChg chg="mod">
-          <ac:chgData name="Xin Luo" userId="82312ee5779919a4" providerId="LiveId" clId="{CBF7951B-2EAB-7D42-8E2C-4BAF1ECDD504}" dt="2024-07-29T15:13:31.360" v="1260"/>
-          <ac:spMkLst>
-            <pc:docMk/>
-            <pc:sldMk cId="2004831950" sldId="2776"/>
-            <ac:spMk id="3" creationId="{00000000-0000-0000-0000-000000000000}"/>
-          </ac:spMkLst>
-        </pc:spChg>
-        <pc:spChg chg="del">
-          <ac:chgData name="Xin Luo" userId="82312ee5779919a4" providerId="LiveId" clId="{CBF7951B-2EAB-7D42-8E2C-4BAF1ECDD504}" dt="2024-07-27T07:16:39.464" v="15" actId="478"/>
-          <ac:spMkLst>
-            <pc:docMk/>
-            <pc:sldMk cId="2004831950" sldId="2776"/>
-            <ac:spMk id="5" creationId="{799972CB-82FA-3BBB-40B5-08D28B498BE7}"/>
-          </ac:spMkLst>
-        </pc:spChg>
-        <pc:spChg chg="mod">
-          <ac:chgData name="Xin Luo" userId="82312ee5779919a4" providerId="LiveId" clId="{CBF7951B-2EAB-7D42-8E2C-4BAF1ECDD504}" dt="2024-07-31T07:19:37.034" v="1451" actId="207"/>
-          <ac:spMkLst>
-            <pc:docMk/>
-            <pc:sldMk cId="2004831950" sldId="2776"/>
-            <ac:spMk id="6" creationId="{DA984439-1B23-1931-1979-ECF8DE9D6DCA}"/>
-          </ac:spMkLst>
-        </pc:spChg>
-      </pc:sldChg>
-      <pc:sldChg chg="modSp add mod">
-        <pc:chgData name="Xin Luo" userId="82312ee5779919a4" providerId="LiveId" clId="{CBF7951B-2EAB-7D42-8E2C-4BAF1ECDD504}" dt="2024-07-29T15:13:27.884" v="1259"/>
-        <pc:sldMkLst>
-          <pc:docMk/>
-          <pc:sldMk cId="189699792" sldId="2777"/>
-        </pc:sldMkLst>
-        <pc:spChg chg="mod">
-          <ac:chgData name="Xin Luo" userId="82312ee5779919a4" providerId="LiveId" clId="{CBF7951B-2EAB-7D42-8E2C-4BAF1ECDD504}" dt="2024-07-29T15:13:27.884" v="1259"/>
-          <ac:spMkLst>
-            <pc:docMk/>
-            <pc:sldMk cId="189699792" sldId="2777"/>
-            <ac:spMk id="3" creationId="{00000000-0000-0000-0000-000000000000}"/>
-          </ac:spMkLst>
-        </pc:spChg>
-        <pc:spChg chg="mod">
-          <ac:chgData name="Xin Luo" userId="82312ee5779919a4" providerId="LiveId" clId="{CBF7951B-2EAB-7D42-8E2C-4BAF1ECDD504}" dt="2024-07-27T14:41:43.496" v="1236" actId="1035"/>
-          <ac:spMkLst>
-            <pc:docMk/>
-            <pc:sldMk cId="189699792" sldId="2777"/>
-            <ac:spMk id="6" creationId="{DA984439-1B23-1931-1979-ECF8DE9D6DCA}"/>
-          </ac:spMkLst>
-        </pc:spChg>
-        <pc:picChg chg="mod">
-          <ac:chgData name="Xin Luo" userId="82312ee5779919a4" providerId="LiveId" clId="{CBF7951B-2EAB-7D42-8E2C-4BAF1ECDD504}" dt="2024-07-29T01:48:59.295" v="1242" actId="1076"/>
-          <ac:picMkLst>
-            <pc:docMk/>
-            <pc:sldMk cId="189699792" sldId="2777"/>
-            <ac:picMk id="7" creationId="{C9EDB356-92F5-304A-F8C9-DBD3E1DBA192}"/>
-          </ac:picMkLst>
-        </pc:picChg>
-      </pc:sldChg>
-      <pc:sldChg chg="addSp delSp modSp add mod ord">
-        <pc:chgData name="Xin Luo" userId="82312ee5779919a4" providerId="LiveId" clId="{CBF7951B-2EAB-7D42-8E2C-4BAF1ECDD504}" dt="2024-07-29T15:18:03.468" v="1364" actId="255"/>
-        <pc:sldMkLst>
-          <pc:docMk/>
-          <pc:sldMk cId="1006882538" sldId="2778"/>
-        </pc:sldMkLst>
-        <pc:spChg chg="mod">
-          <ac:chgData name="Xin Luo" userId="82312ee5779919a4" providerId="LiveId" clId="{CBF7951B-2EAB-7D42-8E2C-4BAF1ECDD504}" dt="2024-07-29T15:13:20.440" v="1257"/>
-          <ac:spMkLst>
-            <pc:docMk/>
-            <pc:sldMk cId="1006882538" sldId="2778"/>
-            <ac:spMk id="3" creationId="{00000000-0000-0000-0000-000000000000}"/>
-          </ac:spMkLst>
-        </pc:spChg>
-        <pc:spChg chg="del">
-          <ac:chgData name="Xin Luo" userId="82312ee5779919a4" providerId="LiveId" clId="{CBF7951B-2EAB-7D42-8E2C-4BAF1ECDD504}" dt="2024-07-27T09:43:51.112" v="629" actId="478"/>
-          <ac:spMkLst>
-            <pc:docMk/>
-            <pc:sldMk cId="1006882538" sldId="2778"/>
-            <ac:spMk id="4" creationId="{EC86E6A6-A798-D8AF-89B3-B9EF17A7734A}"/>
-          </ac:spMkLst>
-        </pc:spChg>
-        <pc:spChg chg="add mod">
-          <ac:chgData name="Xin Luo" userId="82312ee5779919a4" providerId="LiveId" clId="{CBF7951B-2EAB-7D42-8E2C-4BAF1ECDD504}" dt="2024-07-29T15:18:03.468" v="1364" actId="255"/>
-          <ac:spMkLst>
-            <pc:docMk/>
-            <pc:sldMk cId="1006882538" sldId="2778"/>
-            <ac:spMk id="5" creationId="{559CF2A8-00CF-29F1-9509-BF0C4CC2BE46}"/>
-          </ac:spMkLst>
-        </pc:spChg>
-        <pc:spChg chg="del">
-          <ac:chgData name="Xin Luo" userId="82312ee5779919a4" providerId="LiveId" clId="{CBF7951B-2EAB-7D42-8E2C-4BAF1ECDD504}" dt="2024-07-27T09:43:31.571" v="626" actId="478"/>
-          <ac:spMkLst>
-            <pc:docMk/>
-            <pc:sldMk cId="1006882538" sldId="2778"/>
-            <ac:spMk id="6" creationId="{DA984439-1B23-1931-1979-ECF8DE9D6DCA}"/>
-          </ac:spMkLst>
-        </pc:spChg>
-        <pc:spChg chg="add mod">
-          <ac:chgData name="Xin Luo" userId="82312ee5779919a4" providerId="LiveId" clId="{CBF7951B-2EAB-7D42-8E2C-4BAF1ECDD504}" dt="2024-07-27T10:14:09.272" v="1079" actId="164"/>
-          <ac:spMkLst>
-            <pc:docMk/>
-            <pc:sldMk cId="1006882538" sldId="2778"/>
-            <ac:spMk id="8" creationId="{6587C86D-E34B-7547-D299-0344E8239AF7}"/>
-          </ac:spMkLst>
-        </pc:spChg>
-        <pc:spChg chg="add mod">
-          <ac:chgData name="Xin Luo" userId="82312ee5779919a4" providerId="LiveId" clId="{CBF7951B-2EAB-7D42-8E2C-4BAF1ECDD504}" dt="2024-07-27T10:14:09.272" v="1079" actId="164"/>
-          <ac:spMkLst>
-            <pc:docMk/>
-            <pc:sldMk cId="1006882538" sldId="2778"/>
-            <ac:spMk id="9" creationId="{D025657C-51AC-1B30-54B3-3142663ABF71}"/>
-          </ac:spMkLst>
-        </pc:spChg>
-        <pc:spChg chg="add mod">
-          <ac:chgData name="Xin Luo" userId="82312ee5779919a4" providerId="LiveId" clId="{CBF7951B-2EAB-7D42-8E2C-4BAF1ECDD504}" dt="2024-07-27T10:14:09.272" v="1079" actId="164"/>
-          <ac:spMkLst>
-            <pc:docMk/>
-            <pc:sldMk cId="1006882538" sldId="2778"/>
-            <ac:spMk id="10" creationId="{FC2B6412-1E63-8E29-131F-464DB8C53FDD}"/>
-          </ac:spMkLst>
-        </pc:spChg>
-        <pc:spChg chg="add mod">
-          <ac:chgData name="Xin Luo" userId="82312ee5779919a4" providerId="LiveId" clId="{CBF7951B-2EAB-7D42-8E2C-4BAF1ECDD504}" dt="2024-07-27T10:14:09.272" v="1079" actId="164"/>
-          <ac:spMkLst>
-            <pc:docMk/>
-            <pc:sldMk cId="1006882538" sldId="2778"/>
-            <ac:spMk id="11" creationId="{02802519-0433-E4EA-166B-00CED9CFF9F4}"/>
-          </ac:spMkLst>
-        </pc:spChg>
-        <pc:spChg chg="add mod">
-          <ac:chgData name="Xin Luo" userId="82312ee5779919a4" providerId="LiveId" clId="{CBF7951B-2EAB-7D42-8E2C-4BAF1ECDD504}" dt="2024-07-27T10:14:09.272" v="1079" actId="164"/>
-          <ac:spMkLst>
-            <pc:docMk/>
-            <pc:sldMk cId="1006882538" sldId="2778"/>
-            <ac:spMk id="12" creationId="{FB6FD861-BF65-09A7-4274-C21212855E5B}"/>
-          </ac:spMkLst>
-        </pc:spChg>
-        <pc:grpChg chg="add mod">
-          <ac:chgData name="Xin Luo" userId="82312ee5779919a4" providerId="LiveId" clId="{CBF7951B-2EAB-7D42-8E2C-4BAF1ECDD504}" dt="2024-07-27T13:11:51.232" v="1157" actId="1035"/>
-          <ac:grpSpMkLst>
-            <pc:docMk/>
-            <pc:sldMk cId="1006882538" sldId="2778"/>
-            <ac:grpSpMk id="24" creationId="{4816C267-82D6-9FE0-9B96-F596B0C05CEB}"/>
-          </ac:grpSpMkLst>
-        </pc:grpChg>
-        <pc:picChg chg="del">
-          <ac:chgData name="Xin Luo" userId="82312ee5779919a4" providerId="LiveId" clId="{CBF7951B-2EAB-7D42-8E2C-4BAF1ECDD504}" dt="2024-07-27T09:43:25.763" v="625" actId="478"/>
-          <ac:picMkLst>
-            <pc:docMk/>
-            <pc:sldMk cId="1006882538" sldId="2778"/>
-            <ac:picMk id="7" creationId="{C9EDB356-92F5-304A-F8C9-DBD3E1DBA192}"/>
-          </ac:picMkLst>
-        </pc:picChg>
-        <pc:cxnChg chg="add mod">
-          <ac:chgData name="Xin Luo" userId="82312ee5779919a4" providerId="LiveId" clId="{CBF7951B-2EAB-7D42-8E2C-4BAF1ECDD504}" dt="2024-07-27T10:14:09.272" v="1079" actId="164"/>
-          <ac:cxnSpMkLst>
-            <pc:docMk/>
-            <pc:sldMk cId="1006882538" sldId="2778"/>
-            <ac:cxnSpMk id="14" creationId="{DABDE03E-4919-13F7-125A-3BADC2306A8E}"/>
-          </ac:cxnSpMkLst>
-        </pc:cxnChg>
-        <pc:cxnChg chg="add mod">
-          <ac:chgData name="Xin Luo" userId="82312ee5779919a4" providerId="LiveId" clId="{CBF7951B-2EAB-7D42-8E2C-4BAF1ECDD504}" dt="2024-07-27T10:14:09.272" v="1079" actId="164"/>
-          <ac:cxnSpMkLst>
-            <pc:docMk/>
-            <pc:sldMk cId="1006882538" sldId="2778"/>
-            <ac:cxnSpMk id="15" creationId="{6A357DA3-CFF4-2203-8ABF-B3A2B5B8EF51}"/>
-          </ac:cxnSpMkLst>
-        </pc:cxnChg>
-        <pc:cxnChg chg="add mod">
-          <ac:chgData name="Xin Luo" userId="82312ee5779919a4" providerId="LiveId" clId="{CBF7951B-2EAB-7D42-8E2C-4BAF1ECDD504}" dt="2024-07-27T10:14:09.272" v="1079" actId="164"/>
-          <ac:cxnSpMkLst>
-            <pc:docMk/>
-            <pc:sldMk cId="1006882538" sldId="2778"/>
-            <ac:cxnSpMk id="18" creationId="{DABDE03E-4919-13F7-125A-3BADC2306A8E}"/>
-          </ac:cxnSpMkLst>
-        </pc:cxnChg>
-        <pc:cxnChg chg="add mod">
-          <ac:chgData name="Xin Luo" userId="82312ee5779919a4" providerId="LiveId" clId="{CBF7951B-2EAB-7D42-8E2C-4BAF1ECDD504}" dt="2024-07-27T10:14:09.272" v="1079" actId="164"/>
-          <ac:cxnSpMkLst>
-            <pc:docMk/>
-            <pc:sldMk cId="1006882538" sldId="2778"/>
-            <ac:cxnSpMk id="21" creationId="{0E0EA691-7D59-A957-556D-A50F1C2E856B}"/>
-          </ac:cxnSpMkLst>
-        </pc:cxnChg>
-      </pc:sldChg>
-      <pc:sldChg chg="addSp modSp add mod">
-        <pc:chgData name="Xin Luo" userId="82312ee5779919a4" providerId="LiveId" clId="{CBF7951B-2EAB-7D42-8E2C-4BAF1ECDD504}" dt="2024-07-31T07:17:04.618" v="1406" actId="113"/>
-        <pc:sldMkLst>
-          <pc:docMk/>
-          <pc:sldMk cId="3438544449" sldId="2779"/>
-        </pc:sldMkLst>
-        <pc:spChg chg="mod">
-          <ac:chgData name="Xin Luo" userId="82312ee5779919a4" providerId="LiveId" clId="{CBF7951B-2EAB-7D42-8E2C-4BAF1ECDD504}" dt="2024-07-29T15:13:24.445" v="1258"/>
-          <ac:spMkLst>
-            <pc:docMk/>
-            <pc:sldMk cId="3438544449" sldId="2779"/>
-            <ac:spMk id="3" creationId="{00000000-0000-0000-0000-000000000000}"/>
-          </ac:spMkLst>
-        </pc:spChg>
-        <pc:spChg chg="mod">
-          <ac:chgData name="Xin Luo" userId="82312ee5779919a4" providerId="LiveId" clId="{CBF7951B-2EAB-7D42-8E2C-4BAF1ECDD504}" dt="2024-07-31T07:17:04.618" v="1406" actId="113"/>
-          <ac:spMkLst>
-            <pc:docMk/>
-            <pc:sldMk cId="3438544449" sldId="2779"/>
-            <ac:spMk id="5" creationId="{559CF2A8-00CF-29F1-9509-BF0C4CC2BE46}"/>
-          </ac:spMkLst>
-        </pc:spChg>
-        <pc:spChg chg="mod">
-          <ac:chgData name="Xin Luo" userId="82312ee5779919a4" providerId="LiveId" clId="{CBF7951B-2EAB-7D42-8E2C-4BAF1ECDD504}" dt="2024-07-27T10:14:10.945" v="1080"/>
-          <ac:spMkLst>
-            <pc:docMk/>
-            <pc:sldMk cId="3438544449" sldId="2779"/>
-            <ac:spMk id="6" creationId="{5AB19229-BF49-F277-96B8-07B803CD5912}"/>
-          </ac:spMkLst>
-        </pc:spChg>
-        <pc:spChg chg="mod">
-          <ac:chgData name="Xin Luo" userId="82312ee5779919a4" providerId="LiveId" clId="{CBF7951B-2EAB-7D42-8E2C-4BAF1ECDD504}" dt="2024-07-27T10:14:10.945" v="1080"/>
-          <ac:spMkLst>
-            <pc:docMk/>
-            <pc:sldMk cId="3438544449" sldId="2779"/>
-            <ac:spMk id="7" creationId="{BD630C9E-7C7B-C021-0784-117DFB5D0FF3}"/>
-          </ac:spMkLst>
-        </pc:spChg>
-        <pc:spChg chg="mod">
-          <ac:chgData name="Xin Luo" userId="82312ee5779919a4" providerId="LiveId" clId="{CBF7951B-2EAB-7D42-8E2C-4BAF1ECDD504}" dt="2024-07-27T10:14:10.945" v="1080"/>
-          <ac:spMkLst>
-            <pc:docMk/>
-            <pc:sldMk cId="3438544449" sldId="2779"/>
-            <ac:spMk id="8" creationId="{5B9A032A-E25B-B77A-A6D7-E5490C22F8CE}"/>
-          </ac:spMkLst>
-        </pc:spChg>
-        <pc:spChg chg="mod">
-          <ac:chgData name="Xin Luo" userId="82312ee5779919a4" providerId="LiveId" clId="{CBF7951B-2EAB-7D42-8E2C-4BAF1ECDD504}" dt="2024-07-27T10:14:10.945" v="1080"/>
-          <ac:spMkLst>
-            <pc:docMk/>
-            <pc:sldMk cId="3438544449" sldId="2779"/>
-            <ac:spMk id="9" creationId="{6E02630C-55BF-9F6C-519B-76D820A6AF35}"/>
-          </ac:spMkLst>
-        </pc:spChg>
-        <pc:spChg chg="mod">
-          <ac:chgData name="Xin Luo" userId="82312ee5779919a4" providerId="LiveId" clId="{CBF7951B-2EAB-7D42-8E2C-4BAF1ECDD504}" dt="2024-07-27T10:14:10.945" v="1080"/>
-          <ac:spMkLst>
-            <pc:docMk/>
-            <pc:sldMk cId="3438544449" sldId="2779"/>
-            <ac:spMk id="10" creationId="{8EDC7287-F93B-BC2A-501E-83121D03F77E}"/>
-          </ac:spMkLst>
-        </pc:spChg>
-        <pc:grpChg chg="add mod">
-          <ac:chgData name="Xin Luo" userId="82312ee5779919a4" providerId="LiveId" clId="{CBF7951B-2EAB-7D42-8E2C-4BAF1ECDD504}" dt="2024-07-27T10:14:23.590" v="1094" actId="1036"/>
-          <ac:grpSpMkLst>
-            <pc:docMk/>
-            <pc:sldMk cId="3438544449" sldId="2779"/>
-            <ac:grpSpMk id="4" creationId="{502FCB58-35B3-23D7-F732-08DEC835F4A7}"/>
-          </ac:grpSpMkLst>
-        </pc:grpChg>
-        <pc:cxnChg chg="mod">
-          <ac:chgData name="Xin Luo" userId="82312ee5779919a4" providerId="LiveId" clId="{CBF7951B-2EAB-7D42-8E2C-4BAF1ECDD504}" dt="2024-07-27T10:14:10.945" v="1080"/>
-          <ac:cxnSpMkLst>
-            <pc:docMk/>
-            <pc:sldMk cId="3438544449" sldId="2779"/>
-            <ac:cxnSpMk id="11" creationId="{163140FB-413C-E41F-43D6-B249ECA0A807}"/>
-          </ac:cxnSpMkLst>
-        </pc:cxnChg>
-        <pc:cxnChg chg="mod">
-          <ac:chgData name="Xin Luo" userId="82312ee5779919a4" providerId="LiveId" clId="{CBF7951B-2EAB-7D42-8E2C-4BAF1ECDD504}" dt="2024-07-27T10:14:10.945" v="1080"/>
-          <ac:cxnSpMkLst>
-            <pc:docMk/>
-            <pc:sldMk cId="3438544449" sldId="2779"/>
-            <ac:cxnSpMk id="12" creationId="{BAA34FFA-C5C8-3B90-1E3B-970BC0B2E866}"/>
-          </ac:cxnSpMkLst>
-        </pc:cxnChg>
-        <pc:cxnChg chg="mod">
-          <ac:chgData name="Xin Luo" userId="82312ee5779919a4" providerId="LiveId" clId="{CBF7951B-2EAB-7D42-8E2C-4BAF1ECDD504}" dt="2024-07-27T10:14:10.945" v="1080"/>
-          <ac:cxnSpMkLst>
-            <pc:docMk/>
-            <pc:sldMk cId="3438544449" sldId="2779"/>
-            <ac:cxnSpMk id="13" creationId="{77ABCFD8-7995-BEE9-763A-43A9A2FBA276}"/>
-          </ac:cxnSpMkLst>
-        </pc:cxnChg>
-        <pc:cxnChg chg="mod">
-          <ac:chgData name="Xin Luo" userId="82312ee5779919a4" providerId="LiveId" clId="{CBF7951B-2EAB-7D42-8E2C-4BAF1ECDD504}" dt="2024-07-27T10:14:10.945" v="1080"/>
-          <ac:cxnSpMkLst>
-            <pc:docMk/>
-            <pc:sldMk cId="3438544449" sldId="2779"/>
-            <ac:cxnSpMk id="14" creationId="{89866E44-8386-D122-0126-7415AAD137F7}"/>
-          </ac:cxnSpMkLst>
-        </pc:cxnChg>
-      </pc:sldChg>
-    </pc:docChg>
-  </pc:docChgLst>
-  <pc:docChgLst>
-    <pc:chgData name="Xin Luo" userId="82312ee5779919a4" providerId="LiveId" clId="{69748349-D30A-2744-8465-2A98F5BBF8DD}"/>
-    <pc:docChg chg="undo custSel addSld delSld modSld sldOrd">
-      <pc:chgData name="Xin Luo" userId="82312ee5779919a4" providerId="LiveId" clId="{69748349-D30A-2744-8465-2A98F5BBF8DD}" dt="2023-02-28T09:20:55.952" v="616" actId="20577"/>
-      <pc:docMkLst>
-        <pc:docMk/>
-      </pc:docMkLst>
-      <pc:sldChg chg="modSp mod">
-        <pc:chgData name="Xin Luo" userId="82312ee5779919a4" providerId="LiveId" clId="{69748349-D30A-2744-8465-2A98F5BBF8DD}" dt="2023-02-28T06:14:08.164" v="24" actId="20577"/>
-        <pc:sldMkLst>
-          <pc:docMk/>
-          <pc:sldMk cId="1576120367" sldId="2387"/>
-        </pc:sldMkLst>
-        <pc:spChg chg="mod">
-          <ac:chgData name="Xin Luo" userId="82312ee5779919a4" providerId="LiveId" clId="{69748349-D30A-2744-8465-2A98F5BBF8DD}" dt="2023-02-28T06:14:08.164" v="24" actId="20577"/>
-          <ac:spMkLst>
-            <pc:docMk/>
-            <pc:sldMk cId="1576120367" sldId="2387"/>
-            <ac:spMk id="5" creationId="{494DAA55-5621-28DB-D255-E0EBB6C6477B}"/>
-          </ac:spMkLst>
-        </pc:spChg>
-      </pc:sldChg>
-      <pc:sldChg chg="modSp mod">
-        <pc:chgData name="Xin Luo" userId="82312ee5779919a4" providerId="LiveId" clId="{69748349-D30A-2744-8465-2A98F5BBF8DD}" dt="2023-02-28T06:14:21.349" v="39" actId="20577"/>
-        <pc:sldMkLst>
-          <pc:docMk/>
-          <pc:sldMk cId="2415901206" sldId="2447"/>
-        </pc:sldMkLst>
-        <pc:spChg chg="mod">
-          <ac:chgData name="Xin Luo" userId="82312ee5779919a4" providerId="LiveId" clId="{69748349-D30A-2744-8465-2A98F5BBF8DD}" dt="2023-02-28T06:14:21.349" v="39" actId="20577"/>
-          <ac:spMkLst>
-            <pc:docMk/>
-            <pc:sldMk cId="2415901206" sldId="2447"/>
-            <ac:spMk id="7" creationId="{00000000-0000-0000-0000-000000000000}"/>
-          </ac:spMkLst>
-        </pc:spChg>
-      </pc:sldChg>
-      <pc:sldChg chg="modSp mod">
-        <pc:chgData name="Xin Luo" userId="82312ee5779919a4" providerId="LiveId" clId="{69748349-D30A-2744-8465-2A98F5BBF8DD}" dt="2023-02-28T06:13:57.861" v="9" actId="20577"/>
-        <pc:sldMkLst>
-          <pc:docMk/>
-          <pc:sldMk cId="1658607177" sldId="2708"/>
-        </pc:sldMkLst>
-        <pc:spChg chg="mod">
-          <ac:chgData name="Xin Luo" userId="82312ee5779919a4" providerId="LiveId" clId="{69748349-D30A-2744-8465-2A98F5BBF8DD}" dt="2023-02-28T06:13:57.861" v="9" actId="20577"/>
-          <ac:spMkLst>
-            <pc:docMk/>
-            <pc:sldMk cId="1658607177" sldId="2708"/>
-            <ac:spMk id="24" creationId="{00000000-0000-0000-0000-000000000000}"/>
-          </ac:spMkLst>
-        </pc:spChg>
-      </pc:sldChg>
-      <pc:sldChg chg="del">
-        <pc:chgData name="Xin Luo" userId="82312ee5779919a4" providerId="LiveId" clId="{69748349-D30A-2744-8465-2A98F5BBF8DD}" dt="2023-02-28T06:25:28.434" v="44" actId="2696"/>
-        <pc:sldMkLst>
-          <pc:docMk/>
-          <pc:sldMk cId="2038650065" sldId="2744"/>
-        </pc:sldMkLst>
-      </pc:sldChg>
-      <pc:sldChg chg="modSp mod ord">
-        <pc:chgData name="Xin Luo" userId="82312ee5779919a4" providerId="LiveId" clId="{69748349-D30A-2744-8465-2A98F5BBF8DD}" dt="2023-02-28T06:26:29.753" v="69" actId="20577"/>
-        <pc:sldMkLst>
-          <pc:docMk/>
-          <pc:sldMk cId="580867947" sldId="2747"/>
-        </pc:sldMkLst>
-        <pc:spChg chg="mod">
-          <ac:chgData name="Xin Luo" userId="82312ee5779919a4" providerId="LiveId" clId="{69748349-D30A-2744-8465-2A98F5BBF8DD}" dt="2023-02-28T06:26:29.753" v="69" actId="20577"/>
-          <ac:spMkLst>
-            <pc:docMk/>
-            <pc:sldMk cId="580867947" sldId="2747"/>
-            <ac:spMk id="3" creationId="{00000000-0000-0000-0000-000000000000}"/>
-          </ac:spMkLst>
-        </pc:spChg>
-      </pc:sldChg>
-      <pc:sldChg chg="add">
-        <pc:chgData name="Xin Luo" userId="82312ee5779919a4" providerId="LiveId" clId="{69748349-D30A-2744-8465-2A98F5BBF8DD}" dt="2023-02-28T06:27:10.550" v="76"/>
-        <pc:sldMkLst>
-          <pc:docMk/>
-          <pc:sldMk cId="3818021166" sldId="2760"/>
-        </pc:sldMkLst>
-      </pc:sldChg>
-      <pc:sldChg chg="modSp mod">
-        <pc:chgData name="Xin Luo" userId="82312ee5779919a4" providerId="LiveId" clId="{69748349-D30A-2744-8465-2A98F5BBF8DD}" dt="2023-02-28T06:33:03.708" v="583" actId="20577"/>
-        <pc:sldMkLst>
-          <pc:docMk/>
-          <pc:sldMk cId="3373327641" sldId="2763"/>
-        </pc:sldMkLst>
-        <pc:spChg chg="mod">
-          <ac:chgData name="Xin Luo" userId="82312ee5779919a4" providerId="LiveId" clId="{69748349-D30A-2744-8465-2A98F5BBF8DD}" dt="2023-02-28T06:33:03.708" v="583" actId="20577"/>
-          <ac:spMkLst>
-            <pc:docMk/>
-            <pc:sldMk cId="3373327641" sldId="2763"/>
-            <ac:spMk id="13" creationId="{303BC878-BC57-D350-27A3-F03AE48213AC}"/>
-          </ac:spMkLst>
-        </pc:spChg>
-      </pc:sldChg>
-      <pc:sldChg chg="del">
-        <pc:chgData name="Xin Luo" userId="82312ee5779919a4" providerId="LiveId" clId="{69748349-D30A-2744-8465-2A98F5BBF8DD}" dt="2023-02-28T06:27:16.073" v="78" actId="2696"/>
-        <pc:sldMkLst>
-          <pc:docMk/>
-          <pc:sldMk cId="70654754" sldId="2765"/>
-        </pc:sldMkLst>
-      </pc:sldChg>
-      <pc:sldChg chg="del">
-        <pc:chgData name="Xin Luo" userId="82312ee5779919a4" providerId="LiveId" clId="{69748349-D30A-2744-8465-2A98F5BBF8DD}" dt="2023-02-28T06:27:14.496" v="77" actId="2696"/>
-        <pc:sldMkLst>
-          <pc:docMk/>
-          <pc:sldMk cId="782854285" sldId="2766"/>
-        </pc:sldMkLst>
-      </pc:sldChg>
-      <pc:sldChg chg="modSp mod">
-        <pc:chgData name="Xin Luo" userId="82312ee5779919a4" providerId="LiveId" clId="{69748349-D30A-2744-8465-2A98F5BBF8DD}" dt="2023-02-28T09:20:55.952" v="616" actId="20577"/>
-        <pc:sldMkLst>
-          <pc:docMk/>
-          <pc:sldMk cId="2222334095" sldId="2769"/>
-        </pc:sldMkLst>
-        <pc:spChg chg="mod">
-          <ac:chgData name="Xin Luo" userId="82312ee5779919a4" providerId="LiveId" clId="{69748349-D30A-2744-8465-2A98F5BBF8DD}" dt="2023-02-28T09:20:55.952" v="616" actId="20577"/>
-          <ac:spMkLst>
-            <pc:docMk/>
-            <pc:sldMk cId="2222334095" sldId="2769"/>
-            <ac:spMk id="5" creationId="{78502774-B04C-634F-1396-E5815996BC36}"/>
-          </ac:spMkLst>
-        </pc:spChg>
-      </pc:sldChg>
-      <pc:sldChg chg="modSp mod">
-        <pc:chgData name="Xin Luo" userId="82312ee5779919a4" providerId="LiveId" clId="{69748349-D30A-2744-8465-2A98F5BBF8DD}" dt="2023-02-28T06:30:19.661" v="293" actId="20577"/>
-        <pc:sldMkLst>
-          <pc:docMk/>
-          <pc:sldMk cId="2739444815" sldId="2770"/>
-        </pc:sldMkLst>
-        <pc:spChg chg="mod">
-          <ac:chgData name="Xin Luo" userId="82312ee5779919a4" providerId="LiveId" clId="{69748349-D30A-2744-8465-2A98F5BBF8DD}" dt="2023-02-28T06:30:19.661" v="293" actId="20577"/>
-          <ac:spMkLst>
-            <pc:docMk/>
-            <pc:sldMk cId="2739444815" sldId="2770"/>
-            <ac:spMk id="5" creationId="{78502774-B04C-634F-1396-E5815996BC36}"/>
-          </ac:spMkLst>
-        </pc:spChg>
-      </pc:sldChg>
-      <pc:sldChg chg="modSp add mod">
-        <pc:chgData name="Xin Luo" userId="82312ee5779919a4" providerId="LiveId" clId="{69748349-D30A-2744-8465-2A98F5BBF8DD}" dt="2023-02-28T06:26:40.007" v="75" actId="20577"/>
-        <pc:sldMkLst>
-          <pc:docMk/>
-          <pc:sldMk cId="3517916584" sldId="2771"/>
-        </pc:sldMkLst>
-        <pc:spChg chg="mod">
-          <ac:chgData name="Xin Luo" userId="82312ee5779919a4" providerId="LiveId" clId="{69748349-D30A-2744-8465-2A98F5BBF8DD}" dt="2023-02-28T06:26:40.007" v="75" actId="20577"/>
-          <ac:spMkLst>
-            <pc:docMk/>
-            <pc:sldMk cId="3517916584" sldId="2771"/>
-            <ac:spMk id="3" creationId="{00000000-0000-0000-0000-000000000000}"/>
-          </ac:spMkLst>
-        </pc:spChg>
-      </pc:sldChg>
-      <pc:sldChg chg="modSp add mod">
-        <pc:chgData name="Xin Luo" userId="82312ee5779919a4" providerId="LiveId" clId="{69748349-D30A-2744-8465-2A98F5BBF8DD}" dt="2023-02-28T06:27:30.818" v="81" actId="20577"/>
-        <pc:sldMkLst>
-          <pc:docMk/>
-          <pc:sldMk cId="3328354025" sldId="2772"/>
-        </pc:sldMkLst>
-        <pc:spChg chg="mod">
-          <ac:chgData name="Xin Luo" userId="82312ee5779919a4" providerId="LiveId" clId="{69748349-D30A-2744-8465-2A98F5BBF8DD}" dt="2023-02-28T06:27:30.818" v="81" actId="20577"/>
-          <ac:spMkLst>
-            <pc:docMk/>
-            <pc:sldMk cId="3328354025" sldId="2772"/>
             <ac:spMk id="5" creationId="{78502774-B04C-634F-1396-E5815996BC36}"/>
           </ac:spMkLst>
         </pc:spChg>
@@ -5256,75 +5671,355 @@
     </pc:docChg>
   </pc:docChgLst>
   <pc:docChgLst>
-    <pc:chgData name="Xin Luo" userId="82312ee5779919a4" providerId="LiveId" clId="{11C7DD9E-0989-8C46-9E98-A8157970B434}"/>
-    <pc:docChg chg="undo custSel addSld delSld modSld sldOrd">
-      <pc:chgData name="Xin Luo" userId="82312ee5779919a4" providerId="LiveId" clId="{11C7DD9E-0989-8C46-9E98-A8157970B434}" dt="2023-02-27T13:34:39.830" v="1495" actId="20577"/>
+    <pc:chgData name="Xin Luo" userId="82312ee5779919a4" providerId="LiveId" clId="{82BFAA31-791A-9843-976C-3AAFAA5AC07D}"/>
+    <pc:docChg chg="undo custSel addSld delSld modSld">
+      <pc:chgData name="Xin Luo" userId="82312ee5779919a4" providerId="LiveId" clId="{82BFAA31-791A-9843-976C-3AAFAA5AC07D}" dt="2023-02-24T13:20:14.840" v="2906" actId="404"/>
       <pc:docMkLst>
         <pc:docMk/>
       </pc:docMkLst>
       <pc:sldChg chg="addSp delSp modSp mod">
-        <pc:chgData name="Xin Luo" userId="82312ee5779919a4" providerId="LiveId" clId="{11C7DD9E-0989-8C46-9E98-A8157970B434}" dt="2023-02-26T14:35:47.911" v="88" actId="20577"/>
+        <pc:chgData name="Xin Luo" userId="82312ee5779919a4" providerId="LiveId" clId="{82BFAA31-791A-9843-976C-3AAFAA5AC07D}" dt="2023-02-24T08:49:58.378" v="580" actId="478"/>
+        <pc:sldMkLst>
+          <pc:docMk/>
+          <pc:sldMk cId="3833073590" sldId="2716"/>
+        </pc:sldMkLst>
+        <pc:spChg chg="mod">
+          <ac:chgData name="Xin Luo" userId="82312ee5779919a4" providerId="LiveId" clId="{82BFAA31-791A-9843-976C-3AAFAA5AC07D}" dt="2023-02-24T03:06:08.550" v="104" actId="20577"/>
+          <ac:spMkLst>
+            <pc:docMk/>
+            <pc:sldMk cId="3833073590" sldId="2716"/>
+            <ac:spMk id="2" creationId="{631AADB6-C88A-D817-4683-FC087E4E240F}"/>
+          </ac:spMkLst>
+        </pc:spChg>
+        <pc:spChg chg="del">
+          <ac:chgData name="Xin Luo" userId="82312ee5779919a4" providerId="LiveId" clId="{82BFAA31-791A-9843-976C-3AAFAA5AC07D}" dt="2023-02-24T03:02:42.862" v="33" actId="478"/>
+          <ac:spMkLst>
+            <pc:docMk/>
+            <pc:sldMk cId="3833073590" sldId="2716"/>
+            <ac:spMk id="5" creationId="{9F4AEA98-0C33-E82A-EB75-839D0F0B55A4}"/>
+          </ac:spMkLst>
+        </pc:spChg>
+        <pc:spChg chg="add mod">
+          <ac:chgData name="Xin Luo" userId="82312ee5779919a4" providerId="LiveId" clId="{82BFAA31-791A-9843-976C-3AAFAA5AC07D}" dt="2023-02-24T08:49:58.156" v="579" actId="14100"/>
+          <ac:spMkLst>
+            <pc:docMk/>
+            <pc:sldMk cId="3833073590" sldId="2716"/>
+            <ac:spMk id="6" creationId="{6741FEA2-C046-FD82-2800-2CB513792080}"/>
+          </ac:spMkLst>
+        </pc:spChg>
+        <pc:picChg chg="add del">
+          <ac:chgData name="Xin Luo" userId="82312ee5779919a4" providerId="LiveId" clId="{82BFAA31-791A-9843-976C-3AAFAA5AC07D}" dt="2023-02-24T03:02:42.862" v="33" actId="478"/>
+          <ac:picMkLst>
+            <pc:docMk/>
+            <pc:sldMk cId="3833073590" sldId="2716"/>
+            <ac:picMk id="1026" creationId="{37EB6838-2807-43B3-E78E-EF1353DBEC4D}"/>
+          </ac:picMkLst>
+        </pc:picChg>
+        <pc:picChg chg="add del mod">
+          <ac:chgData name="Xin Luo" userId="82312ee5779919a4" providerId="LiveId" clId="{82BFAA31-791A-9843-976C-3AAFAA5AC07D}" dt="2023-02-24T03:03:49.502" v="38" actId="478"/>
+          <ac:picMkLst>
+            <pc:docMk/>
+            <pc:sldMk cId="3833073590" sldId="2716"/>
+            <ac:picMk id="1028" creationId="{0060DCE3-4593-4CBE-2C1A-12A7D72C453A}"/>
+          </ac:picMkLst>
+        </pc:picChg>
+        <pc:picChg chg="add del mod">
+          <ac:chgData name="Xin Luo" userId="82312ee5779919a4" providerId="LiveId" clId="{82BFAA31-791A-9843-976C-3AAFAA5AC07D}" dt="2023-02-24T08:49:58.378" v="580" actId="478"/>
+          <ac:picMkLst>
+            <pc:docMk/>
+            <pc:sldMk cId="3833073590" sldId="2716"/>
+            <ac:picMk id="1030" creationId="{C93DB76E-C02F-05AC-2014-674F7E808ADA}"/>
+          </ac:picMkLst>
+        </pc:picChg>
+      </pc:sldChg>
+      <pc:sldChg chg="addSp delSp modSp mod">
+        <pc:chgData name="Xin Luo" userId="82312ee5779919a4" providerId="LiveId" clId="{82BFAA31-791A-9843-976C-3AAFAA5AC07D}" dt="2023-02-24T08:50:06.402" v="585" actId="20577"/>
+        <pc:sldMkLst>
+          <pc:docMk/>
+          <pc:sldMk cId="972163772" sldId="2720"/>
+        </pc:sldMkLst>
+        <pc:spChg chg="mod">
+          <ac:chgData name="Xin Luo" userId="82312ee5779919a4" providerId="LiveId" clId="{82BFAA31-791A-9843-976C-3AAFAA5AC07D}" dt="2023-02-24T08:50:06.402" v="585" actId="20577"/>
+          <ac:spMkLst>
+            <pc:docMk/>
+            <pc:sldMk cId="972163772" sldId="2720"/>
+            <ac:spMk id="7" creationId="{00000000-0000-0000-0000-000000000000}"/>
+          </ac:spMkLst>
+        </pc:spChg>
+        <pc:picChg chg="add del">
+          <ac:chgData name="Xin Luo" userId="82312ee5779919a4" providerId="LiveId" clId="{82BFAA31-791A-9843-976C-3AAFAA5AC07D}" dt="2023-02-24T08:47:42.881" v="485"/>
+          <ac:picMkLst>
+            <pc:docMk/>
+            <pc:sldMk cId="972163772" sldId="2720"/>
+            <ac:picMk id="3074" creationId="{C4128BB6-F8FE-667B-1E3D-38360E7E0C3C}"/>
+          </ac:picMkLst>
+        </pc:picChg>
+      </pc:sldChg>
+      <pc:sldChg chg="addSp delSp modSp mod">
+        <pc:chgData name="Xin Luo" userId="82312ee5779919a4" providerId="LiveId" clId="{82BFAA31-791A-9843-976C-3AAFAA5AC07D}" dt="2023-02-24T13:00:34.955" v="2586" actId="1036"/>
+        <pc:sldMkLst>
+          <pc:docMk/>
+          <pc:sldMk cId="2689695864" sldId="2721"/>
+        </pc:sldMkLst>
+        <pc:spChg chg="mod">
+          <ac:chgData name="Xin Luo" userId="82312ee5779919a4" providerId="LiveId" clId="{82BFAA31-791A-9843-976C-3AAFAA5AC07D}" dt="2023-02-24T13:00:34.955" v="2586" actId="1036"/>
+          <ac:spMkLst>
+            <pc:docMk/>
+            <pc:sldMk cId="2689695864" sldId="2721"/>
+            <ac:spMk id="2" creationId="{631AADB6-C88A-D817-4683-FC087E4E240F}"/>
+          </ac:spMkLst>
+        </pc:spChg>
+        <pc:spChg chg="mod">
+          <ac:chgData name="Xin Luo" userId="82312ee5779919a4" providerId="LiveId" clId="{82BFAA31-791A-9843-976C-3AAFAA5AC07D}" dt="2023-02-24T08:50:21.921" v="586"/>
+          <ac:spMkLst>
+            <pc:docMk/>
+            <pc:sldMk cId="2689695864" sldId="2721"/>
+            <ac:spMk id="3" creationId="{00000000-0000-0000-0000-000000000000}"/>
+          </ac:spMkLst>
+        </pc:spChg>
+        <pc:spChg chg="add del mod">
+          <ac:chgData name="Xin Luo" userId="82312ee5779919a4" providerId="LiveId" clId="{82BFAA31-791A-9843-976C-3AAFAA5AC07D}" dt="2023-02-24T12:38:43.360" v="1999" actId="478"/>
+          <ac:spMkLst>
+            <pc:docMk/>
+            <pc:sldMk cId="2689695864" sldId="2721"/>
+            <ac:spMk id="5" creationId="{D45B97A4-ED20-7E18-1BEF-4A81710B7783}"/>
+          </ac:spMkLst>
+        </pc:spChg>
+        <pc:spChg chg="mod">
+          <ac:chgData name="Xin Luo" userId="82312ee5779919a4" providerId="LiveId" clId="{82BFAA31-791A-9843-976C-3AAFAA5AC07D}" dt="2023-02-24T13:00:31.975" v="2582" actId="1036"/>
+          <ac:spMkLst>
+            <pc:docMk/>
+            <pc:sldMk cId="2689695864" sldId="2721"/>
+            <ac:spMk id="17" creationId="{9E05FFCA-3371-AF5C-381D-71D984055F5A}"/>
+          </ac:spMkLst>
+        </pc:spChg>
+      </pc:sldChg>
+      <pc:sldChg chg="modSp mod">
+        <pc:chgData name="Xin Luo" userId="82312ee5779919a4" providerId="LiveId" clId="{82BFAA31-791A-9843-976C-3AAFAA5AC07D}" dt="2023-02-24T13:19:35.601" v="2898" actId="20577"/>
+        <pc:sldMkLst>
+          <pc:docMk/>
+          <pc:sldMk cId="1209572041" sldId="2722"/>
+        </pc:sldMkLst>
+        <pc:spChg chg="mod">
+          <ac:chgData name="Xin Luo" userId="82312ee5779919a4" providerId="LiveId" clId="{82BFAA31-791A-9843-976C-3AAFAA5AC07D}" dt="2023-02-24T13:19:35.601" v="2898" actId="20577"/>
+          <ac:spMkLst>
+            <pc:docMk/>
+            <pc:sldMk cId="1209572041" sldId="2722"/>
+            <ac:spMk id="13" creationId="{303BC878-BC57-D350-27A3-F03AE48213AC}"/>
+          </ac:spMkLst>
+        </pc:spChg>
+      </pc:sldChg>
+      <pc:sldChg chg="addSp delSp modSp add mod">
+        <pc:chgData name="Xin Luo" userId="82312ee5779919a4" providerId="LiveId" clId="{82BFAA31-791A-9843-976C-3AAFAA5AC07D}" dt="2023-02-24T13:20:14.840" v="2906" actId="404"/>
+        <pc:sldMkLst>
+          <pc:docMk/>
+          <pc:sldMk cId="4156684215" sldId="2738"/>
+        </pc:sldMkLst>
+        <pc:spChg chg="mod">
+          <ac:chgData name="Xin Luo" userId="82312ee5779919a4" providerId="LiveId" clId="{82BFAA31-791A-9843-976C-3AAFAA5AC07D}" dt="2023-02-24T07:02:55.789" v="157" actId="20577"/>
+          <ac:spMkLst>
+            <pc:docMk/>
+            <pc:sldMk cId="4156684215" sldId="2738"/>
+            <ac:spMk id="2" creationId="{631AADB6-C88A-D817-4683-FC087E4E240F}"/>
+          </ac:spMkLst>
+        </pc:spChg>
+        <pc:spChg chg="add del mod">
+          <ac:chgData name="Xin Luo" userId="82312ee5779919a4" providerId="LiveId" clId="{82BFAA31-791A-9843-976C-3AAFAA5AC07D}" dt="2023-02-24T13:20:14.840" v="2906" actId="404"/>
+          <ac:spMkLst>
+            <pc:docMk/>
+            <pc:sldMk cId="4156684215" sldId="2738"/>
+            <ac:spMk id="6" creationId="{6741FEA2-C046-FD82-2800-2CB513792080}"/>
+          </ac:spMkLst>
+        </pc:spChg>
+        <pc:picChg chg="del mod">
+          <ac:chgData name="Xin Luo" userId="82312ee5779919a4" providerId="LiveId" clId="{82BFAA31-791A-9843-976C-3AAFAA5AC07D}" dt="2023-02-24T07:03:01.663" v="158" actId="478"/>
+          <ac:picMkLst>
+            <pc:docMk/>
+            <pc:sldMk cId="4156684215" sldId="2738"/>
+            <ac:picMk id="1030" creationId="{C93DB76E-C02F-05AC-2014-674F7E808ADA}"/>
+          </ac:picMkLst>
+        </pc:picChg>
+        <pc:picChg chg="add del mod">
+          <ac:chgData name="Xin Luo" userId="82312ee5779919a4" providerId="LiveId" clId="{82BFAA31-791A-9843-976C-3AAFAA5AC07D}" dt="2023-02-24T13:20:06.575" v="2903" actId="1076"/>
+          <ac:picMkLst>
+            <pc:docMk/>
+            <pc:sldMk cId="4156684215" sldId="2738"/>
+            <ac:picMk id="2050" creationId="{324F0AC4-07BA-4B3E-1A6B-D49FF0B87AC4}"/>
+          </ac:picMkLst>
+        </pc:picChg>
+      </pc:sldChg>
+      <pc:sldChg chg="delSp modSp add mod">
+        <pc:chgData name="Xin Luo" userId="82312ee5779919a4" providerId="LiveId" clId="{82BFAA31-791A-9843-976C-3AAFAA5AC07D}" dt="2023-02-24T12:59:25.971" v="2504" actId="20577"/>
+        <pc:sldMkLst>
+          <pc:docMk/>
+          <pc:sldMk cId="2776132283" sldId="2739"/>
+        </pc:sldMkLst>
+        <pc:spChg chg="mod">
+          <ac:chgData name="Xin Luo" userId="82312ee5779919a4" providerId="LiveId" clId="{82BFAA31-791A-9843-976C-3AAFAA5AC07D}" dt="2023-02-24T12:39:05.574" v="2002" actId="1076"/>
+          <ac:spMkLst>
+            <pc:docMk/>
+            <pc:sldMk cId="2776132283" sldId="2739"/>
+            <ac:spMk id="2" creationId="{631AADB6-C88A-D817-4683-FC087E4E240F}"/>
+          </ac:spMkLst>
+        </pc:spChg>
+        <pc:spChg chg="mod">
+          <ac:chgData name="Xin Luo" userId="82312ee5779919a4" providerId="LiveId" clId="{82BFAA31-791A-9843-976C-3AAFAA5AC07D}" dt="2023-02-24T12:59:25.971" v="2504" actId="20577"/>
+          <ac:spMkLst>
+            <pc:docMk/>
+            <pc:sldMk cId="2776132283" sldId="2739"/>
+            <ac:spMk id="6" creationId="{6741FEA2-C046-FD82-2800-2CB513792080}"/>
+          </ac:spMkLst>
+        </pc:spChg>
+        <pc:picChg chg="del">
+          <ac:chgData name="Xin Luo" userId="82312ee5779919a4" providerId="LiveId" clId="{82BFAA31-791A-9843-976C-3AAFAA5AC07D}" dt="2023-02-24T09:02:09.130" v="665" actId="478"/>
+          <ac:picMkLst>
+            <pc:docMk/>
+            <pc:sldMk cId="2776132283" sldId="2739"/>
+            <ac:picMk id="2050" creationId="{324F0AC4-07BA-4B3E-1A6B-D49FF0B87AC4}"/>
+          </ac:picMkLst>
+        </pc:picChg>
+      </pc:sldChg>
+      <pc:sldChg chg="delSp modSp add mod">
+        <pc:chgData name="Xin Luo" userId="82312ee5779919a4" providerId="LiveId" clId="{82BFAA31-791A-9843-976C-3AAFAA5AC07D}" dt="2023-02-24T12:42:54.354" v="2196" actId="20577"/>
+        <pc:sldMkLst>
+          <pc:docMk/>
+          <pc:sldMk cId="2510358707" sldId="2740"/>
+        </pc:sldMkLst>
+        <pc:spChg chg="mod">
+          <ac:chgData name="Xin Luo" userId="82312ee5779919a4" providerId="LiveId" clId="{82BFAA31-791A-9843-976C-3AAFAA5AC07D}" dt="2023-02-24T12:39:15.147" v="2006" actId="20577"/>
+          <ac:spMkLst>
+            <pc:docMk/>
+            <pc:sldMk cId="2510358707" sldId="2740"/>
+            <ac:spMk id="2" creationId="{631AADB6-C88A-D817-4683-FC087E4E240F}"/>
+          </ac:spMkLst>
+        </pc:spChg>
+        <pc:spChg chg="del mod">
+          <ac:chgData name="Xin Luo" userId="82312ee5779919a4" providerId="LiveId" clId="{82BFAA31-791A-9843-976C-3AAFAA5AC07D}" dt="2023-02-24T12:26:37.033" v="1934" actId="478"/>
+          <ac:spMkLst>
+            <pc:docMk/>
+            <pc:sldMk cId="2510358707" sldId="2740"/>
+            <ac:spMk id="5" creationId="{D45B97A4-ED20-7E18-1BEF-4A81710B7783}"/>
+          </ac:spMkLst>
+        </pc:spChg>
+        <pc:spChg chg="mod">
+          <ac:chgData name="Xin Luo" userId="82312ee5779919a4" providerId="LiveId" clId="{82BFAA31-791A-9843-976C-3AAFAA5AC07D}" dt="2023-02-24T12:42:54.354" v="2196" actId="20577"/>
+          <ac:spMkLst>
+            <pc:docMk/>
+            <pc:sldMk cId="2510358707" sldId="2740"/>
+            <ac:spMk id="17" creationId="{9E05FFCA-3371-AF5C-381D-71D984055F5A}"/>
+          </ac:spMkLst>
+        </pc:spChg>
+      </pc:sldChg>
+      <pc:sldChg chg="add del">
+        <pc:chgData name="Xin Luo" userId="82312ee5779919a4" providerId="LiveId" clId="{82BFAA31-791A-9843-976C-3AAFAA5AC07D}" dt="2023-02-24T12:26:24.988" v="1931"/>
+        <pc:sldMkLst>
+          <pc:docMk/>
+          <pc:sldMk cId="2028886328" sldId="2741"/>
+        </pc:sldMkLst>
+      </pc:sldChg>
+      <pc:sldChg chg="modSp add mod">
+        <pc:chgData name="Xin Luo" userId="82312ee5779919a4" providerId="LiveId" clId="{82BFAA31-791A-9843-976C-3AAFAA5AC07D}" dt="2023-02-24T13:00:24.884" v="2578" actId="20577"/>
+        <pc:sldMkLst>
+          <pc:docMk/>
+          <pc:sldMk cId="2476237792" sldId="2741"/>
+        </pc:sldMkLst>
+        <pc:spChg chg="mod">
+          <ac:chgData name="Xin Luo" userId="82312ee5779919a4" providerId="LiveId" clId="{82BFAA31-791A-9843-976C-3AAFAA5AC07D}" dt="2023-02-24T12:59:34.011" v="2511" actId="20577"/>
+          <ac:spMkLst>
+            <pc:docMk/>
+            <pc:sldMk cId="2476237792" sldId="2741"/>
+            <ac:spMk id="2" creationId="{631AADB6-C88A-D817-4683-FC087E4E240F}"/>
+          </ac:spMkLst>
+        </pc:spChg>
+        <pc:spChg chg="mod">
+          <ac:chgData name="Xin Luo" userId="82312ee5779919a4" providerId="LiveId" clId="{82BFAA31-791A-9843-976C-3AAFAA5AC07D}" dt="2023-02-24T12:39:25.368" v="2008"/>
+          <ac:spMkLst>
+            <pc:docMk/>
+            <pc:sldMk cId="2476237792" sldId="2741"/>
+            <ac:spMk id="3" creationId="{00000000-0000-0000-0000-000000000000}"/>
+          </ac:spMkLst>
+        </pc:spChg>
+        <pc:spChg chg="mod">
+          <ac:chgData name="Xin Luo" userId="82312ee5779919a4" providerId="LiveId" clId="{82BFAA31-791A-9843-976C-3AAFAA5AC07D}" dt="2023-02-24T13:00:24.884" v="2578" actId="20577"/>
+          <ac:spMkLst>
+            <pc:docMk/>
+            <pc:sldMk cId="2476237792" sldId="2741"/>
+            <ac:spMk id="6" creationId="{6741FEA2-C046-FD82-2800-2CB513792080}"/>
+          </ac:spMkLst>
+        </pc:spChg>
+      </pc:sldChg>
+    </pc:docChg>
+  </pc:docChgLst>
+  <pc:docChgLst>
+    <pc:chgData name="Xin Luo" userId="82312ee5779919a4" providerId="LiveId" clId="{23920C8D-EBCE-A347-9C82-C14316D20539}"/>
+    <pc:docChg chg="undo custSel addSld modSld">
+      <pc:chgData name="Xin Luo" userId="82312ee5779919a4" providerId="LiveId" clId="{23920C8D-EBCE-A347-9C82-C14316D20539}" dt="2022-10-26T12:19:06.428" v="501" actId="767"/>
+      <pc:docMkLst>
+        <pc:docMk/>
+      </pc:docMkLst>
+      <pc:sldChg chg="modSp mod">
+        <pc:chgData name="Xin Luo" userId="82312ee5779919a4" providerId="LiveId" clId="{23920C8D-EBCE-A347-9C82-C14316D20539}" dt="2022-10-10T01:06:29.261" v="368" actId="404"/>
         <pc:sldMkLst>
           <pc:docMk/>
           <pc:sldMk cId="1576120367" sldId="2387"/>
         </pc:sldMkLst>
         <pc:spChg chg="mod">
-          <ac:chgData name="Xin Luo" userId="82312ee5779919a4" providerId="LiveId" clId="{11C7DD9E-0989-8C46-9E98-A8157970B434}" dt="2023-02-26T14:31:06.544" v="42" actId="20577"/>
+          <ac:chgData name="Xin Luo" userId="82312ee5779919a4" providerId="LiveId" clId="{23920C8D-EBCE-A347-9C82-C14316D20539}" dt="2022-10-10T01:06:29.261" v="368" actId="404"/>
           <ac:spMkLst>
             <pc:docMk/>
             <pc:sldMk cId="1576120367" sldId="2387"/>
-            <ac:spMk id="5" creationId="{494DAA55-5621-28DB-D255-E0EBB6C6477B}"/>
+            <ac:spMk id="10" creationId="{00000000-0000-0000-0000-000000000000}"/>
           </ac:spMkLst>
         </pc:spChg>
         <pc:spChg chg="mod">
-          <ac:chgData name="Xin Luo" userId="82312ee5779919a4" providerId="LiveId" clId="{11C7DD9E-0989-8C46-9E98-A8157970B434}" dt="2023-02-26T14:35:32.623" v="67" actId="20577"/>
+          <ac:chgData name="Xin Luo" userId="82312ee5779919a4" providerId="LiveId" clId="{23920C8D-EBCE-A347-9C82-C14316D20539}" dt="2022-10-10T01:06:13.262" v="366" actId="403"/>
           <ac:spMkLst>
             <pc:docMk/>
             <pc:sldMk cId="1576120367" sldId="2387"/>
-            <ac:spMk id="8" creationId="{565CE3F1-8DB8-5980-B19B-595857C3D8BF}"/>
+            <ac:spMk id="12" creationId="{00000000-0000-0000-0000-000000000000}"/>
           </ac:spMkLst>
         </pc:spChg>
         <pc:spChg chg="mod">
-          <ac:chgData name="Xin Luo" userId="82312ee5779919a4" providerId="LiveId" clId="{11C7DD9E-0989-8C46-9E98-A8157970B434}" dt="2023-02-26T14:35:47.911" v="88" actId="20577"/>
+          <ac:chgData name="Xin Luo" userId="82312ee5779919a4" providerId="LiveId" clId="{23920C8D-EBCE-A347-9C82-C14316D20539}" dt="2022-10-10T01:06:29.261" v="368" actId="404"/>
           <ac:spMkLst>
             <pc:docMk/>
             <pc:sldMk cId="1576120367" sldId="2387"/>
-            <ac:spMk id="11" creationId="{80F6CC38-4117-1B61-4036-D7306E0FCF97}"/>
+            <ac:spMk id="13" creationId="{00000000-0000-0000-0000-000000000000}"/>
           </ac:spMkLst>
         </pc:spChg>
         <pc:spChg chg="mod">
-          <ac:chgData name="Xin Luo" userId="82312ee5779919a4" providerId="LiveId" clId="{11C7DD9E-0989-8C46-9E98-A8157970B434}" dt="2023-02-26T14:31:14.145" v="59" actId="20577"/>
+          <ac:chgData name="Xin Luo" userId="82312ee5779919a4" providerId="LiveId" clId="{23920C8D-EBCE-A347-9C82-C14316D20539}" dt="2022-10-10T01:06:13.262" v="366" actId="403"/>
           <ac:spMkLst>
             <pc:docMk/>
             <pc:sldMk cId="1576120367" sldId="2387"/>
             <ac:spMk id="14" creationId="{00000000-0000-0000-0000-000000000000}"/>
           </ac:spMkLst>
         </pc:spChg>
-        <pc:grpChg chg="add mod">
-          <ac:chgData name="Xin Luo" userId="82312ee5779919a4" providerId="LiveId" clId="{11C7DD9E-0989-8C46-9E98-A8157970B434}" dt="2023-02-26T14:35:30.551" v="62" actId="1076"/>
-          <ac:grpSpMkLst>
+        <pc:spChg chg="mod">
+          <ac:chgData name="Xin Luo" userId="82312ee5779919a4" providerId="LiveId" clId="{23920C8D-EBCE-A347-9C82-C14316D20539}" dt="2022-10-10T01:06:29.261" v="368" actId="404"/>
+          <ac:spMkLst>
             <pc:docMk/>
             <pc:sldMk cId="1576120367" sldId="2387"/>
-            <ac:grpSpMk id="7" creationId="{9AABB1DF-B98C-C2EF-DE10-EE1EE176F4C1}"/>
-          </ac:grpSpMkLst>
-        </pc:grpChg>
-        <pc:grpChg chg="del">
-          <ac:chgData name="Xin Luo" userId="82312ee5779919a4" providerId="LiveId" clId="{11C7DD9E-0989-8C46-9E98-A8157970B434}" dt="2023-02-26T14:31:17.049" v="60" actId="478"/>
-          <ac:grpSpMkLst>
+            <ac:spMk id="15" creationId="{00000000-0000-0000-0000-000000000000}"/>
+          </ac:spMkLst>
+        </pc:spChg>
+        <pc:spChg chg="mod">
+          <ac:chgData name="Xin Luo" userId="82312ee5779919a4" providerId="LiveId" clId="{23920C8D-EBCE-A347-9C82-C14316D20539}" dt="2022-10-10T01:06:19.369" v="367" actId="14100"/>
+          <ac:spMkLst>
             <pc:docMk/>
             <pc:sldMk cId="1576120367" sldId="2387"/>
-            <ac:grpSpMk id="9" creationId="{84B9B8D5-4BCC-CDFF-1E13-B005060A8BDF}"/>
-          </ac:grpSpMkLst>
-        </pc:grpChg>
+            <ac:spMk id="16" creationId="{00000000-0000-0000-0000-000000000000}"/>
+          </ac:spMkLst>
+        </pc:spChg>
       </pc:sldChg>
       <pc:sldChg chg="modSp mod">
-        <pc:chgData name="Xin Luo" userId="82312ee5779919a4" providerId="LiveId" clId="{11C7DD9E-0989-8C46-9E98-A8157970B434}" dt="2023-02-26T14:42:08.073" v="113" actId="20577"/>
+        <pc:chgData name="Xin Luo" userId="82312ee5779919a4" providerId="LiveId" clId="{23920C8D-EBCE-A347-9C82-C14316D20539}" dt="2022-10-10T01:06:39.449" v="369" actId="403"/>
         <pc:sldMkLst>
           <pc:docMk/>
           <pc:sldMk cId="2415901206" sldId="2447"/>
         </pc:sldMkLst>
         <pc:spChg chg="mod">
-          <ac:chgData name="Xin Luo" userId="82312ee5779919a4" providerId="LiveId" clId="{11C7DD9E-0989-8C46-9E98-A8157970B434}" dt="2023-02-26T14:42:08.073" v="113" actId="20577"/>
+          <ac:chgData name="Xin Luo" userId="82312ee5779919a4" providerId="LiveId" clId="{23920C8D-EBCE-A347-9C82-C14316D20539}" dt="2022-10-10T01:06:39.449" v="369" actId="403"/>
           <ac:spMkLst>
             <pc:docMk/>
             <pc:sldMk cId="2415901206" sldId="2447"/>
@@ -5332,444 +6027,268 @@
           </ac:spMkLst>
         </pc:spChg>
       </pc:sldChg>
-      <pc:sldChg chg="modSp mod">
-        <pc:chgData name="Xin Luo" userId="82312ee5779919a4" providerId="LiveId" clId="{11C7DD9E-0989-8C46-9E98-A8157970B434}" dt="2023-02-26T14:22:29.653" v="17" actId="20577"/>
+      <pc:sldChg chg="addSp delSp modSp mod">
+        <pc:chgData name="Xin Luo" userId="82312ee5779919a4" providerId="LiveId" clId="{23920C8D-EBCE-A347-9C82-C14316D20539}" dt="2022-10-26T11:18:20.490" v="500"/>
         <pc:sldMkLst>
           <pc:docMk/>
-          <pc:sldMk cId="1658607177" sldId="2708"/>
+          <pc:sldMk cId="2689840772" sldId="2604"/>
         </pc:sldMkLst>
         <pc:spChg chg="mod">
-          <ac:chgData name="Xin Luo" userId="82312ee5779919a4" providerId="LiveId" clId="{11C7DD9E-0989-8C46-9E98-A8157970B434}" dt="2023-02-26T14:22:06.247" v="1" actId="20577"/>
-          <ac:spMkLst>
-            <pc:docMk/>
-            <pc:sldMk cId="1658607177" sldId="2708"/>
-            <ac:spMk id="3" creationId="{E375549C-74EF-2C8F-6432-2C52B803FB1B}"/>
-          </ac:spMkLst>
-        </pc:spChg>
-        <pc:spChg chg="mod">
-          <ac:chgData name="Xin Luo" userId="82312ee5779919a4" providerId="LiveId" clId="{11C7DD9E-0989-8C46-9E98-A8157970B434}" dt="2023-02-26T14:22:29.653" v="17" actId="20577"/>
-          <ac:spMkLst>
-            <pc:docMk/>
-            <pc:sldMk cId="1658607177" sldId="2708"/>
-            <ac:spMk id="24" creationId="{00000000-0000-0000-0000-000000000000}"/>
+          <ac:chgData name="Xin Luo" userId="82312ee5779919a4" providerId="LiveId" clId="{23920C8D-EBCE-A347-9C82-C14316D20539}" dt="2022-10-26T11:18:14.630" v="497" actId="1038"/>
+          <ac:spMkLst>
+            <pc:docMk/>
+            <pc:sldMk cId="2689840772" sldId="2604"/>
+            <ac:spMk id="2" creationId="{DB381E7B-A050-4BE4-6756-9B64308C74D7}"/>
+          </ac:spMkLst>
+        </pc:spChg>
+        <pc:spChg chg="del mod">
+          <ac:chgData name="Xin Luo" userId="82312ee5779919a4" providerId="LiveId" clId="{23920C8D-EBCE-A347-9C82-C14316D20539}" dt="2022-10-10T00:58:26.498" v="9" actId="478"/>
+          <ac:spMkLst>
+            <pc:docMk/>
+            <pc:sldMk cId="2689840772" sldId="2604"/>
+            <ac:spMk id="3" creationId="{00000000-0000-0000-0000-000000000000}"/>
+          </ac:spMkLst>
+        </pc:spChg>
+        <pc:spChg chg="add del mod">
+          <ac:chgData name="Xin Luo" userId="82312ee5779919a4" providerId="LiveId" clId="{23920C8D-EBCE-A347-9C82-C14316D20539}" dt="2022-10-26T11:18:20.490" v="500"/>
+          <ac:spMkLst>
+            <pc:docMk/>
+            <pc:sldMk cId="2689840772" sldId="2604"/>
+            <ac:spMk id="3" creationId="{0AC6D251-AEF6-35BE-71D5-DE25EAD72977}"/>
+          </ac:spMkLst>
+        </pc:spChg>
+        <pc:spChg chg="add mod">
+          <ac:chgData name="Xin Luo" userId="82312ee5779919a4" providerId="LiveId" clId="{23920C8D-EBCE-A347-9C82-C14316D20539}" dt="2022-10-10T01:03:50.909" v="356" actId="20577"/>
+          <ac:spMkLst>
+            <pc:docMk/>
+            <pc:sldMk cId="2689840772" sldId="2604"/>
+            <ac:spMk id="4" creationId="{5B949F23-92C2-3ACE-AE9A-58F8C8D7AB52}"/>
           </ac:spMkLst>
         </pc:spChg>
       </pc:sldChg>
-      <pc:sldChg chg="del">
-        <pc:chgData name="Xin Luo" userId="82312ee5779919a4" providerId="LiveId" clId="{11C7DD9E-0989-8C46-9E98-A8157970B434}" dt="2023-02-27T02:35:52.321" v="582" actId="2696"/>
+      <pc:sldChg chg="modSp mod">
+        <pc:chgData name="Xin Luo" userId="82312ee5779919a4" providerId="LiveId" clId="{23920C8D-EBCE-A347-9C82-C14316D20539}" dt="2022-10-25T11:53:23.523" v="402" actId="207"/>
         <pc:sldMkLst>
           <pc:docMk/>
-          <pc:sldMk cId="1209572041" sldId="2722"/>
+          <pc:sldMk cId="1392274363" sldId="2606"/>
         </pc:sldMkLst>
+        <pc:spChg chg="mod">
+          <ac:chgData name="Xin Luo" userId="82312ee5779919a4" providerId="LiveId" clId="{23920C8D-EBCE-A347-9C82-C14316D20539}" dt="2022-10-10T01:08:08.448" v="392" actId="20577"/>
+          <ac:spMkLst>
+            <pc:docMk/>
+            <pc:sldMk cId="1392274363" sldId="2606"/>
+            <ac:spMk id="35" creationId="{2CBBD54C-A0C4-CFAB-2A67-F8BF299D28F5}"/>
+          </ac:spMkLst>
+        </pc:spChg>
+        <pc:spChg chg="mod">
+          <ac:chgData name="Xin Luo" userId="82312ee5779919a4" providerId="LiveId" clId="{23920C8D-EBCE-A347-9C82-C14316D20539}" dt="2022-10-25T11:53:23.523" v="402" actId="207"/>
+          <ac:spMkLst>
+            <pc:docMk/>
+            <pc:sldMk cId="1392274363" sldId="2606"/>
+            <ac:spMk id="42" creationId="{E4B07DDE-AB89-2B16-6B7A-2142621DE6F5}"/>
+          </ac:spMkLst>
+        </pc:spChg>
       </pc:sldChg>
-      <pc:sldChg chg="addSp delSp modSp mod">
-        <pc:chgData name="Xin Luo" userId="82312ee5779919a4" providerId="LiveId" clId="{11C7DD9E-0989-8C46-9E98-A8157970B434}" dt="2023-02-26T15:19:23.475" v="340" actId="20577"/>
+      <pc:sldChg chg="modSp mod">
+        <pc:chgData name="Xin Luo" userId="82312ee5779919a4" providerId="LiveId" clId="{23920C8D-EBCE-A347-9C82-C14316D20539}" dt="2022-10-25T12:03:26.240" v="414" actId="14100"/>
         <pc:sldMkLst>
           <pc:docMk/>
-          <pc:sldMk cId="393940605" sldId="2742"/>
+          <pc:sldMk cId="292605530" sldId="2607"/>
         </pc:sldMkLst>
-        <pc:spChg chg="add del mod">
-          <ac:chgData name="Xin Luo" userId="82312ee5779919a4" providerId="LiveId" clId="{11C7DD9E-0989-8C46-9E98-A8157970B434}" dt="2023-02-26T15:17:25.642" v="308"/>
-          <ac:spMkLst>
-            <pc:docMk/>
-            <pc:sldMk cId="393940605" sldId="2742"/>
-            <ac:spMk id="2" creationId="{55A39B1C-7178-259A-FE4F-616ACE4D5FE1}"/>
-          </ac:spMkLst>
-        </pc:spChg>
         <pc:spChg chg="mod">
-          <ac:chgData name="Xin Luo" userId="82312ee5779919a4" providerId="LiveId" clId="{11C7DD9E-0989-8C46-9E98-A8157970B434}" dt="2023-02-26T15:19:23.475" v="340" actId="20577"/>
-          <ac:spMkLst>
-            <pc:docMk/>
-            <pc:sldMk cId="393940605" sldId="2742"/>
-            <ac:spMk id="7" creationId="{00000000-0000-0000-0000-000000000000}"/>
+          <ac:chgData name="Xin Luo" userId="82312ee5779919a4" providerId="LiveId" clId="{23920C8D-EBCE-A347-9C82-C14316D20539}" dt="2022-10-25T12:03:26.240" v="414" actId="14100"/>
+          <ac:spMkLst>
+            <pc:docMk/>
+            <pc:sldMk cId="292605530" sldId="2607"/>
+            <ac:spMk id="18" creationId="{8399C9E7-13B6-1DAF-F5BF-4471E8528C5F}"/>
           </ac:spMkLst>
         </pc:spChg>
       </pc:sldChg>
       <pc:sldChg chg="modSp mod">
-        <pc:chgData name="Xin Luo" userId="82312ee5779919a4" providerId="LiveId" clId="{11C7DD9E-0989-8C46-9E98-A8157970B434}" dt="2023-02-26T15:19:39.446" v="371" actId="20577"/>
+        <pc:chgData name="Xin Luo" userId="82312ee5779919a4" providerId="LiveId" clId="{23920C8D-EBCE-A347-9C82-C14316D20539}" dt="2022-10-25T12:09:03.730" v="478" actId="1036"/>
         <pc:sldMkLst>
           <pc:docMk/>
-          <pc:sldMk cId="3175231995" sldId="2743"/>
+          <pc:sldMk cId="2780969545" sldId="2609"/>
         </pc:sldMkLst>
         <pc:spChg chg="mod">
-          <ac:chgData name="Xin Luo" userId="82312ee5779919a4" providerId="LiveId" clId="{11C7DD9E-0989-8C46-9E98-A8157970B434}" dt="2023-02-26T15:19:39.446" v="371" actId="20577"/>
-          <ac:spMkLst>
-            <pc:docMk/>
-            <pc:sldMk cId="3175231995" sldId="2743"/>
-            <ac:spMk id="7" creationId="{00000000-0000-0000-0000-000000000000}"/>
-          </ac:spMkLst>
-        </pc:spChg>
+          <ac:chgData name="Xin Luo" userId="82312ee5779919a4" providerId="LiveId" clId="{23920C8D-EBCE-A347-9C82-C14316D20539}" dt="2022-10-25T12:08:56.496" v="469" actId="115"/>
+          <ac:spMkLst>
+            <pc:docMk/>
+            <pc:sldMk cId="2780969545" sldId="2609"/>
+            <ac:spMk id="6" creationId="{2D1A6305-FF43-CF53-224A-B6D4901EAB0F}"/>
+          </ac:spMkLst>
+        </pc:spChg>
+        <pc:spChg chg="mod">
+          <ac:chgData name="Xin Luo" userId="82312ee5779919a4" providerId="LiveId" clId="{23920C8D-EBCE-A347-9C82-C14316D20539}" dt="2022-10-25T12:09:03.730" v="478" actId="1036"/>
+          <ac:spMkLst>
+            <pc:docMk/>
+            <pc:sldMk cId="2780969545" sldId="2609"/>
+            <ac:spMk id="11" creationId="{63EAC848-88D2-7A10-E878-444ADA855E23}"/>
+          </ac:spMkLst>
+        </pc:spChg>
+        <pc:spChg chg="mod">
+          <ac:chgData name="Xin Luo" userId="82312ee5779919a4" providerId="LiveId" clId="{23920C8D-EBCE-A347-9C82-C14316D20539}" dt="2022-10-25T12:09:03.730" v="478" actId="1036"/>
+          <ac:spMkLst>
+            <pc:docMk/>
+            <pc:sldMk cId="2780969545" sldId="2609"/>
+            <ac:spMk id="12" creationId="{BED7A820-9D6E-7E7E-A906-8A9424528316}"/>
+          </ac:spMkLst>
+        </pc:spChg>
+        <pc:spChg chg="mod">
+          <ac:chgData name="Xin Luo" userId="82312ee5779919a4" providerId="LiveId" clId="{23920C8D-EBCE-A347-9C82-C14316D20539}" dt="2022-10-25T12:09:03.730" v="478" actId="1036"/>
+          <ac:spMkLst>
+            <pc:docMk/>
+            <pc:sldMk cId="2780969545" sldId="2609"/>
+            <ac:spMk id="20" creationId="{87EC125B-CB98-6914-1633-6697471A2CB4}"/>
+          </ac:spMkLst>
+        </pc:spChg>
+        <pc:spChg chg="mod">
+          <ac:chgData name="Xin Luo" userId="82312ee5779919a4" providerId="LiveId" clId="{23920C8D-EBCE-A347-9C82-C14316D20539}" dt="2022-10-25T12:09:03.730" v="478" actId="1036"/>
+          <ac:spMkLst>
+            <pc:docMk/>
+            <pc:sldMk cId="2780969545" sldId="2609"/>
+            <ac:spMk id="21" creationId="{0AF67847-7DEF-CDAB-6208-0271BFB4FB06}"/>
+          </ac:spMkLst>
+        </pc:spChg>
+        <pc:spChg chg="mod">
+          <ac:chgData name="Xin Luo" userId="82312ee5779919a4" providerId="LiveId" clId="{23920C8D-EBCE-A347-9C82-C14316D20539}" dt="2022-10-25T12:09:03.730" v="478" actId="1036"/>
+          <ac:spMkLst>
+            <pc:docMk/>
+            <pc:sldMk cId="2780969545" sldId="2609"/>
+            <ac:spMk id="23" creationId="{0011846D-F543-398E-85CB-0AB0A842928A}"/>
+          </ac:spMkLst>
+        </pc:spChg>
+        <pc:spChg chg="mod">
+          <ac:chgData name="Xin Luo" userId="82312ee5779919a4" providerId="LiveId" clId="{23920C8D-EBCE-A347-9C82-C14316D20539}" dt="2022-10-25T12:09:03.730" v="478" actId="1036"/>
+          <ac:spMkLst>
+            <pc:docMk/>
+            <pc:sldMk cId="2780969545" sldId="2609"/>
+            <ac:spMk id="24" creationId="{37B5D87E-7419-7CC0-91CC-8A0807F0F999}"/>
+          </ac:spMkLst>
+        </pc:spChg>
+        <pc:spChg chg="mod">
+          <ac:chgData name="Xin Luo" userId="82312ee5779919a4" providerId="LiveId" clId="{23920C8D-EBCE-A347-9C82-C14316D20539}" dt="2022-10-25T12:09:03.730" v="478" actId="1036"/>
+          <ac:spMkLst>
+            <pc:docMk/>
+            <pc:sldMk cId="2780969545" sldId="2609"/>
+            <ac:spMk id="25" creationId="{4745244D-B431-F067-4A97-7CC4387296FB}"/>
+          </ac:spMkLst>
+        </pc:spChg>
+        <pc:spChg chg="mod">
+          <ac:chgData name="Xin Luo" userId="82312ee5779919a4" providerId="LiveId" clId="{23920C8D-EBCE-A347-9C82-C14316D20539}" dt="2022-10-25T12:09:03.730" v="478" actId="1036"/>
+          <ac:spMkLst>
+            <pc:docMk/>
+            <pc:sldMk cId="2780969545" sldId="2609"/>
+            <ac:spMk id="26" creationId="{FB9C53DE-8D1F-6DF4-8CE3-3A262A9F8737}"/>
+          </ac:spMkLst>
+        </pc:spChg>
+        <pc:picChg chg="mod">
+          <ac:chgData name="Xin Luo" userId="82312ee5779919a4" providerId="LiveId" clId="{23920C8D-EBCE-A347-9C82-C14316D20539}" dt="2022-10-25T12:09:03.730" v="478" actId="1036"/>
+          <ac:picMkLst>
+            <pc:docMk/>
+            <pc:sldMk cId="2780969545" sldId="2609"/>
+            <ac:picMk id="4" creationId="{49B7ACC6-6794-9162-52B2-E80F7E4B0442}"/>
+          </ac:picMkLst>
+        </pc:picChg>
+        <pc:picChg chg="mod">
+          <ac:chgData name="Xin Luo" userId="82312ee5779919a4" providerId="LiveId" clId="{23920C8D-EBCE-A347-9C82-C14316D20539}" dt="2022-10-25T12:09:03.730" v="478" actId="1036"/>
+          <ac:picMkLst>
+            <pc:docMk/>
+            <pc:sldMk cId="2780969545" sldId="2609"/>
+            <ac:picMk id="7" creationId="{42FD45A0-A9EA-D518-41B5-21FA7A24BA60}"/>
+          </ac:picMkLst>
+        </pc:picChg>
+        <pc:picChg chg="mod">
+          <ac:chgData name="Xin Luo" userId="82312ee5779919a4" providerId="LiveId" clId="{23920C8D-EBCE-A347-9C82-C14316D20539}" dt="2022-10-25T12:09:03.730" v="478" actId="1036"/>
+          <ac:picMkLst>
+            <pc:docMk/>
+            <pc:sldMk cId="2780969545" sldId="2609"/>
+            <ac:picMk id="10" creationId="{C2B12388-3179-41F8-2462-0C9BA14093FF}"/>
+          </ac:picMkLst>
+        </pc:picChg>
+        <pc:picChg chg="mod">
+          <ac:chgData name="Xin Luo" userId="82312ee5779919a4" providerId="LiveId" clId="{23920C8D-EBCE-A347-9C82-C14316D20539}" dt="2022-10-25T12:09:03.730" v="478" actId="1036"/>
+          <ac:picMkLst>
+            <pc:docMk/>
+            <pc:sldMk cId="2780969545" sldId="2609"/>
+            <ac:picMk id="7170" creationId="{A3C33C8C-6841-03A7-574F-E161D6BA2409}"/>
+          </ac:picMkLst>
+        </pc:picChg>
+        <pc:cxnChg chg="mod">
+          <ac:chgData name="Xin Luo" userId="82312ee5779919a4" providerId="LiveId" clId="{23920C8D-EBCE-A347-9C82-C14316D20539}" dt="2022-10-25T12:09:03.730" v="478" actId="1036"/>
+          <ac:cxnSpMkLst>
+            <pc:docMk/>
+            <pc:sldMk cId="2780969545" sldId="2609"/>
+            <ac:cxnSpMk id="9" creationId="{FD972B84-6C44-171E-8256-D2A04F01B0C9}"/>
+          </ac:cxnSpMkLst>
+        </pc:cxnChg>
+        <pc:cxnChg chg="mod">
+          <ac:chgData name="Xin Luo" userId="82312ee5779919a4" providerId="LiveId" clId="{23920C8D-EBCE-A347-9C82-C14316D20539}" dt="2022-10-25T12:09:03.730" v="478" actId="1036"/>
+          <ac:cxnSpMkLst>
+            <pc:docMk/>
+            <pc:sldMk cId="2780969545" sldId="2609"/>
+            <ac:cxnSpMk id="16" creationId="{612BCBDC-DECE-5090-7C5B-6492FF4CE722}"/>
+          </ac:cxnSpMkLst>
+        </pc:cxnChg>
+        <pc:cxnChg chg="mod">
+          <ac:chgData name="Xin Luo" userId="82312ee5779919a4" providerId="LiveId" clId="{23920C8D-EBCE-A347-9C82-C14316D20539}" dt="2022-10-25T12:09:03.730" v="478" actId="1036"/>
+          <ac:cxnSpMkLst>
+            <pc:docMk/>
+            <pc:sldMk cId="2780969545" sldId="2609"/>
+            <ac:cxnSpMk id="17" creationId="{AF045F09-2718-C456-D477-E816A43885FF}"/>
+          </ac:cxnSpMkLst>
+        </pc:cxnChg>
+        <pc:cxnChg chg="mod">
+          <ac:chgData name="Xin Luo" userId="82312ee5779919a4" providerId="LiveId" clId="{23920C8D-EBCE-A347-9C82-C14316D20539}" dt="2022-10-25T12:09:03.730" v="478" actId="1036"/>
+          <ac:cxnSpMkLst>
+            <pc:docMk/>
+            <pc:sldMk cId="2780969545" sldId="2609"/>
+            <ac:cxnSpMk id="28" creationId="{6C11ADF7-6234-2989-2798-F5AAD5EDE3BF}"/>
+          </ac:cxnSpMkLst>
+        </pc:cxnChg>
       </pc:sldChg>
       <pc:sldChg chg="modSp mod">
-        <pc:chgData name="Xin Luo" userId="82312ee5779919a4" providerId="LiveId" clId="{11C7DD9E-0989-8C46-9E98-A8157970B434}" dt="2023-02-26T15:20:40.112" v="433" actId="1076"/>
+        <pc:chgData name="Xin Luo" userId="82312ee5779919a4" providerId="LiveId" clId="{23920C8D-EBCE-A347-9C82-C14316D20539}" dt="2022-10-26T02:56:58.658" v="480" actId="207"/>
         <pc:sldMkLst>
           <pc:docMk/>
-          <pc:sldMk cId="2038650065" sldId="2744"/>
+          <pc:sldMk cId="63705705" sldId="2612"/>
         </pc:sldMkLst>
         <pc:spChg chg="mod">
-          <ac:chgData name="Xin Luo" userId="82312ee5779919a4" providerId="LiveId" clId="{11C7DD9E-0989-8C46-9E98-A8157970B434}" dt="2023-02-26T14:42:17.186" v="128" actId="20577"/>
-          <ac:spMkLst>
-            <pc:docMk/>
-            <pc:sldMk cId="2038650065" sldId="2744"/>
-            <ac:spMk id="3" creationId="{00000000-0000-0000-0000-000000000000}"/>
-          </ac:spMkLst>
-        </pc:spChg>
-        <pc:spChg chg="mod">
-          <ac:chgData name="Xin Luo" userId="82312ee5779919a4" providerId="LiveId" clId="{11C7DD9E-0989-8C46-9E98-A8157970B434}" dt="2023-02-26T15:20:40.112" v="433" actId="1076"/>
-          <ac:spMkLst>
-            <pc:docMk/>
-            <pc:sldMk cId="2038650065" sldId="2744"/>
-            <ac:spMk id="5" creationId="{78502774-B04C-634F-1396-E5815996BC36}"/>
+          <ac:chgData name="Xin Luo" userId="82312ee5779919a4" providerId="LiveId" clId="{23920C8D-EBCE-A347-9C82-C14316D20539}" dt="2022-10-26T02:56:58.658" v="480" actId="207"/>
+          <ac:spMkLst>
+            <pc:docMk/>
+            <pc:sldMk cId="63705705" sldId="2612"/>
+            <ac:spMk id="63" creationId="{6400CC45-5050-7ACD-CE08-CC6D7000A1DA}"/>
           </ac:spMkLst>
         </pc:spChg>
       </pc:sldChg>
-      <pc:sldChg chg="addSp delSp modSp add del mod">
-        <pc:chgData name="Xin Luo" userId="82312ee5779919a4" providerId="LiveId" clId="{11C7DD9E-0989-8C46-9E98-A8157970B434}" dt="2023-02-27T08:52:16.520" v="1090" actId="2696"/>
+      <pc:sldChg chg="addSp modSp">
+        <pc:chgData name="Xin Luo" userId="82312ee5779919a4" providerId="LiveId" clId="{23920C8D-EBCE-A347-9C82-C14316D20539}" dt="2022-10-26T12:19:06.428" v="501" actId="767"/>
         <pc:sldMkLst>
           <pc:docMk/>
-          <pc:sldMk cId="2345376688" sldId="2745"/>
+          <pc:sldMk cId="963926578" sldId="2613"/>
+        </pc:sldMkLst>
+        <pc:spChg chg="add mod">
+          <ac:chgData name="Xin Luo" userId="82312ee5779919a4" providerId="LiveId" clId="{23920C8D-EBCE-A347-9C82-C14316D20539}" dt="2022-10-26T12:19:06.428" v="501" actId="767"/>
+          <ac:spMkLst>
+            <pc:docMk/>
+            <pc:sldMk cId="963926578" sldId="2613"/>
+            <ac:spMk id="2" creationId="{5F7683B3-77E0-69A9-94AE-FF04E7249325}"/>
+          </ac:spMkLst>
+        </pc:spChg>
+      </pc:sldChg>
+      <pc:sldChg chg="modSp add mod">
+        <pc:chgData name="Xin Luo" userId="82312ee5779919a4" providerId="LiveId" clId="{23920C8D-EBCE-A347-9C82-C14316D20539}" dt="2022-10-10T01:06:02.902" v="365" actId="403"/>
+        <pc:sldMkLst>
+          <pc:docMk/>
+          <pc:sldMk cId="2358282757" sldId="2714"/>
         </pc:sldMkLst>
         <pc:spChg chg="mod">
-          <ac:chgData name="Xin Luo" userId="82312ee5779919a4" providerId="LiveId" clId="{11C7DD9E-0989-8C46-9E98-A8157970B434}" dt="2023-02-26T15:19:53.024" v="385" actId="20577"/>
-          <ac:spMkLst>
-            <pc:docMk/>
-            <pc:sldMk cId="2345376688" sldId="2745"/>
-            <ac:spMk id="2" creationId="{631AADB6-C88A-D817-4683-FC087E4E240F}"/>
-          </ac:spMkLst>
-        </pc:spChg>
-        <pc:spChg chg="mod">
-          <ac:chgData name="Xin Luo" userId="82312ee5779919a4" providerId="LiveId" clId="{11C7DD9E-0989-8C46-9E98-A8157970B434}" dt="2023-02-27T02:35:37.012" v="576" actId="20577"/>
-          <ac:spMkLst>
-            <pc:docMk/>
-            <pc:sldMk cId="2345376688" sldId="2745"/>
-            <ac:spMk id="3" creationId="{00000000-0000-0000-0000-000000000000}"/>
-          </ac:spMkLst>
-        </pc:spChg>
-        <pc:spChg chg="add del mod">
-          <ac:chgData name="Xin Luo" userId="82312ee5779919a4" providerId="LiveId" clId="{11C7DD9E-0989-8C46-9E98-A8157970B434}" dt="2023-02-26T15:20:01.684" v="387"/>
-          <ac:spMkLst>
-            <pc:docMk/>
-            <pc:sldMk cId="2345376688" sldId="2745"/>
-            <ac:spMk id="4" creationId="{9184794B-8671-D3FA-8F69-00DC15CCF2EA}"/>
-          </ac:spMkLst>
-        </pc:spChg>
-        <pc:spChg chg="del">
-          <ac:chgData name="Xin Luo" userId="82312ee5779919a4" providerId="LiveId" clId="{11C7DD9E-0989-8C46-9E98-A8157970B434}" dt="2023-02-26T15:20:27.514" v="430" actId="478"/>
-          <ac:spMkLst>
-            <pc:docMk/>
-            <pc:sldMk cId="2345376688" sldId="2745"/>
-            <ac:spMk id="7" creationId="{90728D9D-D249-EA33-6E80-8B5C8EA26F4F}"/>
-          </ac:spMkLst>
-        </pc:spChg>
-      </pc:sldChg>
-      <pc:sldChg chg="addSp delSp modSp mod">
-        <pc:chgData name="Xin Luo" userId="82312ee5779919a4" providerId="LiveId" clId="{11C7DD9E-0989-8C46-9E98-A8157970B434}" dt="2023-02-27T02:36:22.411" v="584" actId="1076"/>
-        <pc:sldMkLst>
-          <pc:docMk/>
-          <pc:sldMk cId="580867947" sldId="2747"/>
-        </pc:sldMkLst>
-        <pc:spChg chg="mod">
-          <ac:chgData name="Xin Luo" userId="82312ee5779919a4" providerId="LiveId" clId="{11C7DD9E-0989-8C46-9E98-A8157970B434}" dt="2023-02-27T02:27:34.388" v="547" actId="20577"/>
-          <ac:spMkLst>
-            <pc:docMk/>
-            <pc:sldMk cId="580867947" sldId="2747"/>
-            <ac:spMk id="3" creationId="{00000000-0000-0000-0000-000000000000}"/>
-          </ac:spMkLst>
-        </pc:spChg>
-        <pc:spChg chg="mod">
-          <ac:chgData name="Xin Luo" userId="82312ee5779919a4" providerId="LiveId" clId="{11C7DD9E-0989-8C46-9E98-A8157970B434}" dt="2023-02-27T02:36:22.411" v="584" actId="1076"/>
-          <ac:spMkLst>
-            <pc:docMk/>
-            <pc:sldMk cId="580867947" sldId="2747"/>
-            <ac:spMk id="5" creationId="{78502774-B04C-634F-1396-E5815996BC36}"/>
-          </ac:spMkLst>
-        </pc:spChg>
-        <pc:grpChg chg="del">
-          <ac:chgData name="Xin Luo" userId="82312ee5779919a4" providerId="LiveId" clId="{11C7DD9E-0989-8C46-9E98-A8157970B434}" dt="2023-02-26T15:18:47.533" v="327" actId="478"/>
-          <ac:grpSpMkLst>
-            <pc:docMk/>
-            <pc:sldMk cId="580867947" sldId="2747"/>
-            <ac:grpSpMk id="17" creationId="{DEBBA376-338B-77A1-B823-6E3F8EA644A9}"/>
-          </ac:grpSpMkLst>
-        </pc:grpChg>
-        <pc:picChg chg="del">
-          <ac:chgData name="Xin Luo" userId="82312ee5779919a4" providerId="LiveId" clId="{11C7DD9E-0989-8C46-9E98-A8157970B434}" dt="2023-02-26T15:18:46.496" v="326" actId="478"/>
-          <ac:picMkLst>
-            <pc:docMk/>
-            <pc:sldMk cId="580867947" sldId="2747"/>
-            <ac:picMk id="6" creationId="{B7028E15-ACC2-1C34-CBCC-DF1802A2573F}"/>
-          </ac:picMkLst>
-        </pc:picChg>
-        <pc:picChg chg="add mod">
-          <ac:chgData name="Xin Luo" userId="82312ee5779919a4" providerId="LiveId" clId="{11C7DD9E-0989-8C46-9E98-A8157970B434}" dt="2023-02-27T02:27:08.800" v="515" actId="1076"/>
-          <ac:picMkLst>
-            <pc:docMk/>
-            <pc:sldMk cId="580867947" sldId="2747"/>
-            <ac:picMk id="7" creationId="{29D2CECB-2FBB-A6A5-8FB0-B791E6AB6D2E}"/>
-          </ac:picMkLst>
-        </pc:picChg>
-      </pc:sldChg>
-      <pc:sldChg chg="del">
-        <pc:chgData name="Xin Luo" userId="82312ee5779919a4" providerId="LiveId" clId="{11C7DD9E-0989-8C46-9E98-A8157970B434}" dt="2023-02-26T15:04:36.966" v="145" actId="2696"/>
-        <pc:sldMkLst>
-          <pc:docMk/>
-          <pc:sldMk cId="2245643700" sldId="2751"/>
-        </pc:sldMkLst>
-      </pc:sldChg>
-      <pc:sldChg chg="del">
-        <pc:chgData name="Xin Luo" userId="82312ee5779919a4" providerId="LiveId" clId="{11C7DD9E-0989-8C46-9E98-A8157970B434}" dt="2023-02-26T15:18:55.825" v="329" actId="2696"/>
-        <pc:sldMkLst>
-          <pc:docMk/>
-          <pc:sldMk cId="3400956243" sldId="2752"/>
-        </pc:sldMkLst>
-      </pc:sldChg>
-      <pc:sldChg chg="modSp mod">
-        <pc:chgData name="Xin Luo" userId="82312ee5779919a4" providerId="LiveId" clId="{11C7DD9E-0989-8C46-9E98-A8157970B434}" dt="2023-02-27T08:52:05.615" v="1087" actId="20577"/>
-        <pc:sldMkLst>
-          <pc:docMk/>
-          <pc:sldMk cId="3929071932" sldId="2753"/>
-        </pc:sldMkLst>
-        <pc:spChg chg="mod">
-          <ac:chgData name="Xin Luo" userId="82312ee5779919a4" providerId="LiveId" clId="{11C7DD9E-0989-8C46-9E98-A8157970B434}" dt="2023-02-27T02:27:54.253" v="571" actId="20577"/>
-          <ac:spMkLst>
-            <pc:docMk/>
-            <pc:sldMk cId="3929071932" sldId="2753"/>
-            <ac:spMk id="3" creationId="{00000000-0000-0000-0000-000000000000}"/>
-          </ac:spMkLst>
-        </pc:spChg>
-        <pc:spChg chg="mod">
-          <ac:chgData name="Xin Luo" userId="82312ee5779919a4" providerId="LiveId" clId="{11C7DD9E-0989-8C46-9E98-A8157970B434}" dt="2023-02-27T08:52:05.615" v="1087" actId="20577"/>
-          <ac:spMkLst>
-            <pc:docMk/>
-            <pc:sldMk cId="3929071932" sldId="2753"/>
-            <ac:spMk id="5" creationId="{78502774-B04C-634F-1396-E5815996BC36}"/>
-          </ac:spMkLst>
-        </pc:spChg>
-      </pc:sldChg>
-      <pc:sldChg chg="del">
-        <pc:chgData name="Xin Luo" userId="82312ee5779919a4" providerId="LiveId" clId="{11C7DD9E-0989-8C46-9E98-A8157970B434}" dt="2023-02-26T15:18:49.403" v="328" actId="2696"/>
-        <pc:sldMkLst>
-          <pc:docMk/>
-          <pc:sldMk cId="1157508697" sldId="2757"/>
-        </pc:sldMkLst>
-      </pc:sldChg>
-      <pc:sldChg chg="del">
-        <pc:chgData name="Xin Luo" userId="82312ee5779919a4" providerId="LiveId" clId="{11C7DD9E-0989-8C46-9E98-A8157970B434}" dt="2023-02-26T15:18:55.829" v="331" actId="2696"/>
-        <pc:sldMkLst>
-          <pc:docMk/>
-          <pc:sldMk cId="4211155851" sldId="2758"/>
-        </pc:sldMkLst>
-      </pc:sldChg>
-      <pc:sldChg chg="del">
-        <pc:chgData name="Xin Luo" userId="82312ee5779919a4" providerId="LiveId" clId="{11C7DD9E-0989-8C46-9E98-A8157970B434}" dt="2023-02-26T15:18:55.839" v="332" actId="2696"/>
-        <pc:sldMkLst>
-          <pc:docMk/>
-          <pc:sldMk cId="3818021166" sldId="2760"/>
-        </pc:sldMkLst>
-      </pc:sldChg>
-      <pc:sldChg chg="del">
-        <pc:chgData name="Xin Luo" userId="82312ee5779919a4" providerId="LiveId" clId="{11C7DD9E-0989-8C46-9E98-A8157970B434}" dt="2023-02-26T15:20:19.583" v="426" actId="2696"/>
-        <pc:sldMkLst>
-          <pc:docMk/>
-          <pc:sldMk cId="97719364" sldId="2761"/>
-        </pc:sldMkLst>
-      </pc:sldChg>
-      <pc:sldChg chg="del">
-        <pc:chgData name="Xin Luo" userId="82312ee5779919a4" providerId="LiveId" clId="{11C7DD9E-0989-8C46-9E98-A8157970B434}" dt="2023-02-26T15:20:19.592" v="427" actId="2696"/>
-        <pc:sldMkLst>
-          <pc:docMk/>
-          <pc:sldMk cId="2861954436" sldId="2762"/>
-        </pc:sldMkLst>
-      </pc:sldChg>
-      <pc:sldChg chg="modSp add del mod ord">
-        <pc:chgData name="Xin Luo" userId="82312ee5779919a4" providerId="LiveId" clId="{11C7DD9E-0989-8C46-9E98-A8157970B434}" dt="2023-02-27T09:04:38.776" v="1469" actId="1035"/>
-        <pc:sldMkLst>
-          <pc:docMk/>
-          <pc:sldMk cId="3373327641" sldId="2763"/>
-        </pc:sldMkLst>
-        <pc:spChg chg="mod">
-          <ac:chgData name="Xin Luo" userId="82312ee5779919a4" providerId="LiveId" clId="{11C7DD9E-0989-8C46-9E98-A8157970B434}" dt="2023-02-27T08:53:37.204" v="1096"/>
-          <ac:spMkLst>
-            <pc:docMk/>
-            <pc:sldMk cId="3373327641" sldId="2763"/>
-            <ac:spMk id="3" creationId="{00000000-0000-0000-0000-000000000000}"/>
-          </ac:spMkLst>
-        </pc:spChg>
-        <pc:spChg chg="mod">
-          <ac:chgData name="Xin Luo" userId="82312ee5779919a4" providerId="LiveId" clId="{11C7DD9E-0989-8C46-9E98-A8157970B434}" dt="2023-02-27T09:04:38.776" v="1469" actId="1035"/>
-          <ac:spMkLst>
-            <pc:docMk/>
-            <pc:sldMk cId="3373327641" sldId="2763"/>
-            <ac:spMk id="13" creationId="{303BC878-BC57-D350-27A3-F03AE48213AC}"/>
-          </ac:spMkLst>
-        </pc:spChg>
-      </pc:sldChg>
-      <pc:sldChg chg="del">
-        <pc:chgData name="Xin Luo" userId="82312ee5779919a4" providerId="LiveId" clId="{11C7DD9E-0989-8C46-9E98-A8157970B434}" dt="2023-02-26T15:18:55.827" v="330" actId="2696"/>
-        <pc:sldMkLst>
-          <pc:docMk/>
-          <pc:sldMk cId="2047512068" sldId="2764"/>
-        </pc:sldMkLst>
-      </pc:sldChg>
-      <pc:sldChg chg="modSp mod">
-        <pc:chgData name="Xin Luo" userId="82312ee5779919a4" providerId="LiveId" clId="{11C7DD9E-0989-8C46-9E98-A8157970B434}" dt="2023-02-26T15:17:10.775" v="299" actId="20577"/>
-        <pc:sldMkLst>
-          <pc:docMk/>
-          <pc:sldMk cId="70654754" sldId="2765"/>
-        </pc:sldMkLst>
-        <pc:spChg chg="mod">
-          <ac:chgData name="Xin Luo" userId="82312ee5779919a4" providerId="LiveId" clId="{11C7DD9E-0989-8C46-9E98-A8157970B434}" dt="2023-02-26T15:04:56.102" v="161" actId="20577"/>
-          <ac:spMkLst>
-            <pc:docMk/>
-            <pc:sldMk cId="70654754" sldId="2765"/>
-            <ac:spMk id="3" creationId="{00000000-0000-0000-0000-000000000000}"/>
-          </ac:spMkLst>
-        </pc:spChg>
-        <pc:spChg chg="mod">
-          <ac:chgData name="Xin Luo" userId="82312ee5779919a4" providerId="LiveId" clId="{11C7DD9E-0989-8C46-9E98-A8157970B434}" dt="2023-02-26T15:17:10.775" v="299" actId="20577"/>
-          <ac:spMkLst>
-            <pc:docMk/>
-            <pc:sldMk cId="70654754" sldId="2765"/>
-            <ac:spMk id="5" creationId="{78502774-B04C-634F-1396-E5815996BC36}"/>
-          </ac:spMkLst>
-        </pc:spChg>
-      </pc:sldChg>
-      <pc:sldChg chg="addSp modSp add mod">
-        <pc:chgData name="Xin Luo" userId="82312ee5779919a4" providerId="LiveId" clId="{11C7DD9E-0989-8C46-9E98-A8157970B434}" dt="2023-02-26T15:17:01.865" v="296"/>
-        <pc:sldMkLst>
-          <pc:docMk/>
-          <pc:sldMk cId="782854285" sldId="2766"/>
-        </pc:sldMkLst>
-        <pc:spChg chg="add mod">
-          <ac:chgData name="Xin Luo" userId="82312ee5779919a4" providerId="LiveId" clId="{11C7DD9E-0989-8C46-9E98-A8157970B434}" dt="2023-02-26T15:17:01.865" v="296"/>
-          <ac:spMkLst>
-            <pc:docMk/>
-            <pc:sldMk cId="782854285" sldId="2766"/>
-            <ac:spMk id="4" creationId="{A7E97437-B77F-D3F5-E0F8-38B1EBE5E36E}"/>
-          </ac:spMkLst>
-        </pc:spChg>
-        <pc:spChg chg="mod">
-          <ac:chgData name="Xin Luo" userId="82312ee5779919a4" providerId="LiveId" clId="{11C7DD9E-0989-8C46-9E98-A8157970B434}" dt="2023-02-26T15:16:51.007" v="295" actId="5793"/>
-          <ac:spMkLst>
-            <pc:docMk/>
-            <pc:sldMk cId="782854285" sldId="2766"/>
-            <ac:spMk id="5" creationId="{78502774-B04C-634F-1396-E5815996BC36}"/>
-          </ac:spMkLst>
-        </pc:spChg>
-      </pc:sldChg>
-      <pc:sldChg chg="addSp delSp modSp add mod">
-        <pc:chgData name="Xin Luo" userId="82312ee5779919a4" providerId="LiveId" clId="{11C7DD9E-0989-8C46-9E98-A8157970B434}" dt="2023-02-27T08:52:57.704" v="1092"/>
-        <pc:sldMkLst>
-          <pc:docMk/>
-          <pc:sldMk cId="3080738912" sldId="2767"/>
-        </pc:sldMkLst>
-        <pc:spChg chg="del">
-          <ac:chgData name="Xin Luo" userId="82312ee5779919a4" providerId="LiveId" clId="{11C7DD9E-0989-8C46-9E98-A8157970B434}" dt="2023-02-27T08:16:43.452" v="678" actId="478"/>
-          <ac:spMkLst>
-            <pc:docMk/>
-            <pc:sldMk cId="3080738912" sldId="2767"/>
-            <ac:spMk id="2" creationId="{631AADB6-C88A-D817-4683-FC087E4E240F}"/>
-          </ac:spMkLst>
-        </pc:spChg>
-        <pc:spChg chg="mod">
-          <ac:chgData name="Xin Luo" userId="82312ee5779919a4" providerId="LiveId" clId="{11C7DD9E-0989-8C46-9E98-A8157970B434}" dt="2023-02-27T02:35:43.422" v="581" actId="20577"/>
-          <ac:spMkLst>
-            <pc:docMk/>
-            <pc:sldMk cId="3080738912" sldId="2767"/>
-            <ac:spMk id="3" creationId="{00000000-0000-0000-0000-000000000000}"/>
-          </ac:spMkLst>
-        </pc:spChg>
-        <pc:spChg chg="add del mod">
-          <ac:chgData name="Xin Luo" userId="82312ee5779919a4" providerId="LiveId" clId="{11C7DD9E-0989-8C46-9E98-A8157970B434}" dt="2023-02-27T08:16:41.284" v="677"/>
-          <ac:spMkLst>
-            <pc:docMk/>
-            <pc:sldMk cId="3080738912" sldId="2767"/>
-            <ac:spMk id="4" creationId="{D84146A9-549E-0430-9049-9B119D13B0D4}"/>
-          </ac:spMkLst>
-        </pc:spChg>
-        <pc:spChg chg="add del mod">
-          <ac:chgData name="Xin Luo" userId="82312ee5779919a4" providerId="LiveId" clId="{11C7DD9E-0989-8C46-9E98-A8157970B434}" dt="2023-02-27T08:16:41.284" v="677"/>
-          <ac:spMkLst>
-            <pc:docMk/>
-            <pc:sldMk cId="3080738912" sldId="2767"/>
-            <ac:spMk id="5" creationId="{549183B9-A4A3-6F00-560E-627500125E5B}"/>
-          </ac:spMkLst>
-        </pc:spChg>
-        <pc:spChg chg="add mod">
-          <ac:chgData name="Xin Luo" userId="82312ee5779919a4" providerId="LiveId" clId="{11C7DD9E-0989-8C46-9E98-A8157970B434}" dt="2023-02-27T08:16:43.782" v="679"/>
-          <ac:spMkLst>
-            <pc:docMk/>
-            <pc:sldMk cId="3080738912" sldId="2767"/>
-            <ac:spMk id="6" creationId="{A8981A74-89F1-C4D7-7276-DED5C19DBB73}"/>
-          </ac:spMkLst>
-        </pc:spChg>
-        <pc:spChg chg="del">
-          <ac:chgData name="Xin Luo" userId="82312ee5779919a4" providerId="LiveId" clId="{11C7DD9E-0989-8C46-9E98-A8157970B434}" dt="2023-02-26T15:20:24.969" v="429" actId="478"/>
-          <ac:spMkLst>
-            <pc:docMk/>
-            <pc:sldMk cId="3080738912" sldId="2767"/>
-            <ac:spMk id="7" creationId="{90728D9D-D249-EA33-6E80-8B5C8EA26F4F}"/>
-          </ac:spMkLst>
-        </pc:spChg>
-        <pc:spChg chg="add mod">
-          <ac:chgData name="Xin Luo" userId="82312ee5779919a4" providerId="LiveId" clId="{11C7DD9E-0989-8C46-9E98-A8157970B434}" dt="2023-02-27T08:20:47.033" v="802" actId="20577"/>
-          <ac:spMkLst>
-            <pc:docMk/>
-            <pc:sldMk cId="3080738912" sldId="2767"/>
-            <ac:spMk id="8" creationId="{B4927106-7FAA-7DB9-6B73-C3C3BDD043CF}"/>
-          </ac:spMkLst>
-        </pc:spChg>
-        <pc:spChg chg="add mod">
-          <ac:chgData name="Xin Luo" userId="82312ee5779919a4" providerId="LiveId" clId="{11C7DD9E-0989-8C46-9E98-A8157970B434}" dt="2023-02-27T08:52:57.704" v="1092"/>
-          <ac:spMkLst>
-            <pc:docMk/>
-            <pc:sldMk cId="3080738912" sldId="2767"/>
-            <ac:spMk id="9" creationId="{0218C4A2-B358-216E-FCDA-F391C5615790}"/>
-          </ac:spMkLst>
-        </pc:spChg>
-      </pc:sldChg>
-      <pc:sldChg chg="add del">
-        <pc:chgData name="Xin Luo" userId="82312ee5779919a4" providerId="LiveId" clId="{11C7DD9E-0989-8C46-9E98-A8157970B434}" dt="2023-02-27T08:52:42.554" v="1091" actId="2696"/>
-        <pc:sldMkLst>
-          <pc:docMk/>
-          <pc:sldMk cId="1789931058" sldId="2768"/>
-        </pc:sldMkLst>
-      </pc:sldChg>
-      <pc:sldChg chg="delSp modSp add mod">
-        <pc:chgData name="Xin Luo" userId="82312ee5779919a4" providerId="LiveId" clId="{11C7DD9E-0989-8C46-9E98-A8157970B434}" dt="2023-02-27T13:34:39.830" v="1495" actId="20577"/>
-        <pc:sldMkLst>
-          <pc:docMk/>
-          <pc:sldMk cId="2222334095" sldId="2769"/>
-        </pc:sldMkLst>
-        <pc:spChg chg="mod">
-          <ac:chgData name="Xin Luo" userId="82312ee5779919a4" providerId="LiveId" clId="{11C7DD9E-0989-8C46-9E98-A8157970B434}" dt="2023-02-27T13:34:39.830" v="1495" actId="20577"/>
-          <ac:spMkLst>
-            <pc:docMk/>
-            <pc:sldMk cId="2222334095" sldId="2769"/>
-            <ac:spMk id="5" creationId="{78502774-B04C-634F-1396-E5815996BC36}"/>
-          </ac:spMkLst>
-        </pc:spChg>
-        <pc:picChg chg="del">
-          <ac:chgData name="Xin Luo" userId="82312ee5779919a4" providerId="LiveId" clId="{11C7DD9E-0989-8C46-9E98-A8157970B434}" dt="2023-02-27T02:36:48.860" v="606" actId="478"/>
-          <ac:picMkLst>
-            <pc:docMk/>
-            <pc:sldMk cId="2222334095" sldId="2769"/>
-            <ac:picMk id="7" creationId="{29D2CECB-2FBB-A6A5-8FB0-B791E6AB6D2E}"/>
-          </ac:picMkLst>
-        </pc:picChg>
-      </pc:sldChg>
-      <pc:sldChg chg="modSp add mod">
-        <pc:chgData name="Xin Luo" userId="82312ee5779919a4" providerId="LiveId" clId="{11C7DD9E-0989-8C46-9E98-A8157970B434}" dt="2023-02-27T08:53:34.198" v="1095"/>
-        <pc:sldMkLst>
-          <pc:docMk/>
-          <pc:sldMk cId="2739444815" sldId="2770"/>
-        </pc:sldMkLst>
-        <pc:spChg chg="mod">
-          <ac:chgData name="Xin Luo" userId="82312ee5779919a4" providerId="LiveId" clId="{11C7DD9E-0989-8C46-9E98-A8157970B434}" dt="2023-02-27T08:53:34.198" v="1095"/>
-          <ac:spMkLst>
-            <pc:docMk/>
-            <pc:sldMk cId="2739444815" sldId="2770"/>
-            <ac:spMk id="3" creationId="{00000000-0000-0000-0000-000000000000}"/>
+          <ac:chgData name="Xin Luo" userId="82312ee5779919a4" providerId="LiveId" clId="{23920C8D-EBCE-A347-9C82-C14316D20539}" dt="2022-10-10T01:06:02.902" v="365" actId="403"/>
+          <ac:spMkLst>
+            <pc:docMk/>
+            <pc:sldMk cId="2358282757" sldId="2714"/>
+            <ac:spMk id="2" creationId="{DB381E7B-A050-4BE4-6756-9B64308C74D7}"/>
           </ac:spMkLst>
         </pc:spChg>
       </pc:sldChg>
@@ -6841,525 +7360,6 @@
           </pc:sldLayoutMkLst>
         </pc:sldLayoutChg>
       </pc:sldMasterChg>
-    </pc:docChg>
-  </pc:docChgLst>
-  <pc:docChgLst>
-    <pc:chgData name="Xin Luo" userId="82312ee5779919a4" providerId="LiveId" clId="{43F513C8-EB74-484F-A7E0-3FD069260300}"/>
-    <pc:docChg chg="undo custSel modSld">
-      <pc:chgData name="Xin Luo" userId="82312ee5779919a4" providerId="LiveId" clId="{43F513C8-EB74-484F-A7E0-3FD069260300}" dt="2023-05-28T08:36:12.671" v="208" actId="20577"/>
-      <pc:docMkLst>
-        <pc:docMk/>
-      </pc:docMkLst>
-      <pc:sldChg chg="modSp mod">
-        <pc:chgData name="Xin Luo" userId="82312ee5779919a4" providerId="LiveId" clId="{43F513C8-EB74-484F-A7E0-3FD069260300}" dt="2023-05-27T02:15:53.724" v="6" actId="20577"/>
-        <pc:sldMkLst>
-          <pc:docMk/>
-          <pc:sldMk cId="580867947" sldId="2747"/>
-        </pc:sldMkLst>
-        <pc:spChg chg="mod">
-          <ac:chgData name="Xin Luo" userId="82312ee5779919a4" providerId="LiveId" clId="{43F513C8-EB74-484F-A7E0-3FD069260300}" dt="2023-05-27T02:15:53.724" v="6" actId="20577"/>
-          <ac:spMkLst>
-            <pc:docMk/>
-            <pc:sldMk cId="580867947" sldId="2747"/>
-            <ac:spMk id="5" creationId="{78502774-B04C-634F-1396-E5815996BC36}"/>
-          </ac:spMkLst>
-        </pc:spChg>
-      </pc:sldChg>
-      <pc:sldChg chg="modSp mod">
-        <pc:chgData name="Xin Luo" userId="82312ee5779919a4" providerId="LiveId" clId="{43F513C8-EB74-484F-A7E0-3FD069260300}" dt="2023-05-28T08:36:12.671" v="208" actId="20577"/>
-        <pc:sldMkLst>
-          <pc:docMk/>
-          <pc:sldMk cId="3818021166" sldId="2760"/>
-        </pc:sldMkLst>
-        <pc:spChg chg="mod">
-          <ac:chgData name="Xin Luo" userId="82312ee5779919a4" providerId="LiveId" clId="{43F513C8-EB74-484F-A7E0-3FD069260300}" dt="2023-05-27T02:22:37.832" v="198" actId="108"/>
-          <ac:spMkLst>
-            <pc:docMk/>
-            <pc:sldMk cId="3818021166" sldId="2760"/>
-            <ac:spMk id="5" creationId="{799972CB-82FA-3BBB-40B5-08D28B498BE7}"/>
-          </ac:spMkLst>
-        </pc:spChg>
-        <pc:spChg chg="mod">
-          <ac:chgData name="Xin Luo" userId="82312ee5779919a4" providerId="LiveId" clId="{43F513C8-EB74-484F-A7E0-3FD069260300}" dt="2023-05-28T08:36:12.671" v="208" actId="20577"/>
-          <ac:spMkLst>
-            <pc:docMk/>
-            <pc:sldMk cId="3818021166" sldId="2760"/>
-            <ac:spMk id="6" creationId="{DA984439-1B23-1931-1979-ECF8DE9D6DCA}"/>
-          </ac:spMkLst>
-        </pc:spChg>
-      </pc:sldChg>
-      <pc:sldChg chg="modSp mod">
-        <pc:chgData name="Xin Luo" userId="82312ee5779919a4" providerId="LiveId" clId="{43F513C8-EB74-484F-A7E0-3FD069260300}" dt="2023-05-27T02:17:06.921" v="7" actId="207"/>
-        <pc:sldMkLst>
-          <pc:docMk/>
-          <pc:sldMk cId="1939141190" sldId="2773"/>
-        </pc:sldMkLst>
-        <pc:spChg chg="mod">
-          <ac:chgData name="Xin Luo" userId="82312ee5779919a4" providerId="LiveId" clId="{43F513C8-EB74-484F-A7E0-3FD069260300}" dt="2023-05-27T02:17:06.921" v="7" actId="207"/>
-          <ac:spMkLst>
-            <pc:docMk/>
-            <pc:sldMk cId="1939141190" sldId="2773"/>
-            <ac:spMk id="2" creationId="{631AADB6-C88A-D817-4683-FC087E4E240F}"/>
-          </ac:spMkLst>
-        </pc:spChg>
-      </pc:sldChg>
-    </pc:docChg>
-  </pc:docChgLst>
-  <pc:docChgLst>
-    <pc:chgData name="Xin Luo" userId="82312ee5779919a4" providerId="LiveId" clId="{24E677A2-D2C3-A44F-9E9F-4CACE05D8C20}"/>
-    <pc:docChg chg="undo custSel addSld delSld modSld sldOrd">
-      <pc:chgData name="Xin Luo" userId="82312ee5779919a4" providerId="LiveId" clId="{24E677A2-D2C3-A44F-9E9F-4CACE05D8C20}" dt="2023-04-12T13:17:21.179" v="1770" actId="255"/>
-      <pc:docMkLst>
-        <pc:docMk/>
-      </pc:docMkLst>
-      <pc:sldChg chg="del">
-        <pc:chgData name="Xin Luo" userId="82312ee5779919a4" providerId="LiveId" clId="{24E677A2-D2C3-A44F-9E9F-4CACE05D8C20}" dt="2023-04-04T14:47:49.615" v="813" actId="2696"/>
-        <pc:sldMkLst>
-          <pc:docMk/>
-          <pc:sldMk cId="3929071932" sldId="2753"/>
-        </pc:sldMkLst>
-      </pc:sldChg>
-      <pc:sldChg chg="addSp delSp modSp mod">
-        <pc:chgData name="Xin Luo" userId="82312ee5779919a4" providerId="LiveId" clId="{24E677A2-D2C3-A44F-9E9F-4CACE05D8C20}" dt="2023-03-22T01:18:43.454" v="749" actId="478"/>
-        <pc:sldMkLst>
-          <pc:docMk/>
-          <pc:sldMk cId="3818021166" sldId="2760"/>
-        </pc:sldMkLst>
-        <pc:spChg chg="mod">
-          <ac:chgData name="Xin Luo" userId="82312ee5779919a4" providerId="LiveId" clId="{24E677A2-D2C3-A44F-9E9F-4CACE05D8C20}" dt="2023-03-22T00:52:01.308" v="51" actId="20577"/>
-          <ac:spMkLst>
-            <pc:docMk/>
-            <pc:sldMk cId="3818021166" sldId="2760"/>
-            <ac:spMk id="2" creationId="{631AADB6-C88A-D817-4683-FC087E4E240F}"/>
-          </ac:spMkLst>
-        </pc:spChg>
-        <pc:spChg chg="add mod">
-          <ac:chgData name="Xin Luo" userId="82312ee5779919a4" providerId="LiveId" clId="{24E677A2-D2C3-A44F-9E9F-4CACE05D8C20}" dt="2023-03-22T01:17:28.834" v="744" actId="1036"/>
-          <ac:spMkLst>
-            <pc:docMk/>
-            <pc:sldMk cId="3818021166" sldId="2760"/>
-            <ac:spMk id="5" creationId="{799972CB-82FA-3BBB-40B5-08D28B498BE7}"/>
-          </ac:spMkLst>
-        </pc:spChg>
-        <pc:spChg chg="mod">
-          <ac:chgData name="Xin Luo" userId="82312ee5779919a4" providerId="LiveId" clId="{24E677A2-D2C3-A44F-9E9F-4CACE05D8C20}" dt="2023-03-22T01:18:18.664" v="747"/>
-          <ac:spMkLst>
-            <pc:docMk/>
-            <pc:sldMk cId="3818021166" sldId="2760"/>
-            <ac:spMk id="6" creationId="{DA984439-1B23-1931-1979-ECF8DE9D6DCA}"/>
-          </ac:spMkLst>
-        </pc:spChg>
-        <pc:spChg chg="add del">
-          <ac:chgData name="Xin Luo" userId="82312ee5779919a4" providerId="LiveId" clId="{24E677A2-D2C3-A44F-9E9F-4CACE05D8C20}" dt="2023-03-22T01:18:43.454" v="749" actId="478"/>
-          <ac:spMkLst>
-            <pc:docMk/>
-            <pc:sldMk cId="3818021166" sldId="2760"/>
-            <ac:spMk id="8" creationId="{56FDFD46-367A-466F-6DA9-B3FB0FBA8EBF}"/>
-          </ac:spMkLst>
-        </pc:spChg>
-      </pc:sldChg>
-      <pc:sldChg chg="modSp del mod">
-        <pc:chgData name="Xin Luo" userId="82312ee5779919a4" providerId="LiveId" clId="{24E677A2-D2C3-A44F-9E9F-4CACE05D8C20}" dt="2023-04-12T13:13:59.839" v="1572" actId="2696"/>
-        <pc:sldMkLst>
-          <pc:docMk/>
-          <pc:sldMk cId="3373327641" sldId="2763"/>
-        </pc:sldMkLst>
-        <pc:spChg chg="mod">
-          <ac:chgData name="Xin Luo" userId="82312ee5779919a4" providerId="LiveId" clId="{24E677A2-D2C3-A44F-9E9F-4CACE05D8C20}" dt="2023-04-12T13:13:36.898" v="1571" actId="20577"/>
-          <ac:spMkLst>
-            <pc:docMk/>
-            <pc:sldMk cId="3373327641" sldId="2763"/>
-            <ac:spMk id="13" creationId="{303BC878-BC57-D350-27A3-F03AE48213AC}"/>
-          </ac:spMkLst>
-        </pc:spChg>
-      </pc:sldChg>
-      <pc:sldChg chg="delSp modSp mod">
-        <pc:chgData name="Xin Luo" userId="82312ee5779919a4" providerId="LiveId" clId="{24E677A2-D2C3-A44F-9E9F-4CACE05D8C20}" dt="2023-04-12T12:41:48.301" v="1440" actId="20577"/>
-        <pc:sldMkLst>
-          <pc:docMk/>
-          <pc:sldMk cId="3080738912" sldId="2767"/>
-        </pc:sldMkLst>
-        <pc:spChg chg="del">
-          <ac:chgData name="Xin Luo" userId="82312ee5779919a4" providerId="LiveId" clId="{24E677A2-D2C3-A44F-9E9F-4CACE05D8C20}" dt="2023-04-06T12:48:52.968" v="1252" actId="478"/>
-          <ac:spMkLst>
-            <pc:docMk/>
-            <pc:sldMk cId="3080738912" sldId="2767"/>
-            <ac:spMk id="6" creationId="{A8981A74-89F1-C4D7-7276-DED5C19DBB73}"/>
-          </ac:spMkLst>
-        </pc:spChg>
-        <pc:spChg chg="mod">
-          <ac:chgData name="Xin Luo" userId="82312ee5779919a4" providerId="LiveId" clId="{24E677A2-D2C3-A44F-9E9F-4CACE05D8C20}" dt="2023-04-12T12:41:48.301" v="1440" actId="20577"/>
-          <ac:spMkLst>
-            <pc:docMk/>
-            <pc:sldMk cId="3080738912" sldId="2767"/>
-            <ac:spMk id="8" creationId="{B4927106-7FAA-7DB9-6B73-C3C3BDD043CF}"/>
-          </ac:spMkLst>
-        </pc:spChg>
-      </pc:sldChg>
-      <pc:sldChg chg="addSp delSp modSp mod">
-        <pc:chgData name="Xin Luo" userId="82312ee5779919a4" providerId="LiveId" clId="{24E677A2-D2C3-A44F-9E9F-4CACE05D8C20}" dt="2023-04-06T08:59:06.599" v="1243" actId="20577"/>
-        <pc:sldMkLst>
-          <pc:docMk/>
-          <pc:sldMk cId="2222334095" sldId="2769"/>
-        </pc:sldMkLst>
-        <pc:spChg chg="del">
-          <ac:chgData name="Xin Luo" userId="82312ee5779919a4" providerId="LiveId" clId="{24E677A2-D2C3-A44F-9E9F-4CACE05D8C20}" dt="2023-04-05T01:47:58.652" v="1044" actId="478"/>
-          <ac:spMkLst>
-            <pc:docMk/>
-            <pc:sldMk cId="2222334095" sldId="2769"/>
-            <ac:spMk id="2" creationId="{631AADB6-C88A-D817-4683-FC087E4E240F}"/>
-          </ac:spMkLst>
-        </pc:spChg>
-        <pc:spChg chg="add mod">
-          <ac:chgData name="Xin Luo" userId="82312ee5779919a4" providerId="LiveId" clId="{24E677A2-D2C3-A44F-9E9F-4CACE05D8C20}" dt="2023-04-05T01:48:50.636" v="1051" actId="14100"/>
-          <ac:spMkLst>
-            <pc:docMk/>
-            <pc:sldMk cId="2222334095" sldId="2769"/>
-            <ac:spMk id="4" creationId="{63535F26-70F3-E3F4-FE68-56E63E1C0EA4}"/>
-          </ac:spMkLst>
-        </pc:spChg>
-        <pc:spChg chg="mod">
-          <ac:chgData name="Xin Luo" userId="82312ee5779919a4" providerId="LiveId" clId="{24E677A2-D2C3-A44F-9E9F-4CACE05D8C20}" dt="2023-04-06T08:59:06.599" v="1243" actId="20577"/>
-          <ac:spMkLst>
-            <pc:docMk/>
-            <pc:sldMk cId="2222334095" sldId="2769"/>
-            <ac:spMk id="5" creationId="{78502774-B04C-634F-1396-E5815996BC36}"/>
-          </ac:spMkLst>
-        </pc:spChg>
-      </pc:sldChg>
-      <pc:sldChg chg="addSp delSp modSp mod">
-        <pc:chgData name="Xin Luo" userId="82312ee5779919a4" providerId="LiveId" clId="{24E677A2-D2C3-A44F-9E9F-4CACE05D8C20}" dt="2023-04-12T13:17:21.179" v="1770" actId="255"/>
-        <pc:sldMkLst>
-          <pc:docMk/>
-          <pc:sldMk cId="2739444815" sldId="2770"/>
-        </pc:sldMkLst>
-        <pc:spChg chg="mod">
-          <ac:chgData name="Xin Luo" userId="82312ee5779919a4" providerId="LiveId" clId="{24E677A2-D2C3-A44F-9E9F-4CACE05D8C20}" dt="2023-04-12T13:15:43.983" v="1596" actId="20577"/>
-          <ac:spMkLst>
-            <pc:docMk/>
-            <pc:sldMk cId="2739444815" sldId="2770"/>
-            <ac:spMk id="2" creationId="{631AADB6-C88A-D817-4683-FC087E4E240F}"/>
-          </ac:spMkLst>
-        </pc:spChg>
-        <pc:spChg chg="mod">
-          <ac:chgData name="Xin Luo" userId="82312ee5779919a4" providerId="LiveId" clId="{24E677A2-D2C3-A44F-9E9F-4CACE05D8C20}" dt="2023-04-12T13:17:21.179" v="1770" actId="255"/>
-          <ac:spMkLst>
-            <pc:docMk/>
-            <pc:sldMk cId="2739444815" sldId="2770"/>
-            <ac:spMk id="5" creationId="{78502774-B04C-634F-1396-E5815996BC36}"/>
-          </ac:spMkLst>
-        </pc:spChg>
-        <pc:spChg chg="add del mod">
-          <ac:chgData name="Xin Luo" userId="82312ee5779919a4" providerId="LiveId" clId="{24E677A2-D2C3-A44F-9E9F-4CACE05D8C20}" dt="2023-04-12T12:55:29.935" v="1563" actId="478"/>
-          <ac:spMkLst>
-            <pc:docMk/>
-            <pc:sldMk cId="2739444815" sldId="2770"/>
-            <ac:spMk id="6" creationId="{3CB8C003-FC82-9C07-CAE2-BF6491202344}"/>
-          </ac:spMkLst>
-        </pc:spChg>
-      </pc:sldChg>
-      <pc:sldChg chg="del">
-        <pc:chgData name="Xin Luo" userId="82312ee5779919a4" providerId="LiveId" clId="{24E677A2-D2C3-A44F-9E9F-4CACE05D8C20}" dt="2023-04-04T14:47:41.375" v="812" actId="2696"/>
-        <pc:sldMkLst>
-          <pc:docMk/>
-          <pc:sldMk cId="3328354025" sldId="2772"/>
-        </pc:sldMkLst>
-      </pc:sldChg>
-      <pc:sldChg chg="modSp add mod ord">
-        <pc:chgData name="Xin Luo" userId="82312ee5779919a4" providerId="LiveId" clId="{24E677A2-D2C3-A44F-9E9F-4CACE05D8C20}" dt="2023-03-22T15:40:15.986" v="811" actId="20577"/>
-        <pc:sldMkLst>
-          <pc:docMk/>
-          <pc:sldMk cId="1939141190" sldId="2773"/>
-        </pc:sldMkLst>
-        <pc:spChg chg="mod">
-          <ac:chgData name="Xin Luo" userId="82312ee5779919a4" providerId="LiveId" clId="{24E677A2-D2C3-A44F-9E9F-4CACE05D8C20}" dt="2023-03-22T15:40:15.986" v="811" actId="20577"/>
-          <ac:spMkLst>
-            <pc:docMk/>
-            <pc:sldMk cId="1939141190" sldId="2773"/>
-            <ac:spMk id="6" creationId="{DA984439-1B23-1931-1979-ECF8DE9D6DCA}"/>
-          </ac:spMkLst>
-        </pc:spChg>
-      </pc:sldChg>
-    </pc:docChg>
-  </pc:docChgLst>
-  <pc:docChgLst>
-    <pc:chgData name="Xin Luo" userId="82312ee5779919a4" providerId="LiveId" clId="{82BFAA31-791A-9843-976C-3AAFAA5AC07D}"/>
-    <pc:docChg chg="undo custSel addSld delSld modSld">
-      <pc:chgData name="Xin Luo" userId="82312ee5779919a4" providerId="LiveId" clId="{82BFAA31-791A-9843-976C-3AAFAA5AC07D}" dt="2023-02-24T13:20:14.840" v="2906" actId="404"/>
-      <pc:docMkLst>
-        <pc:docMk/>
-      </pc:docMkLst>
-      <pc:sldChg chg="addSp delSp modSp mod">
-        <pc:chgData name="Xin Luo" userId="82312ee5779919a4" providerId="LiveId" clId="{82BFAA31-791A-9843-976C-3AAFAA5AC07D}" dt="2023-02-24T08:49:58.378" v="580" actId="478"/>
-        <pc:sldMkLst>
-          <pc:docMk/>
-          <pc:sldMk cId="3833073590" sldId="2716"/>
-        </pc:sldMkLst>
-        <pc:spChg chg="mod">
-          <ac:chgData name="Xin Luo" userId="82312ee5779919a4" providerId="LiveId" clId="{82BFAA31-791A-9843-976C-3AAFAA5AC07D}" dt="2023-02-24T03:06:08.550" v="104" actId="20577"/>
-          <ac:spMkLst>
-            <pc:docMk/>
-            <pc:sldMk cId="3833073590" sldId="2716"/>
-            <ac:spMk id="2" creationId="{631AADB6-C88A-D817-4683-FC087E4E240F}"/>
-          </ac:spMkLst>
-        </pc:spChg>
-        <pc:spChg chg="del">
-          <ac:chgData name="Xin Luo" userId="82312ee5779919a4" providerId="LiveId" clId="{82BFAA31-791A-9843-976C-3AAFAA5AC07D}" dt="2023-02-24T03:02:42.862" v="33" actId="478"/>
-          <ac:spMkLst>
-            <pc:docMk/>
-            <pc:sldMk cId="3833073590" sldId="2716"/>
-            <ac:spMk id="5" creationId="{9F4AEA98-0C33-E82A-EB75-839D0F0B55A4}"/>
-          </ac:spMkLst>
-        </pc:spChg>
-        <pc:spChg chg="add mod">
-          <ac:chgData name="Xin Luo" userId="82312ee5779919a4" providerId="LiveId" clId="{82BFAA31-791A-9843-976C-3AAFAA5AC07D}" dt="2023-02-24T08:49:58.156" v="579" actId="14100"/>
-          <ac:spMkLst>
-            <pc:docMk/>
-            <pc:sldMk cId="3833073590" sldId="2716"/>
-            <ac:spMk id="6" creationId="{6741FEA2-C046-FD82-2800-2CB513792080}"/>
-          </ac:spMkLst>
-        </pc:spChg>
-        <pc:picChg chg="add del">
-          <ac:chgData name="Xin Luo" userId="82312ee5779919a4" providerId="LiveId" clId="{82BFAA31-791A-9843-976C-3AAFAA5AC07D}" dt="2023-02-24T03:02:42.862" v="33" actId="478"/>
-          <ac:picMkLst>
-            <pc:docMk/>
-            <pc:sldMk cId="3833073590" sldId="2716"/>
-            <ac:picMk id="1026" creationId="{37EB6838-2807-43B3-E78E-EF1353DBEC4D}"/>
-          </ac:picMkLst>
-        </pc:picChg>
-        <pc:picChg chg="add del mod">
-          <ac:chgData name="Xin Luo" userId="82312ee5779919a4" providerId="LiveId" clId="{82BFAA31-791A-9843-976C-3AAFAA5AC07D}" dt="2023-02-24T03:03:49.502" v="38" actId="478"/>
-          <ac:picMkLst>
-            <pc:docMk/>
-            <pc:sldMk cId="3833073590" sldId="2716"/>
-            <ac:picMk id="1028" creationId="{0060DCE3-4593-4CBE-2C1A-12A7D72C453A}"/>
-          </ac:picMkLst>
-        </pc:picChg>
-        <pc:picChg chg="add del mod">
-          <ac:chgData name="Xin Luo" userId="82312ee5779919a4" providerId="LiveId" clId="{82BFAA31-791A-9843-976C-3AAFAA5AC07D}" dt="2023-02-24T08:49:58.378" v="580" actId="478"/>
-          <ac:picMkLst>
-            <pc:docMk/>
-            <pc:sldMk cId="3833073590" sldId="2716"/>
-            <ac:picMk id="1030" creationId="{C93DB76E-C02F-05AC-2014-674F7E808ADA}"/>
-          </ac:picMkLst>
-        </pc:picChg>
-      </pc:sldChg>
-      <pc:sldChg chg="addSp delSp modSp mod">
-        <pc:chgData name="Xin Luo" userId="82312ee5779919a4" providerId="LiveId" clId="{82BFAA31-791A-9843-976C-3AAFAA5AC07D}" dt="2023-02-24T08:50:06.402" v="585" actId="20577"/>
-        <pc:sldMkLst>
-          <pc:docMk/>
-          <pc:sldMk cId="972163772" sldId="2720"/>
-        </pc:sldMkLst>
-        <pc:spChg chg="mod">
-          <ac:chgData name="Xin Luo" userId="82312ee5779919a4" providerId="LiveId" clId="{82BFAA31-791A-9843-976C-3AAFAA5AC07D}" dt="2023-02-24T08:50:06.402" v="585" actId="20577"/>
-          <ac:spMkLst>
-            <pc:docMk/>
-            <pc:sldMk cId="972163772" sldId="2720"/>
-            <ac:spMk id="7" creationId="{00000000-0000-0000-0000-000000000000}"/>
-          </ac:spMkLst>
-        </pc:spChg>
-        <pc:picChg chg="add del">
-          <ac:chgData name="Xin Luo" userId="82312ee5779919a4" providerId="LiveId" clId="{82BFAA31-791A-9843-976C-3AAFAA5AC07D}" dt="2023-02-24T08:47:42.881" v="485"/>
-          <ac:picMkLst>
-            <pc:docMk/>
-            <pc:sldMk cId="972163772" sldId="2720"/>
-            <ac:picMk id="3074" creationId="{C4128BB6-F8FE-667B-1E3D-38360E7E0C3C}"/>
-          </ac:picMkLst>
-        </pc:picChg>
-      </pc:sldChg>
-      <pc:sldChg chg="addSp delSp modSp mod">
-        <pc:chgData name="Xin Luo" userId="82312ee5779919a4" providerId="LiveId" clId="{82BFAA31-791A-9843-976C-3AAFAA5AC07D}" dt="2023-02-24T13:00:34.955" v="2586" actId="1036"/>
-        <pc:sldMkLst>
-          <pc:docMk/>
-          <pc:sldMk cId="2689695864" sldId="2721"/>
-        </pc:sldMkLst>
-        <pc:spChg chg="mod">
-          <ac:chgData name="Xin Luo" userId="82312ee5779919a4" providerId="LiveId" clId="{82BFAA31-791A-9843-976C-3AAFAA5AC07D}" dt="2023-02-24T13:00:34.955" v="2586" actId="1036"/>
-          <ac:spMkLst>
-            <pc:docMk/>
-            <pc:sldMk cId="2689695864" sldId="2721"/>
-            <ac:spMk id="2" creationId="{631AADB6-C88A-D817-4683-FC087E4E240F}"/>
-          </ac:spMkLst>
-        </pc:spChg>
-        <pc:spChg chg="mod">
-          <ac:chgData name="Xin Luo" userId="82312ee5779919a4" providerId="LiveId" clId="{82BFAA31-791A-9843-976C-3AAFAA5AC07D}" dt="2023-02-24T08:50:21.921" v="586"/>
-          <ac:spMkLst>
-            <pc:docMk/>
-            <pc:sldMk cId="2689695864" sldId="2721"/>
-            <ac:spMk id="3" creationId="{00000000-0000-0000-0000-000000000000}"/>
-          </ac:spMkLst>
-        </pc:spChg>
-        <pc:spChg chg="add del mod">
-          <ac:chgData name="Xin Luo" userId="82312ee5779919a4" providerId="LiveId" clId="{82BFAA31-791A-9843-976C-3AAFAA5AC07D}" dt="2023-02-24T12:38:43.360" v="1999" actId="478"/>
-          <ac:spMkLst>
-            <pc:docMk/>
-            <pc:sldMk cId="2689695864" sldId="2721"/>
-            <ac:spMk id="5" creationId="{D45B97A4-ED20-7E18-1BEF-4A81710B7783}"/>
-          </ac:spMkLst>
-        </pc:spChg>
-        <pc:spChg chg="mod">
-          <ac:chgData name="Xin Luo" userId="82312ee5779919a4" providerId="LiveId" clId="{82BFAA31-791A-9843-976C-3AAFAA5AC07D}" dt="2023-02-24T13:00:31.975" v="2582" actId="1036"/>
-          <ac:spMkLst>
-            <pc:docMk/>
-            <pc:sldMk cId="2689695864" sldId="2721"/>
-            <ac:spMk id="17" creationId="{9E05FFCA-3371-AF5C-381D-71D984055F5A}"/>
-          </ac:spMkLst>
-        </pc:spChg>
-      </pc:sldChg>
-      <pc:sldChg chg="modSp mod">
-        <pc:chgData name="Xin Luo" userId="82312ee5779919a4" providerId="LiveId" clId="{82BFAA31-791A-9843-976C-3AAFAA5AC07D}" dt="2023-02-24T13:19:35.601" v="2898" actId="20577"/>
-        <pc:sldMkLst>
-          <pc:docMk/>
-          <pc:sldMk cId="1209572041" sldId="2722"/>
-        </pc:sldMkLst>
-        <pc:spChg chg="mod">
-          <ac:chgData name="Xin Luo" userId="82312ee5779919a4" providerId="LiveId" clId="{82BFAA31-791A-9843-976C-3AAFAA5AC07D}" dt="2023-02-24T13:19:35.601" v="2898" actId="20577"/>
-          <ac:spMkLst>
-            <pc:docMk/>
-            <pc:sldMk cId="1209572041" sldId="2722"/>
-            <ac:spMk id="13" creationId="{303BC878-BC57-D350-27A3-F03AE48213AC}"/>
-          </ac:spMkLst>
-        </pc:spChg>
-      </pc:sldChg>
-      <pc:sldChg chg="addSp delSp modSp add mod">
-        <pc:chgData name="Xin Luo" userId="82312ee5779919a4" providerId="LiveId" clId="{82BFAA31-791A-9843-976C-3AAFAA5AC07D}" dt="2023-02-24T13:20:14.840" v="2906" actId="404"/>
-        <pc:sldMkLst>
-          <pc:docMk/>
-          <pc:sldMk cId="4156684215" sldId="2738"/>
-        </pc:sldMkLst>
-        <pc:spChg chg="mod">
-          <ac:chgData name="Xin Luo" userId="82312ee5779919a4" providerId="LiveId" clId="{82BFAA31-791A-9843-976C-3AAFAA5AC07D}" dt="2023-02-24T07:02:55.789" v="157" actId="20577"/>
-          <ac:spMkLst>
-            <pc:docMk/>
-            <pc:sldMk cId="4156684215" sldId="2738"/>
-            <ac:spMk id="2" creationId="{631AADB6-C88A-D817-4683-FC087E4E240F}"/>
-          </ac:spMkLst>
-        </pc:spChg>
-        <pc:spChg chg="add del mod">
-          <ac:chgData name="Xin Luo" userId="82312ee5779919a4" providerId="LiveId" clId="{82BFAA31-791A-9843-976C-3AAFAA5AC07D}" dt="2023-02-24T13:20:14.840" v="2906" actId="404"/>
-          <ac:spMkLst>
-            <pc:docMk/>
-            <pc:sldMk cId="4156684215" sldId="2738"/>
-            <ac:spMk id="6" creationId="{6741FEA2-C046-FD82-2800-2CB513792080}"/>
-          </ac:spMkLst>
-        </pc:spChg>
-        <pc:picChg chg="del mod">
-          <ac:chgData name="Xin Luo" userId="82312ee5779919a4" providerId="LiveId" clId="{82BFAA31-791A-9843-976C-3AAFAA5AC07D}" dt="2023-02-24T07:03:01.663" v="158" actId="478"/>
-          <ac:picMkLst>
-            <pc:docMk/>
-            <pc:sldMk cId="4156684215" sldId="2738"/>
-            <ac:picMk id="1030" creationId="{C93DB76E-C02F-05AC-2014-674F7E808ADA}"/>
-          </ac:picMkLst>
-        </pc:picChg>
-        <pc:picChg chg="add del mod">
-          <ac:chgData name="Xin Luo" userId="82312ee5779919a4" providerId="LiveId" clId="{82BFAA31-791A-9843-976C-3AAFAA5AC07D}" dt="2023-02-24T13:20:06.575" v="2903" actId="1076"/>
-          <ac:picMkLst>
-            <pc:docMk/>
-            <pc:sldMk cId="4156684215" sldId="2738"/>
-            <ac:picMk id="2050" creationId="{324F0AC4-07BA-4B3E-1A6B-D49FF0B87AC4}"/>
-          </ac:picMkLst>
-        </pc:picChg>
-      </pc:sldChg>
-      <pc:sldChg chg="delSp modSp add mod">
-        <pc:chgData name="Xin Luo" userId="82312ee5779919a4" providerId="LiveId" clId="{82BFAA31-791A-9843-976C-3AAFAA5AC07D}" dt="2023-02-24T12:59:25.971" v="2504" actId="20577"/>
-        <pc:sldMkLst>
-          <pc:docMk/>
-          <pc:sldMk cId="2776132283" sldId="2739"/>
-        </pc:sldMkLst>
-        <pc:spChg chg="mod">
-          <ac:chgData name="Xin Luo" userId="82312ee5779919a4" providerId="LiveId" clId="{82BFAA31-791A-9843-976C-3AAFAA5AC07D}" dt="2023-02-24T12:39:05.574" v="2002" actId="1076"/>
-          <ac:spMkLst>
-            <pc:docMk/>
-            <pc:sldMk cId="2776132283" sldId="2739"/>
-            <ac:spMk id="2" creationId="{631AADB6-C88A-D817-4683-FC087E4E240F}"/>
-          </ac:spMkLst>
-        </pc:spChg>
-        <pc:spChg chg="mod">
-          <ac:chgData name="Xin Luo" userId="82312ee5779919a4" providerId="LiveId" clId="{82BFAA31-791A-9843-976C-3AAFAA5AC07D}" dt="2023-02-24T12:59:25.971" v="2504" actId="20577"/>
-          <ac:spMkLst>
-            <pc:docMk/>
-            <pc:sldMk cId="2776132283" sldId="2739"/>
-            <ac:spMk id="6" creationId="{6741FEA2-C046-FD82-2800-2CB513792080}"/>
-          </ac:spMkLst>
-        </pc:spChg>
-        <pc:picChg chg="del">
-          <ac:chgData name="Xin Luo" userId="82312ee5779919a4" providerId="LiveId" clId="{82BFAA31-791A-9843-976C-3AAFAA5AC07D}" dt="2023-02-24T09:02:09.130" v="665" actId="478"/>
-          <ac:picMkLst>
-            <pc:docMk/>
-            <pc:sldMk cId="2776132283" sldId="2739"/>
-            <ac:picMk id="2050" creationId="{324F0AC4-07BA-4B3E-1A6B-D49FF0B87AC4}"/>
-          </ac:picMkLst>
-        </pc:picChg>
-      </pc:sldChg>
-      <pc:sldChg chg="delSp modSp add mod">
-        <pc:chgData name="Xin Luo" userId="82312ee5779919a4" providerId="LiveId" clId="{82BFAA31-791A-9843-976C-3AAFAA5AC07D}" dt="2023-02-24T12:42:54.354" v="2196" actId="20577"/>
-        <pc:sldMkLst>
-          <pc:docMk/>
-          <pc:sldMk cId="2510358707" sldId="2740"/>
-        </pc:sldMkLst>
-        <pc:spChg chg="mod">
-          <ac:chgData name="Xin Luo" userId="82312ee5779919a4" providerId="LiveId" clId="{82BFAA31-791A-9843-976C-3AAFAA5AC07D}" dt="2023-02-24T12:39:15.147" v="2006" actId="20577"/>
-          <ac:spMkLst>
-            <pc:docMk/>
-            <pc:sldMk cId="2510358707" sldId="2740"/>
-            <ac:spMk id="2" creationId="{631AADB6-C88A-D817-4683-FC087E4E240F}"/>
-          </ac:spMkLst>
-        </pc:spChg>
-        <pc:spChg chg="del mod">
-          <ac:chgData name="Xin Luo" userId="82312ee5779919a4" providerId="LiveId" clId="{82BFAA31-791A-9843-976C-3AAFAA5AC07D}" dt="2023-02-24T12:26:37.033" v="1934" actId="478"/>
-          <ac:spMkLst>
-            <pc:docMk/>
-            <pc:sldMk cId="2510358707" sldId="2740"/>
-            <ac:spMk id="5" creationId="{D45B97A4-ED20-7E18-1BEF-4A81710B7783}"/>
-          </ac:spMkLst>
-        </pc:spChg>
-        <pc:spChg chg="mod">
-          <ac:chgData name="Xin Luo" userId="82312ee5779919a4" providerId="LiveId" clId="{82BFAA31-791A-9843-976C-3AAFAA5AC07D}" dt="2023-02-24T12:42:54.354" v="2196" actId="20577"/>
-          <ac:spMkLst>
-            <pc:docMk/>
-            <pc:sldMk cId="2510358707" sldId="2740"/>
-            <ac:spMk id="17" creationId="{9E05FFCA-3371-AF5C-381D-71D984055F5A}"/>
-          </ac:spMkLst>
-        </pc:spChg>
-      </pc:sldChg>
-      <pc:sldChg chg="add del">
-        <pc:chgData name="Xin Luo" userId="82312ee5779919a4" providerId="LiveId" clId="{82BFAA31-791A-9843-976C-3AAFAA5AC07D}" dt="2023-02-24T12:26:24.988" v="1931"/>
-        <pc:sldMkLst>
-          <pc:docMk/>
-          <pc:sldMk cId="2028886328" sldId="2741"/>
-        </pc:sldMkLst>
-      </pc:sldChg>
-      <pc:sldChg chg="modSp add mod">
-        <pc:chgData name="Xin Luo" userId="82312ee5779919a4" providerId="LiveId" clId="{82BFAA31-791A-9843-976C-3AAFAA5AC07D}" dt="2023-02-24T13:00:24.884" v="2578" actId="20577"/>
-        <pc:sldMkLst>
-          <pc:docMk/>
-          <pc:sldMk cId="2476237792" sldId="2741"/>
-        </pc:sldMkLst>
-        <pc:spChg chg="mod">
-          <ac:chgData name="Xin Luo" userId="82312ee5779919a4" providerId="LiveId" clId="{82BFAA31-791A-9843-976C-3AAFAA5AC07D}" dt="2023-02-24T12:59:34.011" v="2511" actId="20577"/>
-          <ac:spMkLst>
-            <pc:docMk/>
-            <pc:sldMk cId="2476237792" sldId="2741"/>
-            <ac:spMk id="2" creationId="{631AADB6-C88A-D817-4683-FC087E4E240F}"/>
-          </ac:spMkLst>
-        </pc:spChg>
-        <pc:spChg chg="mod">
-          <ac:chgData name="Xin Luo" userId="82312ee5779919a4" providerId="LiveId" clId="{82BFAA31-791A-9843-976C-3AAFAA5AC07D}" dt="2023-02-24T12:39:25.368" v="2008"/>
-          <ac:spMkLst>
-            <pc:docMk/>
-            <pc:sldMk cId="2476237792" sldId="2741"/>
-            <ac:spMk id="3" creationId="{00000000-0000-0000-0000-000000000000}"/>
-          </ac:spMkLst>
-        </pc:spChg>
-        <pc:spChg chg="mod">
-          <ac:chgData name="Xin Luo" userId="82312ee5779919a4" providerId="LiveId" clId="{82BFAA31-791A-9843-976C-3AAFAA5AC07D}" dt="2023-02-24T13:00:24.884" v="2578" actId="20577"/>
-          <ac:spMkLst>
-            <pc:docMk/>
-            <pc:sldMk cId="2476237792" sldId="2741"/>
-            <ac:spMk id="6" creationId="{6741FEA2-C046-FD82-2800-2CB513792080}"/>
-          </ac:spMkLst>
-        </pc:spChg>
-      </pc:sldChg>
     </pc:docChg>
   </pc:docChgLst>
 </pc:chgInfo>
@@ -7772,7 +7772,7 @@
               </a14:hiddenFill>
             </a:ext>
             <a:ext uri="{FAA26D3D-D897-4be2-8F04-BA451C77F1D7}">
-              <ma14:placeholderFlag xmlns:ma14="http://schemas.microsoft.com/office/mac/drawingml/2011/main" xmlns="" val="1"/>
+              <ma14:placeholderFlag xmlns="" xmlns:ma14="http://schemas.microsoft.com/office/mac/drawingml/2011/main" val="1"/>
             </a:ext>
           </a:extLst>
         </p:spPr>
@@ -8156,7 +8156,7 @@
               </a14:hiddenLine>
             </a:ext>
             <a:ext uri="{FAA26D3D-D897-4be2-8F04-BA451C77F1D7}">
-              <ma14:placeholderFlag xmlns:ma14="http://schemas.microsoft.com/office/mac/drawingml/2011/main" xmlns="" val="1"/>
+              <ma14:placeholderFlag xmlns="" xmlns:ma14="http://schemas.microsoft.com/office/mac/drawingml/2011/main" val="1"/>
             </a:ext>
           </a:extLst>
         </p:spPr>
@@ -10967,7 +10967,7 @@
               </a14:hiddenLine>
             </a:ext>
             <a:ext uri="{FAA26D3D-D897-4be2-8F04-BA451C77F1D7}">
-              <ma14:placeholderFlag xmlns:ma14="http://schemas.microsoft.com/office/mac/drawingml/2011/main" xmlns="" val="1"/>
+              <ma14:placeholderFlag xmlns="" xmlns:ma14="http://schemas.microsoft.com/office/mac/drawingml/2011/main" val="1"/>
             </a:ext>
           </a:extLst>
         </p:spPr>
@@ -14658,7 +14658,7 @@
               </a14:hiddenLine>
             </a:ext>
             <a:ext uri="{FAA26D3D-D897-4be2-8F04-BA451C77F1D7}">
-              <ma14:placeholderFlag xmlns:ma14="http://schemas.microsoft.com/office/mac/drawingml/2011/main" xmlns="" val="1"/>
+              <ma14:placeholderFlag xmlns="" xmlns:ma14="http://schemas.microsoft.com/office/mac/drawingml/2011/main" val="1"/>
             </a:ext>
           </a:extLst>
         </p:spPr>
@@ -19646,8 +19646,8 @@
           </a:p>
         </p:txBody>
       </p:sp>
-      <mc:AlternateContent xmlns:mc="http://schemas.openxmlformats.org/markup-compatibility/2006">
-        <mc:Choice xmlns:a14="http://schemas.microsoft.com/office/drawing/2010/main" Requires="a14">
+      <mc:AlternateContent xmlns:mc="http://schemas.openxmlformats.org/markup-compatibility/2006" xmlns:a14="http://schemas.microsoft.com/office/drawing/2010/main">
+        <mc:Choice Requires="a14">
           <p:sp>
             <p:nvSpPr>
               <p:cNvPr id="5" name="TextBox 4">
@@ -19976,7 +19976,7 @@
             </p:txBody>
           </p:sp>
         </mc:Choice>
-        <mc:Fallback>
+        <mc:Fallback xmlns="">
           <p:sp>
             <p:nvSpPr>
               <p:cNvPr id="5" name="TextBox 4">
@@ -33062,16 +33062,6 @@
                 <a:ea typeface="+mn-ea"/>
               </a:rPr>
               <a:t>GDAL</a:t>
-            </a:r>
-            <a:r>
-              <a:rPr lang="en-US" altLang="zh-CN" sz="2800" b="1" dirty="0">
-                <a:solidFill>
-                  <a:srgbClr val="333333"/>
-                </a:solidFill>
-                <a:latin typeface="+mn-ea"/>
-                <a:ea typeface="+mn-ea"/>
-              </a:rPr>
-              <a:t>/OGR</a:t>
             </a:r>
             <a:r>
               <a:rPr lang="zh-CN" altLang="en-US" sz="2800" b="1" dirty="0">

--- a/第5章-GDAL开源库及栅格数据处理-8课时/第五章-栅格数据处理.pptx
+++ b/第5章-GDAL开源库及栅格数据处理-8课时/第五章-栅格数据处理.pptx
@@ -7772,7 +7772,7 @@
               </a14:hiddenFill>
             </a:ext>
             <a:ext uri="{FAA26D3D-D897-4be2-8F04-BA451C77F1D7}">
-              <ma14:placeholderFlag xmlns="" xmlns:ma14="http://schemas.microsoft.com/office/mac/drawingml/2011/main" val="1"/>
+              <ma14:placeholderFlag xmlns:ma14="http://schemas.microsoft.com/office/mac/drawingml/2011/main" xmlns="" val="1"/>
             </a:ext>
           </a:extLst>
         </p:spPr>
@@ -8156,7 +8156,7 @@
               </a14:hiddenLine>
             </a:ext>
             <a:ext uri="{FAA26D3D-D897-4be2-8F04-BA451C77F1D7}">
-              <ma14:placeholderFlag xmlns="" xmlns:ma14="http://schemas.microsoft.com/office/mac/drawingml/2011/main" val="1"/>
+              <ma14:placeholderFlag xmlns:ma14="http://schemas.microsoft.com/office/mac/drawingml/2011/main" xmlns="" val="1"/>
             </a:ext>
           </a:extLst>
         </p:spPr>
@@ -10967,7 +10967,7 @@
               </a14:hiddenLine>
             </a:ext>
             <a:ext uri="{FAA26D3D-D897-4be2-8F04-BA451C77F1D7}">
-              <ma14:placeholderFlag xmlns="" xmlns:ma14="http://schemas.microsoft.com/office/mac/drawingml/2011/main" val="1"/>
+              <ma14:placeholderFlag xmlns:ma14="http://schemas.microsoft.com/office/mac/drawingml/2011/main" xmlns="" val="1"/>
             </a:ext>
           </a:extLst>
         </p:spPr>
@@ -14658,7 +14658,7 @@
               </a14:hiddenLine>
             </a:ext>
             <a:ext uri="{FAA26D3D-D897-4be2-8F04-BA451C77F1D7}">
-              <ma14:placeholderFlag xmlns="" xmlns:ma14="http://schemas.microsoft.com/office/mac/drawingml/2011/main" val="1"/>
+              <ma14:placeholderFlag xmlns:ma14="http://schemas.microsoft.com/office/mac/drawingml/2011/main" xmlns="" val="1"/>
             </a:ext>
           </a:extLst>
         </p:spPr>
